--- a/Workflow_scheme.pptx
+++ b/Workflow_scheme.pptx
@@ -1611,7 +1611,7 @@
 <dgm:dataModel xmlns:dgm="http://schemas.openxmlformats.org/drawingml/2006/diagram" xmlns:a="http://schemas.openxmlformats.org/drawingml/2006/main">
   <dgm:ptLst>
     <dgm:pt modelId="{15CCC846-66CB-4AB6-99DC-D3941F58C42E}" type="doc">
-      <dgm:prSet loTypeId="urn:microsoft.com/office/officeart/2005/8/layout/chevron2" loCatId="list" qsTypeId="urn:microsoft.com/office/officeart/2005/8/quickstyle/simple1" qsCatId="simple" csTypeId="urn:microsoft.com/office/officeart/2005/8/colors/accent1_2" csCatId="accent1" phldr="1"/>
+      <dgm:prSet loTypeId="urn:microsoft.com/office/officeart/2005/8/layout/vList5" loCatId="list" qsTypeId="urn:microsoft.com/office/officeart/2005/8/quickstyle/simple1" qsCatId="simple" csTypeId="urn:microsoft.com/office/officeart/2005/8/colors/accent1_2" csCatId="accent1" phldr="1"/>
       <dgm:spPr/>
       <dgm:t>
         <a:bodyPr/>
@@ -1622,17 +1622,17 @@
       </dgm:t>
     </dgm:pt>
     <dgm:pt modelId="{7B81F67D-21AE-4C28-A3BF-89F73BBB199B}">
-      <dgm:prSet phldrT="[Text]"/>
+      <dgm:prSet phldrT="[Text]" custT="1"/>
       <dgm:spPr/>
       <dgm:t>
         <a:bodyPr/>
         <a:lstStyle/>
         <a:p>
           <a:r>
-            <a:rPr lang="de-DE" dirty="0"/>
+            <a:rPr lang="de-DE" sz="1000" dirty="0"/>
             <a:t>1. Modeling</a:t>
           </a:r>
-          <a:endParaRPr lang="en-US" dirty="0"/>
+          <a:endParaRPr lang="en-US" sz="1000" dirty="0"/>
         </a:p>
       </dgm:t>
     </dgm:pt>
@@ -1659,33 +1659,33 @@
       </dgm:t>
     </dgm:pt>
     <dgm:pt modelId="{4898C38B-55BE-4817-BA72-8C481886CF68}">
-      <dgm:prSet phldrT="[Text]"/>
+      <dgm:prSet phldrT="[Text]" custT="1"/>
       <dgm:spPr/>
       <dgm:t>
         <a:bodyPr/>
         <a:lstStyle/>
         <a:p>
           <a:r>
-            <a:rPr lang="de-DE" dirty="0" err="1"/>
+            <a:rPr lang="de-DE" sz="1200" dirty="0" err="1"/>
             <a:t>Developing</a:t>
           </a:r>
           <a:r>
-            <a:rPr lang="de-DE" dirty="0"/>
+            <a:rPr lang="de-DE" sz="1200" dirty="0"/>
             <a:t> </a:t>
           </a:r>
           <a:r>
-            <a:rPr lang="de-DE" dirty="0" err="1"/>
+            <a:rPr lang="de-DE" sz="1200" dirty="0" err="1"/>
             <a:t>the</a:t>
           </a:r>
           <a:r>
-            <a:rPr lang="de-DE" dirty="0"/>
+            <a:rPr lang="de-DE" sz="1200" dirty="0"/>
             <a:t> </a:t>
           </a:r>
           <a:r>
-            <a:rPr lang="de-DE" dirty="0" err="1"/>
+            <a:rPr lang="de-DE" sz="1200" dirty="0" err="1"/>
             <a:t>model</a:t>
           </a:r>
-          <a:endParaRPr lang="en-US" dirty="0"/>
+          <a:endParaRPr lang="en-US" sz="1200" dirty="0"/>
         </a:p>
       </dgm:t>
     </dgm:pt>
@@ -1712,21 +1712,21 @@
       </dgm:t>
     </dgm:pt>
     <dgm:pt modelId="{CFDF3C45-50B7-4957-A6D1-2776554822B0}">
-      <dgm:prSet phldrT="[Text]"/>
+      <dgm:prSet phldrT="[Text]" custT="1"/>
       <dgm:spPr/>
       <dgm:t>
         <a:bodyPr/>
         <a:lstStyle/>
         <a:p>
           <a:r>
-            <a:rPr lang="de-DE" dirty="0"/>
+            <a:rPr lang="de-DE" sz="1000" dirty="0"/>
             <a:t>Scenario </a:t>
           </a:r>
           <a:r>
-            <a:rPr lang="de-DE" dirty="0" err="1"/>
+            <a:rPr lang="de-DE" sz="1000" dirty="0" err="1"/>
             <a:t>name</a:t>
           </a:r>
-          <a:endParaRPr lang="en-US" dirty="0"/>
+          <a:endParaRPr lang="en-US" sz="1000" dirty="0"/>
         </a:p>
       </dgm:t>
     </dgm:pt>
@@ -1753,17 +1753,17 @@
       </dgm:t>
     </dgm:pt>
     <dgm:pt modelId="{9329094B-E7CD-4AE8-BD21-31A638D10CEA}">
-      <dgm:prSet phldrT="[Text]"/>
+      <dgm:prSet phldrT="[Text]" custT="1"/>
       <dgm:spPr/>
       <dgm:t>
         <a:bodyPr/>
         <a:lstStyle/>
         <a:p>
           <a:r>
-            <a:rPr lang="de-DE" dirty="0" err="1"/>
+            <a:rPr lang="de-DE" sz="1200" dirty="0" err="1"/>
             <a:t>Scenario_name</a:t>
           </a:r>
-          <a:endParaRPr lang="en-US" dirty="0"/>
+          <a:endParaRPr lang="en-US" sz="1200" dirty="0"/>
         </a:p>
       </dgm:t>
     </dgm:pt>
@@ -1790,21 +1790,21 @@
       </dgm:t>
     </dgm:pt>
     <dgm:pt modelId="{234ADFE6-B9BA-46DD-BCD9-DD779CFDEE13}">
-      <dgm:prSet phldrT="[Text]"/>
+      <dgm:prSet phldrT="[Text]" custT="1"/>
       <dgm:spPr/>
       <dgm:t>
         <a:bodyPr/>
         <a:lstStyle/>
         <a:p>
           <a:r>
-            <a:rPr lang="de-DE" dirty="0"/>
+            <a:rPr lang="de-DE" sz="1000" dirty="0"/>
             <a:t>Model </a:t>
           </a:r>
           <a:r>
-            <a:rPr lang="de-DE" dirty="0" err="1"/>
+            <a:rPr lang="de-DE" sz="1000" dirty="0" err="1"/>
             <a:t>file</a:t>
           </a:r>
-          <a:endParaRPr lang="en-US" dirty="0"/>
+          <a:endParaRPr lang="en-US" sz="1000" dirty="0"/>
         </a:p>
       </dgm:t>
     </dgm:pt>
@@ -1831,17 +1831,17 @@
       </dgm:t>
     </dgm:pt>
     <dgm:pt modelId="{6E620903-2E6F-42C3-85DD-4BFDDA06F4AF}">
-      <dgm:prSet phldrT="[Text]"/>
+      <dgm:prSet phldrT="[Text]" custT="1"/>
       <dgm:spPr/>
       <dgm:t>
         <a:bodyPr/>
         <a:lstStyle/>
         <a:p>
           <a:r>
-            <a:rPr lang="de-DE" dirty="0" err="1"/>
+            <a:rPr lang="de-DE" sz="1200" dirty="0" err="1"/>
             <a:t>ModelFile</a:t>
           </a:r>
-          <a:endParaRPr lang="en-US" dirty="0"/>
+          <a:endParaRPr lang="en-US" sz="1200" dirty="0"/>
         </a:p>
       </dgm:t>
     </dgm:pt>
@@ -1868,37 +1868,37 @@
       </dgm:t>
     </dgm:pt>
     <dgm:pt modelId="{42944476-F00A-470D-A852-84559B31C606}">
-      <dgm:prSet phldrT="[Text]"/>
+      <dgm:prSet phldrT="[Text]" custT="1"/>
       <dgm:spPr/>
       <dgm:t>
         <a:bodyPr/>
         <a:lstStyle/>
         <a:p>
           <a:r>
-            <a:rPr lang="de-DE" dirty="0"/>
+            <a:rPr lang="de-DE" sz="1200" dirty="0"/>
             <a:t>Export </a:t>
           </a:r>
           <a:r>
-            <a:rPr lang="de-DE" dirty="0" err="1"/>
+            <a:rPr lang="de-DE" sz="1200" dirty="0" err="1"/>
             <a:t>model</a:t>
           </a:r>
           <a:r>
-            <a:rPr lang="de-DE" dirty="0"/>
+            <a:rPr lang="de-DE" sz="1200" dirty="0"/>
             <a:t> </a:t>
           </a:r>
           <a:r>
-            <a:rPr lang="de-DE" dirty="0" err="1"/>
+            <a:rPr lang="de-DE" sz="1200" dirty="0" err="1"/>
             <a:t>to</a:t>
           </a:r>
           <a:r>
-            <a:rPr lang="de-DE" dirty="0"/>
+            <a:rPr lang="de-DE" sz="1200" dirty="0"/>
             <a:t> *.</a:t>
           </a:r>
           <a:r>
-            <a:rPr lang="de-DE" dirty="0" err="1"/>
+            <a:rPr lang="de-DE" sz="1200" dirty="0" err="1"/>
             <a:t>pkml</a:t>
           </a:r>
-          <a:endParaRPr lang="en-US" dirty="0"/>
+          <a:endParaRPr lang="en-US" sz="1200" dirty="0"/>
         </a:p>
       </dgm:t>
     </dgm:pt>
@@ -1925,21 +1925,21 @@
       </dgm:t>
     </dgm:pt>
     <dgm:pt modelId="{23376C93-E20B-41FF-805C-D5820A4245AA}">
-      <dgm:prSet phldrT="[Text]"/>
+      <dgm:prSet phldrT="[Text]" custT="1"/>
       <dgm:spPr/>
       <dgm:t>
         <a:bodyPr/>
         <a:lstStyle/>
         <a:p>
           <a:r>
-            <a:rPr lang="de-DE" dirty="0"/>
+            <a:rPr lang="de-DE" sz="1000" dirty="0"/>
             <a:t>Global </a:t>
           </a:r>
           <a:r>
-            <a:rPr lang="de-DE" dirty="0" err="1"/>
+            <a:rPr lang="de-DE" sz="1000" dirty="0" err="1"/>
             <a:t>parametrization</a:t>
           </a:r>
-          <a:endParaRPr lang="en-US" dirty="0"/>
+          <a:endParaRPr lang="en-US" sz="1000" dirty="0"/>
         </a:p>
       </dgm:t>
     </dgm:pt>
@@ -1966,17 +1966,17 @@
       </dgm:t>
     </dgm:pt>
     <dgm:pt modelId="{9FE6BF17-7968-4700-9C73-DF707B14D062}">
-      <dgm:prSet phldrT="[Text]"/>
+      <dgm:prSet phldrT="[Text]" custT="1"/>
       <dgm:spPr/>
       <dgm:t>
         <a:bodyPr/>
         <a:lstStyle/>
         <a:p>
           <a:r>
-            <a:rPr lang="de-DE" dirty="0" err="1"/>
+            <a:rPr lang="de-DE" sz="1200" dirty="0" err="1"/>
             <a:t>ModelParameterSheets</a:t>
           </a:r>
-          <a:endParaRPr lang="en-US" dirty="0"/>
+          <a:endParaRPr lang="en-US" sz="1200" dirty="0"/>
         </a:p>
       </dgm:t>
     </dgm:pt>
@@ -2003,17 +2003,17 @@
       </dgm:t>
     </dgm:pt>
     <dgm:pt modelId="{201149F7-42E6-4A42-91E0-26EABB34D0DF}">
-      <dgm:prSet phldrT="[Text]"/>
+      <dgm:prSet phldrT="[Text]" custT="1"/>
       <dgm:spPr/>
       <dgm:t>
         <a:bodyPr/>
         <a:lstStyle/>
         <a:p>
           <a:r>
-            <a:rPr lang="de-DE" dirty="0"/>
+            <a:rPr lang="de-DE" sz="1000" dirty="0"/>
             <a:t>Individual</a:t>
           </a:r>
-          <a:endParaRPr lang="en-US" dirty="0"/>
+          <a:endParaRPr lang="en-US" sz="1000" dirty="0"/>
         </a:p>
       </dgm:t>
     </dgm:pt>
@@ -2040,29 +2040,29 @@
       </dgm:t>
     </dgm:pt>
     <dgm:pt modelId="{C906D562-144E-406B-B32A-54290E58ABE3}">
-      <dgm:prSet phldrT="[Text]"/>
+      <dgm:prSet phldrT="[Text]" custT="1"/>
       <dgm:spPr/>
       <dgm:t>
         <a:bodyPr/>
         <a:lstStyle/>
         <a:p>
           <a:r>
-            <a:rPr lang="de-DE" dirty="0" err="1"/>
+            <a:rPr lang="de-DE" sz="1100" dirty="0" err="1"/>
             <a:t>Column</a:t>
           </a:r>
           <a:r>
-            <a:rPr lang="de-DE" dirty="0"/>
+            <a:rPr lang="de-DE" sz="1100" dirty="0"/>
             <a:t> „</a:t>
           </a:r>
           <a:r>
-            <a:rPr lang="de-DE" dirty="0" err="1"/>
+            <a:rPr lang="de-DE" sz="1100" dirty="0" err="1"/>
             <a:t>IndividualId</a:t>
           </a:r>
           <a:r>
-            <a:rPr lang="de-DE" dirty="0"/>
+            <a:rPr lang="de-DE" sz="1100" dirty="0"/>
             <a:t>“</a:t>
           </a:r>
-          <a:endParaRPr lang="en-US" dirty="0"/>
+          <a:endParaRPr lang="en-US" sz="1100" dirty="0"/>
         </a:p>
       </dgm:t>
     </dgm:pt>
@@ -2089,33 +2089,33 @@
       </dgm:t>
     </dgm:pt>
     <dgm:pt modelId="{417A568B-CC35-47D1-A062-A41A2AA70AD9}">
-      <dgm:prSet phldrT="[Text]"/>
+      <dgm:prSet phldrT="[Text]" custT="1"/>
       <dgm:spPr/>
       <dgm:t>
         <a:bodyPr/>
         <a:lstStyle/>
         <a:p>
           <a:r>
-            <a:rPr lang="de-DE" dirty="0"/>
+            <a:rPr lang="de-DE" sz="1100" dirty="0"/>
             <a:t>Individual </a:t>
           </a:r>
           <a:r>
-            <a:rPr lang="de-DE" dirty="0" err="1"/>
+            <a:rPr lang="de-DE" sz="1100" dirty="0" err="1"/>
             <a:t>biometrics</a:t>
           </a:r>
           <a:r>
-            <a:rPr lang="de-DE" dirty="0"/>
+            <a:rPr lang="de-DE" sz="1100" dirty="0"/>
             <a:t> (</a:t>
           </a:r>
           <a:r>
-            <a:rPr lang="de-DE" dirty="0" err="1"/>
+            <a:rPr lang="de-DE" sz="1100" dirty="0" err="1"/>
             <a:t>file</a:t>
           </a:r>
           <a:r>
-            <a:rPr lang="de-DE" dirty="0"/>
+            <a:rPr lang="de-DE" sz="1100" dirty="0"/>
             <a:t> „Individuals.xlsx“)</a:t>
           </a:r>
-          <a:endParaRPr lang="en-US" dirty="0"/>
+          <a:endParaRPr lang="en-US" sz="1100" dirty="0"/>
         </a:p>
       </dgm:t>
     </dgm:pt>
@@ -2142,33 +2142,33 @@
       </dgm:t>
     </dgm:pt>
     <dgm:pt modelId="{E09634D0-26EA-4C67-8380-9BA7FAF524B4}">
-      <dgm:prSet phldrT="[Text]"/>
+      <dgm:prSet phldrT="[Text]" custT="1"/>
       <dgm:spPr/>
       <dgm:t>
         <a:bodyPr/>
         <a:lstStyle/>
         <a:p>
           <a:r>
-            <a:rPr lang="de-DE" dirty="0"/>
+            <a:rPr lang="de-DE" sz="1100" dirty="0"/>
             <a:t>Individual </a:t>
           </a:r>
           <a:r>
-            <a:rPr lang="de-DE" dirty="0" err="1"/>
+            <a:rPr lang="de-DE" sz="1100" dirty="0" err="1"/>
             <a:t>parameters</a:t>
           </a:r>
           <a:r>
-            <a:rPr lang="de-DE" dirty="0"/>
+            <a:rPr lang="de-DE" sz="1100" dirty="0"/>
             <a:t> (</a:t>
           </a:r>
           <a:r>
-            <a:rPr lang="de-DE" dirty="0" err="1"/>
+            <a:rPr lang="de-DE" sz="1100" dirty="0" err="1"/>
             <a:t>file</a:t>
           </a:r>
           <a:r>
-            <a:rPr lang="de-DE" dirty="0"/>
+            <a:rPr lang="de-DE" sz="1100" dirty="0"/>
             <a:t> „Individuals.xlsx“</a:t>
           </a:r>
-          <a:endParaRPr lang="en-US" dirty="0"/>
+          <a:endParaRPr lang="en-US" sz="1100" dirty="0"/>
         </a:p>
       </dgm:t>
     </dgm:pt>
@@ -2195,17 +2195,17 @@
       </dgm:t>
     </dgm:pt>
     <dgm:pt modelId="{9444A1B2-E7E6-4B78-8727-BB2D615A8202}">
-      <dgm:prSet phldrT="[Text]"/>
+      <dgm:prSet phldrT="[Text]" custT="1"/>
       <dgm:spPr/>
       <dgm:t>
         <a:bodyPr/>
         <a:lstStyle/>
         <a:p>
           <a:r>
-            <a:rPr lang="de-DE" dirty="0" err="1"/>
+            <a:rPr lang="de-DE" sz="1000" dirty="0" err="1"/>
             <a:t>Populations</a:t>
           </a:r>
-          <a:endParaRPr lang="en-US" dirty="0"/>
+          <a:endParaRPr lang="en-US" sz="1000" dirty="0"/>
         </a:p>
       </dgm:t>
     </dgm:pt>
@@ -2232,29 +2232,29 @@
       </dgm:t>
     </dgm:pt>
     <dgm:pt modelId="{B56281B1-AD2C-48DD-8635-A052138688E7}">
-      <dgm:prSet phldrT="[Text]"/>
+      <dgm:prSet phldrT="[Text]" custT="1"/>
       <dgm:spPr/>
       <dgm:t>
         <a:bodyPr/>
         <a:lstStyle/>
         <a:p>
           <a:r>
-            <a:rPr lang="de-DE" dirty="0" err="1"/>
+            <a:rPr lang="de-DE" sz="1100" dirty="0" err="1"/>
             <a:t>Column</a:t>
           </a:r>
           <a:r>
-            <a:rPr lang="de-DE" dirty="0"/>
+            <a:rPr lang="de-DE" sz="1100" dirty="0"/>
             <a:t> „</a:t>
           </a:r>
           <a:r>
-            <a:rPr lang="de-DE" dirty="0" err="1"/>
+            <a:rPr lang="de-DE" sz="1100" dirty="0" err="1"/>
             <a:t>PopulationId</a:t>
           </a:r>
           <a:r>
-            <a:rPr lang="de-DE" dirty="0"/>
+            <a:rPr lang="de-DE" sz="1100" dirty="0"/>
             <a:t>“</a:t>
           </a:r>
-          <a:endParaRPr lang="en-US" dirty="0"/>
+          <a:endParaRPr lang="en-US" sz="1100" dirty="0"/>
         </a:p>
       </dgm:t>
     </dgm:pt>
@@ -2281,85 +2281,85 @@
       </dgm:t>
     </dgm:pt>
     <dgm:pt modelId="{32874C01-811E-422B-93E3-98F33F16B4C2}">
-      <dgm:prSet phldrT="[Text]"/>
+      <dgm:prSet phldrT="[Text]" custT="1"/>
       <dgm:spPr/>
       <dgm:t>
         <a:bodyPr/>
         <a:lstStyle/>
         <a:p>
           <a:r>
-            <a:rPr lang="de-DE" dirty="0" err="1"/>
+            <a:rPr lang="de-DE" sz="1100" dirty="0" err="1"/>
             <a:t>If</a:t>
           </a:r>
           <a:r>
-            <a:rPr lang="de-DE" dirty="0"/>
+            <a:rPr lang="de-DE" sz="1100" dirty="0"/>
             <a:t> „</a:t>
           </a:r>
           <a:r>
-            <a:rPr lang="de-DE" dirty="0" err="1"/>
+            <a:rPr lang="de-DE" sz="1100" dirty="0" err="1"/>
             <a:t>ReadPopulationFromCSV</a:t>
           </a:r>
           <a:r>
-            <a:rPr lang="de-DE" dirty="0"/>
+            <a:rPr lang="de-DE" sz="1100" dirty="0"/>
             <a:t>“ </a:t>
           </a:r>
           <a:r>
-            <a:rPr lang="de-DE" dirty="0" err="1"/>
+            <a:rPr lang="de-DE" sz="1100" dirty="0" err="1"/>
             <a:t>is</a:t>
           </a:r>
           <a:r>
-            <a:rPr lang="de-DE" dirty="0"/>
+            <a:rPr lang="de-DE" sz="1100" dirty="0"/>
             <a:t> FALSE – </a:t>
           </a:r>
           <a:r>
-            <a:rPr lang="de-DE" dirty="0" err="1"/>
+            <a:rPr lang="de-DE" sz="1100" dirty="0" err="1"/>
             <a:t>define</a:t>
           </a:r>
           <a:r>
-            <a:rPr lang="de-DE" dirty="0"/>
+            <a:rPr lang="de-DE" sz="1100" dirty="0"/>
             <a:t> a </a:t>
           </a:r>
           <a:r>
-            <a:rPr lang="de-DE" dirty="0" err="1"/>
+            <a:rPr lang="de-DE" sz="1100" dirty="0" err="1"/>
             <a:t>population</a:t>
           </a:r>
           <a:r>
-            <a:rPr lang="de-DE" dirty="0"/>
+            <a:rPr lang="de-DE" sz="1100" dirty="0"/>
             <a:t> in </a:t>
           </a:r>
           <a:r>
-            <a:rPr lang="de-DE" dirty="0" err="1"/>
+            <a:rPr lang="de-DE" sz="1100" dirty="0" err="1"/>
             <a:t>the</a:t>
           </a:r>
           <a:r>
-            <a:rPr lang="de-DE" dirty="0"/>
+            <a:rPr lang="de-DE" sz="1100" dirty="0"/>
             <a:t> </a:t>
           </a:r>
           <a:r>
-            <a:rPr lang="de-DE" dirty="0" err="1"/>
+            <a:rPr lang="de-DE" sz="1100" dirty="0" err="1"/>
             <a:t>excel</a:t>
           </a:r>
           <a:r>
-            <a:rPr lang="de-DE" dirty="0"/>
+            <a:rPr lang="de-DE" sz="1100" dirty="0"/>
             <a:t> </a:t>
           </a:r>
           <a:r>
-            <a:rPr lang="de-DE" dirty="0" err="1"/>
+            <a:rPr lang="de-DE" sz="1100" dirty="0" err="1"/>
             <a:t>file</a:t>
           </a:r>
           <a:r>
-            <a:rPr lang="de-DE" dirty="0"/>
+            <a:rPr lang="de-DE" sz="1100" dirty="0"/>
             <a:t> „</a:t>
           </a:r>
           <a:r>
-            <a:rPr lang="de-DE" dirty="0" err="1"/>
+            <a:rPr lang="de-DE" sz="1100" dirty="0" err="1"/>
             <a:t>PopulationParameters</a:t>
           </a:r>
           <a:r>
-            <a:rPr lang="de-DE" dirty="0"/>
+            <a:rPr lang="de-DE" sz="1100" dirty="0"/>
             <a:t>“.</a:t>
           </a:r>
-          <a:endParaRPr lang="en-US" dirty="0"/>
+          <a:endParaRPr lang="en-US" sz="1100" dirty="0"/>
         </a:p>
       </dgm:t>
     </dgm:pt>
@@ -2386,77 +2386,77 @@
       </dgm:t>
     </dgm:pt>
     <dgm:pt modelId="{FF7C2D13-7053-47BD-B3B6-41F351D2BC26}">
-      <dgm:prSet phldrT="[Text]"/>
+      <dgm:prSet phldrT="[Text]" custT="1"/>
       <dgm:spPr/>
       <dgm:t>
         <a:bodyPr/>
         <a:lstStyle/>
         <a:p>
           <a:r>
-            <a:rPr lang="de-DE" dirty="0" err="1"/>
+            <a:rPr lang="de-DE" sz="1100" dirty="0" err="1"/>
             <a:t>if</a:t>
           </a:r>
           <a:r>
-            <a:rPr lang="de-DE" dirty="0"/>
+            <a:rPr lang="de-DE" sz="1100" dirty="0"/>
             <a:t> „</a:t>
           </a:r>
           <a:r>
-            <a:rPr lang="de-DE" dirty="0" err="1"/>
+            <a:rPr lang="de-DE" sz="1100" dirty="0" err="1"/>
             <a:t>ReadPopulationFromCSV</a:t>
           </a:r>
           <a:r>
-            <a:rPr lang="de-DE" dirty="0"/>
+            <a:rPr lang="de-DE" sz="1100" dirty="0"/>
             <a:t>“ </a:t>
           </a:r>
           <a:r>
-            <a:rPr lang="de-DE" dirty="0" err="1"/>
+            <a:rPr lang="de-DE" sz="1100" dirty="0" err="1"/>
             <a:t>is</a:t>
           </a:r>
           <a:r>
-            <a:rPr lang="de-DE" dirty="0"/>
+            <a:rPr lang="de-DE" sz="1100" dirty="0"/>
             <a:t> TRUE, </a:t>
           </a:r>
           <a:r>
-            <a:rPr lang="de-DE" dirty="0" err="1"/>
+            <a:rPr lang="de-DE" sz="1100" dirty="0" err="1"/>
             <a:t>place</a:t>
           </a:r>
           <a:r>
-            <a:rPr lang="de-DE" dirty="0"/>
+            <a:rPr lang="de-DE" sz="1100" dirty="0"/>
             <a:t> a </a:t>
           </a:r>
           <a:r>
-            <a:rPr lang="de-DE" dirty="0" err="1"/>
+            <a:rPr lang="de-DE" sz="1100" dirty="0" err="1"/>
             <a:t>population</a:t>
           </a:r>
           <a:r>
-            <a:rPr lang="de-DE" dirty="0"/>
+            <a:rPr lang="de-DE" sz="1100" dirty="0"/>
             <a:t> </a:t>
           </a:r>
           <a:r>
-            <a:rPr lang="de-DE" dirty="0" err="1"/>
+            <a:rPr lang="de-DE" sz="1100" dirty="0" err="1"/>
             <a:t>csv</a:t>
           </a:r>
           <a:r>
-            <a:rPr lang="de-DE" dirty="0"/>
+            <a:rPr lang="de-DE" sz="1100" dirty="0"/>
             <a:t> </a:t>
           </a:r>
           <a:r>
-            <a:rPr lang="de-DE" dirty="0" err="1"/>
+            <a:rPr lang="de-DE" sz="1100" dirty="0" err="1"/>
             <a:t>file</a:t>
           </a:r>
           <a:r>
-            <a:rPr lang="de-DE" dirty="0"/>
+            <a:rPr lang="de-DE" sz="1100" dirty="0"/>
             <a:t> in „Parameters/</a:t>
           </a:r>
           <a:r>
-            <a:rPr lang="de-DE" dirty="0" err="1"/>
+            <a:rPr lang="de-DE" sz="1100" dirty="0" err="1"/>
             <a:t>Populations</a:t>
           </a:r>
           <a:r>
-            <a:rPr lang="de-DE" dirty="0"/>
+            <a:rPr lang="de-DE" sz="1100" dirty="0"/>
             <a:t>“</a:t>
           </a:r>
-          <a:endParaRPr lang="en-US" dirty="0"/>
+          <a:endParaRPr lang="en-US" sz="1100" dirty="0"/>
         </a:p>
       </dgm:t>
     </dgm:pt>
@@ -2483,17 +2483,17 @@
       </dgm:t>
     </dgm:pt>
     <dgm:pt modelId="{A8E83E82-52D7-4DCA-BB8F-9D04416DC676}">
-      <dgm:prSet phldrT="[Text]"/>
+      <dgm:prSet phldrT="[Text]" custT="1"/>
       <dgm:spPr/>
       <dgm:t>
         <a:bodyPr/>
         <a:lstStyle/>
         <a:p>
           <a:r>
-            <a:rPr lang="de-DE" dirty="0"/>
+            <a:rPr lang="de-DE" sz="1000" dirty="0"/>
             <a:t>Simulation time</a:t>
           </a:r>
-          <a:endParaRPr lang="en-US" dirty="0"/>
+          <a:endParaRPr lang="en-US" sz="1000" dirty="0"/>
         </a:p>
       </dgm:t>
     </dgm:pt>
@@ -2520,21 +2520,21 @@
       </dgm:t>
     </dgm:pt>
     <dgm:pt modelId="{A44DAB8E-E51C-4777-B54C-4365F71E8DCD}">
-      <dgm:prSet phldrT="[Text]"/>
+      <dgm:prSet phldrT="[Text]" custT="1"/>
       <dgm:spPr/>
       <dgm:t>
         <a:bodyPr/>
         <a:lstStyle/>
         <a:p>
           <a:r>
-            <a:rPr lang="de-DE" dirty="0"/>
+            <a:rPr lang="de-DE" sz="1000" dirty="0"/>
             <a:t>Output </a:t>
           </a:r>
           <a:r>
-            <a:rPr lang="de-DE" dirty="0" err="1"/>
+            <a:rPr lang="de-DE" sz="1000" dirty="0" err="1"/>
             <a:t>paths</a:t>
           </a:r>
-          <a:endParaRPr lang="en-US" dirty="0"/>
+          <a:endParaRPr lang="en-US" sz="1000" dirty="0"/>
         </a:p>
       </dgm:t>
     </dgm:pt>
@@ -2561,17 +2561,33 @@
       </dgm:t>
     </dgm:pt>
     <dgm:pt modelId="{ECB9E705-F37D-4963-BD2F-1292CCDA2201}">
-      <dgm:prSet phldrT="[Text]"/>
+      <dgm:prSet phldrT="[Text]" custT="1"/>
       <dgm:spPr/>
       <dgm:t>
         <a:bodyPr/>
         <a:lstStyle/>
         <a:p>
           <a:r>
-            <a:rPr lang="de-DE"/>
-            <a:t>Columns „SimulationTime“ and „SimulationTimeUnit“</a:t>
-          </a:r>
-          <a:endParaRPr lang="en-US" dirty="0"/>
+            <a:rPr lang="de-DE" sz="1200" dirty="0"/>
+            <a:t>Columns „</a:t>
+          </a:r>
+          <a:r>
+            <a:rPr lang="de-DE" sz="1200" dirty="0" err="1"/>
+            <a:t>SimulationTime</a:t>
+          </a:r>
+          <a:r>
+            <a:rPr lang="de-DE" sz="1200" dirty="0"/>
+            <a:t>“ and „</a:t>
+          </a:r>
+          <a:r>
+            <a:rPr lang="de-DE" sz="1200" dirty="0" err="1"/>
+            <a:t>SimulationTimeUnit</a:t>
+          </a:r>
+          <a:r>
+            <a:rPr lang="de-DE" sz="1200" dirty="0"/>
+            <a:t>“</a:t>
+          </a:r>
+          <a:endParaRPr lang="en-US" sz="1200" dirty="0"/>
         </a:p>
       </dgm:t>
     </dgm:pt>
@@ -2598,45 +2614,45 @@
       </dgm:t>
     </dgm:pt>
     <dgm:pt modelId="{495F9139-F172-4385-B618-68404FB6FB8D}">
-      <dgm:prSet phldrT="[Text]"/>
+      <dgm:prSet phldrT="[Text]" custT="1"/>
       <dgm:spPr/>
       <dgm:t>
         <a:bodyPr/>
         <a:lstStyle/>
         <a:p>
           <a:r>
-            <a:rPr lang="de-DE" dirty="0" err="1"/>
+            <a:rPr lang="de-DE" sz="1200" dirty="0" err="1"/>
             <a:t>Column</a:t>
           </a:r>
           <a:r>
-            <a:rPr lang="de-DE" dirty="0"/>
+            <a:rPr lang="de-DE" sz="1200" dirty="0"/>
             <a:t> „</a:t>
           </a:r>
           <a:r>
-            <a:rPr lang="de-DE" dirty="0" err="1"/>
+            <a:rPr lang="de-DE" sz="1200" dirty="0" err="1"/>
             <a:t>OutputPathIds</a:t>
           </a:r>
           <a:r>
-            <a:rPr lang="de-DE" dirty="0"/>
+            <a:rPr lang="de-DE" sz="1200" dirty="0"/>
             <a:t>“ and </a:t>
           </a:r>
           <a:r>
-            <a:rPr lang="de-DE" dirty="0" err="1"/>
+            <a:rPr lang="de-DE" sz="1200" dirty="0" err="1"/>
             <a:t>sheet</a:t>
           </a:r>
           <a:r>
-            <a:rPr lang="de-DE" dirty="0"/>
+            <a:rPr lang="de-DE" sz="1200" dirty="0"/>
             <a:t> „</a:t>
           </a:r>
           <a:r>
-            <a:rPr lang="de-DE" dirty="0" err="1"/>
+            <a:rPr lang="de-DE" sz="1200" dirty="0" err="1"/>
             <a:t>OutputPaths</a:t>
           </a:r>
           <a:r>
-            <a:rPr lang="de-DE" dirty="0"/>
+            <a:rPr lang="de-DE" sz="1200" dirty="0"/>
             <a:t>“</a:t>
           </a:r>
-          <a:endParaRPr lang="en-US" dirty="0"/>
+          <a:endParaRPr lang="en-US" sz="1200" dirty="0"/>
         </a:p>
       </dgm:t>
     </dgm:pt>
@@ -2663,21 +2679,21 @@
       </dgm:t>
     </dgm:pt>
     <dgm:pt modelId="{8A7FC0D3-41C9-4C0D-9838-086C6E93547B}">
-      <dgm:prSet phldrT="[Text]"/>
+      <dgm:prSet phldrT="[Text]" custT="1"/>
       <dgm:spPr/>
       <dgm:t>
         <a:bodyPr/>
         <a:lstStyle/>
         <a:p>
           <a:r>
-            <a:rPr lang="de-DE" dirty="0"/>
+            <a:rPr lang="de-DE" sz="1000" dirty="0"/>
             <a:t>Administration </a:t>
           </a:r>
           <a:r>
-            <a:rPr lang="de-DE" dirty="0" err="1"/>
+            <a:rPr lang="de-DE" sz="1000" dirty="0" err="1"/>
             <a:t>protocols</a:t>
           </a:r>
-          <a:endParaRPr lang="en-US" dirty="0"/>
+          <a:endParaRPr lang="en-US" sz="1000" dirty="0"/>
         </a:p>
       </dgm:t>
     </dgm:pt>
@@ -2704,26 +2720,26 @@
       </dgm:t>
     </dgm:pt>
     <dgm:pt modelId="{DAD39579-D2C8-4F4F-896F-25699461E663}">
-      <dgm:prSet phldrT="[Text]"/>
+      <dgm:prSet phldrT="[Text]" custT="1"/>
       <dgm:spPr/>
       <dgm:t>
         <a:bodyPr/>
         <a:lstStyle/>
         <a:p>
           <a:r>
-            <a:rPr lang="de-DE" dirty="0" err="1"/>
+            <a:rPr lang="de-DE" sz="1200" dirty="0" err="1"/>
             <a:t>Column</a:t>
           </a:r>
           <a:r>
-            <a:rPr lang="de-DE" dirty="0"/>
+            <a:rPr lang="de-DE" sz="1200" dirty="0"/>
             <a:t> „</a:t>
           </a:r>
           <a:r>
-            <a:rPr lang="en-US" dirty="0" err="1"/>
+            <a:rPr lang="en-US" sz="1200" dirty="0" err="1"/>
             <a:t>ApplicationProtocol</a:t>
           </a:r>
           <a:r>
-            <a:rPr lang="en-US" dirty="0"/>
+            <a:rPr lang="en-US" sz="1200" dirty="0"/>
             <a:t>”</a:t>
           </a:r>
         </a:p>
@@ -2752,22 +2768,22 @@
       </dgm:t>
     </dgm:pt>
     <dgm:pt modelId="{6F65757B-E66B-403B-AAA0-E36AB6A1C065}">
-      <dgm:prSet phldrT="[Text]"/>
+      <dgm:prSet phldrT="[Text]" custT="1"/>
       <dgm:spPr/>
       <dgm:t>
         <a:bodyPr/>
         <a:lstStyle/>
         <a:p>
           <a:r>
-            <a:rPr lang="de-DE" dirty="0"/>
+            <a:rPr lang="de-DE" sz="1200" dirty="0"/>
             <a:t>File „</a:t>
           </a:r>
           <a:r>
-            <a:rPr lang="en-US" dirty="0" err="1"/>
+            <a:rPr lang="en-US" sz="1200" dirty="0" err="1"/>
             <a:t>ApplicationParameters</a:t>
           </a:r>
           <a:r>
-            <a:rPr lang="en-US" dirty="0"/>
+            <a:rPr lang="en-US" sz="1200" dirty="0"/>
             <a:t>”</a:t>
           </a:r>
         </a:p>
@@ -2795,8 +2811,8 @@
         </a:p>
       </dgm:t>
     </dgm:pt>
-    <dgm:pt modelId="{63A9E0EC-EBCB-4054-8626-B91759692445}" type="pres">
-      <dgm:prSet presAssocID="{15CCC846-66CB-4AB6-99DC-D3941F58C42E}" presName="linearFlow" presStyleCnt="0">
+    <dgm:pt modelId="{110D6AC5-9C35-4CBA-92BA-40935BED55C3}" type="pres">
+      <dgm:prSet presAssocID="{15CCC846-66CB-4AB6-99DC-D3941F58C42E}" presName="Name0" presStyleCnt="0">
         <dgm:presLayoutVars>
           <dgm:dir/>
           <dgm:animLvl val="lvl"/>
@@ -2805,12 +2821,12 @@
       </dgm:prSet>
       <dgm:spPr/>
     </dgm:pt>
-    <dgm:pt modelId="{D7586381-9421-4853-8BC0-3C2849E01F1D}" type="pres">
-      <dgm:prSet presAssocID="{7B81F67D-21AE-4C28-A3BF-89F73BBB199B}" presName="composite" presStyleCnt="0"/>
-      <dgm:spPr/>
-    </dgm:pt>
-    <dgm:pt modelId="{3205FA59-7C13-41D7-AB6C-0A43194BC20E}" type="pres">
-      <dgm:prSet presAssocID="{7B81F67D-21AE-4C28-A3BF-89F73BBB199B}" presName="parentText" presStyleLbl="alignNode1" presStyleIdx="0" presStyleCnt="9">
+    <dgm:pt modelId="{989192D3-A91C-41C3-A94C-D5422AE5BB0D}" type="pres">
+      <dgm:prSet presAssocID="{7B81F67D-21AE-4C28-A3BF-89F73BBB199B}" presName="linNode" presStyleCnt="0"/>
+      <dgm:spPr/>
+    </dgm:pt>
+    <dgm:pt modelId="{CA8C51EB-78A3-4D46-9255-61A75BFB85A2}" type="pres">
+      <dgm:prSet presAssocID="{7B81F67D-21AE-4C28-A3BF-89F73BBB199B}" presName="parentText" presStyleLbl="node1" presStyleIdx="0" presStyleCnt="9" custScaleY="27444">
         <dgm:presLayoutVars>
           <dgm:chMax val="1"/>
           <dgm:bulletEnabled val="1"/>
@@ -2818,24 +2834,24 @@
       </dgm:prSet>
       <dgm:spPr/>
     </dgm:pt>
-    <dgm:pt modelId="{1635864F-93C2-486C-A6C7-68E3E653D050}" type="pres">
-      <dgm:prSet presAssocID="{7B81F67D-21AE-4C28-A3BF-89F73BBB199B}" presName="descendantText" presStyleLbl="alignAcc1" presStyleIdx="0" presStyleCnt="9">
+    <dgm:pt modelId="{8335AE09-1050-422B-95CB-E10D9CD80732}" type="pres">
+      <dgm:prSet presAssocID="{7B81F67D-21AE-4C28-A3BF-89F73BBB199B}" presName="descendantText" presStyleLbl="alignAccFollowNode1" presStyleIdx="0" presStyleCnt="9" custScaleY="32765">
         <dgm:presLayoutVars>
           <dgm:bulletEnabled val="1"/>
         </dgm:presLayoutVars>
       </dgm:prSet>
       <dgm:spPr/>
     </dgm:pt>
-    <dgm:pt modelId="{51F72EB0-9B90-4015-A2E0-844717EB5309}" type="pres">
+    <dgm:pt modelId="{5A570290-92A2-44CC-BDCE-538D0DA51AB7}" type="pres">
       <dgm:prSet presAssocID="{B99A763B-04C8-4110-B5DA-21F043CEBFC9}" presName="sp" presStyleCnt="0"/>
       <dgm:spPr/>
     </dgm:pt>
-    <dgm:pt modelId="{4063E011-DA1B-4B94-9F54-61861F18BE76}" type="pres">
-      <dgm:prSet presAssocID="{CFDF3C45-50B7-4957-A6D1-2776554822B0}" presName="composite" presStyleCnt="0"/>
-      <dgm:spPr/>
-    </dgm:pt>
-    <dgm:pt modelId="{1CAB4FD6-61CF-45AF-9592-3CFA471D4B48}" type="pres">
-      <dgm:prSet presAssocID="{CFDF3C45-50B7-4957-A6D1-2776554822B0}" presName="parentText" presStyleLbl="alignNode1" presStyleIdx="1" presStyleCnt="9">
+    <dgm:pt modelId="{5E1A48BF-71FE-47E1-A2DC-DB9C528164CC}" type="pres">
+      <dgm:prSet presAssocID="{CFDF3C45-50B7-4957-A6D1-2776554822B0}" presName="linNode" presStyleCnt="0"/>
+      <dgm:spPr/>
+    </dgm:pt>
+    <dgm:pt modelId="{B6E6232B-3FB8-4CD3-A2ED-161F1287F525}" type="pres">
+      <dgm:prSet presAssocID="{CFDF3C45-50B7-4957-A6D1-2776554822B0}" presName="parentText" presStyleLbl="node1" presStyleIdx="1" presStyleCnt="9" custScaleY="24159" custLinFactNeighborY="-4056">
         <dgm:presLayoutVars>
           <dgm:chMax val="1"/>
           <dgm:bulletEnabled val="1"/>
@@ -2843,24 +2859,24 @@
       </dgm:prSet>
       <dgm:spPr/>
     </dgm:pt>
-    <dgm:pt modelId="{08AEB7E0-F16E-4553-8553-0D43CE514937}" type="pres">
-      <dgm:prSet presAssocID="{CFDF3C45-50B7-4957-A6D1-2776554822B0}" presName="descendantText" presStyleLbl="alignAcc1" presStyleIdx="1" presStyleCnt="9">
+    <dgm:pt modelId="{662304D6-E92A-4269-95F9-5466806F1D60}" type="pres">
+      <dgm:prSet presAssocID="{CFDF3C45-50B7-4957-A6D1-2776554822B0}" presName="descendantText" presStyleLbl="alignAccFollowNode1" presStyleIdx="1" presStyleCnt="9" custScaleY="24158" custLinFactNeighborY="-5070">
         <dgm:presLayoutVars>
           <dgm:bulletEnabled val="1"/>
         </dgm:presLayoutVars>
       </dgm:prSet>
       <dgm:spPr/>
     </dgm:pt>
-    <dgm:pt modelId="{254C4AB0-F457-4B96-A6D9-E9417DD3C93B}" type="pres">
+    <dgm:pt modelId="{51707854-B65D-4779-951B-A239F7E60616}" type="pres">
       <dgm:prSet presAssocID="{6C90BA84-2AB0-4475-A64D-2D63168FCB79}" presName="sp" presStyleCnt="0"/>
       <dgm:spPr/>
     </dgm:pt>
-    <dgm:pt modelId="{8FA2D313-FE05-4C6D-9846-9B5388189B6B}" type="pres">
-      <dgm:prSet presAssocID="{234ADFE6-B9BA-46DD-BCD9-DD779CFDEE13}" presName="composite" presStyleCnt="0"/>
-      <dgm:spPr/>
-    </dgm:pt>
-    <dgm:pt modelId="{E8735056-DECD-427D-A6BA-989C9588D2FD}" type="pres">
-      <dgm:prSet presAssocID="{234ADFE6-B9BA-46DD-BCD9-DD779CFDEE13}" presName="parentText" presStyleLbl="alignNode1" presStyleIdx="2" presStyleCnt="9">
+    <dgm:pt modelId="{59896B06-085F-4E53-B377-530F2859C740}" type="pres">
+      <dgm:prSet presAssocID="{234ADFE6-B9BA-46DD-BCD9-DD779CFDEE13}" presName="linNode" presStyleCnt="0"/>
+      <dgm:spPr/>
+    </dgm:pt>
+    <dgm:pt modelId="{A0B38118-F70A-46BB-AC75-1EA0841EB803}" type="pres">
+      <dgm:prSet presAssocID="{234ADFE6-B9BA-46DD-BCD9-DD779CFDEE13}" presName="parentText" presStyleLbl="node1" presStyleIdx="2" presStyleCnt="9" custScaleY="24159" custLinFactNeighborY="-4056">
         <dgm:presLayoutVars>
           <dgm:chMax val="1"/>
           <dgm:bulletEnabled val="1"/>
@@ -2868,24 +2884,24 @@
       </dgm:prSet>
       <dgm:spPr/>
     </dgm:pt>
-    <dgm:pt modelId="{50E96BE7-7334-451F-9006-0BC5B0234B37}" type="pres">
-      <dgm:prSet presAssocID="{234ADFE6-B9BA-46DD-BCD9-DD779CFDEE13}" presName="descendantText" presStyleLbl="alignAcc1" presStyleIdx="2" presStyleCnt="9">
+    <dgm:pt modelId="{3BA47A2C-248C-46A0-945C-60191069450D}" type="pres">
+      <dgm:prSet presAssocID="{234ADFE6-B9BA-46DD-BCD9-DD779CFDEE13}" presName="descendantText" presStyleLbl="alignAccFollowNode1" presStyleIdx="2" presStyleCnt="9" custScaleY="24158" custLinFactNeighborY="-5070">
         <dgm:presLayoutVars>
           <dgm:bulletEnabled val="1"/>
         </dgm:presLayoutVars>
       </dgm:prSet>
       <dgm:spPr/>
     </dgm:pt>
-    <dgm:pt modelId="{450A1C37-2F10-4F19-923A-C4F8DDC434FA}" type="pres">
+    <dgm:pt modelId="{8227D16A-88EB-4DF8-A0FC-8DA0290623D5}" type="pres">
       <dgm:prSet presAssocID="{1981C4E0-1038-4431-9992-2E10E88BB40B}" presName="sp" presStyleCnt="0"/>
       <dgm:spPr/>
     </dgm:pt>
-    <dgm:pt modelId="{36001D6F-753B-444D-BB1C-7E2FAEA4A774}" type="pres">
-      <dgm:prSet presAssocID="{23376C93-E20B-41FF-805C-D5820A4245AA}" presName="composite" presStyleCnt="0"/>
-      <dgm:spPr/>
-    </dgm:pt>
-    <dgm:pt modelId="{EBD82BFA-1043-417D-83D8-A3130A82B8A1}" type="pres">
-      <dgm:prSet presAssocID="{23376C93-E20B-41FF-805C-D5820A4245AA}" presName="parentText" presStyleLbl="alignNode1" presStyleIdx="3" presStyleCnt="9">
+    <dgm:pt modelId="{9F490B92-4B6B-442F-99A4-BD118DCA6C5D}" type="pres">
+      <dgm:prSet presAssocID="{23376C93-E20B-41FF-805C-D5820A4245AA}" presName="linNode" presStyleCnt="0"/>
+      <dgm:spPr/>
+    </dgm:pt>
+    <dgm:pt modelId="{8F42125C-8DA9-49A9-BC6F-C23FF3E6FA8C}" type="pres">
+      <dgm:prSet presAssocID="{23376C93-E20B-41FF-805C-D5820A4245AA}" presName="parentText" presStyleLbl="node1" presStyleIdx="3" presStyleCnt="9" custScaleY="24159" custLinFactNeighborY="-4056">
         <dgm:presLayoutVars>
           <dgm:chMax val="1"/>
           <dgm:bulletEnabled val="1"/>
@@ -2893,24 +2909,24 @@
       </dgm:prSet>
       <dgm:spPr/>
     </dgm:pt>
-    <dgm:pt modelId="{B353D7E8-B5DF-484F-BB0B-2FDC1D4C4601}" type="pres">
-      <dgm:prSet presAssocID="{23376C93-E20B-41FF-805C-D5820A4245AA}" presName="descendantText" presStyleLbl="alignAcc1" presStyleIdx="3" presStyleCnt="9">
+    <dgm:pt modelId="{1650733D-DF9A-4FDD-BA3F-471076E8845B}" type="pres">
+      <dgm:prSet presAssocID="{23376C93-E20B-41FF-805C-D5820A4245AA}" presName="descendantText" presStyleLbl="alignAccFollowNode1" presStyleIdx="3" presStyleCnt="9" custScaleY="24158" custLinFactNeighborY="-5070">
         <dgm:presLayoutVars>
           <dgm:bulletEnabled val="1"/>
         </dgm:presLayoutVars>
       </dgm:prSet>
       <dgm:spPr/>
     </dgm:pt>
-    <dgm:pt modelId="{411F245E-F750-47C2-A8A5-30186496F900}" type="pres">
+    <dgm:pt modelId="{47E063C1-A7AA-4FD6-8DE4-8C18F295C67B}" type="pres">
       <dgm:prSet presAssocID="{4440EF07-66C1-4401-B717-F293EB24F31D}" presName="sp" presStyleCnt="0"/>
       <dgm:spPr/>
     </dgm:pt>
-    <dgm:pt modelId="{9FD73669-D520-4E59-B026-A1CB6EE676F0}" type="pres">
-      <dgm:prSet presAssocID="{201149F7-42E6-4A42-91E0-26EABB34D0DF}" presName="composite" presStyleCnt="0"/>
-      <dgm:spPr/>
-    </dgm:pt>
-    <dgm:pt modelId="{0F32EF81-87A1-49D2-B8E4-7301E313B84E}" type="pres">
-      <dgm:prSet presAssocID="{201149F7-42E6-4A42-91E0-26EABB34D0DF}" presName="parentText" presStyleLbl="alignNode1" presStyleIdx="4" presStyleCnt="9">
+    <dgm:pt modelId="{1C7B5BF8-27B2-4574-9884-72A7B802FCE2}" type="pres">
+      <dgm:prSet presAssocID="{201149F7-42E6-4A42-91E0-26EABB34D0DF}" presName="linNode" presStyleCnt="0"/>
+      <dgm:spPr/>
+    </dgm:pt>
+    <dgm:pt modelId="{68215BA8-E75E-4DCB-9140-63BD96C6BAC2}" type="pres">
+      <dgm:prSet presAssocID="{201149F7-42E6-4A42-91E0-26EABB34D0DF}" presName="parentText" presStyleLbl="node1" presStyleIdx="4" presStyleCnt="9" custScaleY="20166" custLinFactNeighborY="-8430">
         <dgm:presLayoutVars>
           <dgm:chMax val="1"/>
           <dgm:bulletEnabled val="1"/>
@@ -2918,24 +2934,24 @@
       </dgm:prSet>
       <dgm:spPr/>
     </dgm:pt>
-    <dgm:pt modelId="{FCAB4BE9-CBE2-4142-A3CC-97ADDF8D53FA}" type="pres">
-      <dgm:prSet presAssocID="{201149F7-42E6-4A42-91E0-26EABB34D0DF}" presName="descendantText" presStyleLbl="alignAcc1" presStyleIdx="4" presStyleCnt="9">
+    <dgm:pt modelId="{47741516-F4A1-4DB2-B3D5-E2FA5F25F0D5}" type="pres">
+      <dgm:prSet presAssocID="{201149F7-42E6-4A42-91E0-26EABB34D0DF}" presName="descendantText" presStyleLbl="alignAccFollowNode1" presStyleIdx="4" presStyleCnt="9" custScaleY="37202" custLinFactNeighborY="-10540">
         <dgm:presLayoutVars>
           <dgm:bulletEnabled val="1"/>
         </dgm:presLayoutVars>
       </dgm:prSet>
       <dgm:spPr/>
     </dgm:pt>
-    <dgm:pt modelId="{D16E0A57-3133-4A54-A864-35088A3858BD}" type="pres">
+    <dgm:pt modelId="{8DDA614E-9424-41B7-AB7D-D83903B47331}" type="pres">
       <dgm:prSet presAssocID="{51731C2A-FFAB-4AF1-8869-34F41B7323BD}" presName="sp" presStyleCnt="0"/>
       <dgm:spPr/>
     </dgm:pt>
-    <dgm:pt modelId="{EE725551-C387-4561-8C1E-EC3E8FE19075}" type="pres">
-      <dgm:prSet presAssocID="{9444A1B2-E7E6-4B78-8727-BB2D615A8202}" presName="composite" presStyleCnt="0"/>
-      <dgm:spPr/>
-    </dgm:pt>
-    <dgm:pt modelId="{6DC1A22C-5366-49BF-A882-1D1BF6FC069E}" type="pres">
-      <dgm:prSet presAssocID="{9444A1B2-E7E6-4B78-8727-BB2D615A8202}" presName="parentText" presStyleLbl="alignNode1" presStyleIdx="5" presStyleCnt="9">
+    <dgm:pt modelId="{2FFA6735-7A05-4F2B-BAFE-29048B3015A7}" type="pres">
+      <dgm:prSet presAssocID="{9444A1B2-E7E6-4B78-8727-BB2D615A8202}" presName="linNode" presStyleCnt="0"/>
+      <dgm:spPr/>
+    </dgm:pt>
+    <dgm:pt modelId="{929F240F-BE34-4EE1-89E3-3D943FF20E5D}" type="pres">
+      <dgm:prSet presAssocID="{9444A1B2-E7E6-4B78-8727-BB2D615A8202}" presName="parentText" presStyleLbl="node1" presStyleIdx="5" presStyleCnt="9" custScaleY="26843">
         <dgm:presLayoutVars>
           <dgm:chMax val="1"/>
           <dgm:bulletEnabled val="1"/>
@@ -2943,24 +2959,24 @@
       </dgm:prSet>
       <dgm:spPr/>
     </dgm:pt>
-    <dgm:pt modelId="{DC1A4816-EEDD-4E2D-9789-7312736BCE27}" type="pres">
-      <dgm:prSet presAssocID="{9444A1B2-E7E6-4B78-8727-BB2D615A8202}" presName="descendantText" presStyleLbl="alignAcc1" presStyleIdx="5" presStyleCnt="9">
+    <dgm:pt modelId="{32ABBF51-4952-4631-9913-71D8ADF43AAB}" type="pres">
+      <dgm:prSet presAssocID="{9444A1B2-E7E6-4B78-8727-BB2D615A8202}" presName="descendantText" presStyleLbl="alignAccFollowNode1" presStyleIdx="5" presStyleCnt="9" custScaleY="84090">
         <dgm:presLayoutVars>
           <dgm:bulletEnabled val="1"/>
         </dgm:presLayoutVars>
       </dgm:prSet>
       <dgm:spPr/>
     </dgm:pt>
-    <dgm:pt modelId="{4E8E2E60-AAEB-4EAF-9A3F-E0C99651525E}" type="pres">
+    <dgm:pt modelId="{047616FE-4EAC-4D05-9191-F0E403A97F07}" type="pres">
       <dgm:prSet presAssocID="{678830AF-4D88-4319-9546-1970A0BCEB4C}" presName="sp" presStyleCnt="0"/>
       <dgm:spPr/>
     </dgm:pt>
-    <dgm:pt modelId="{8BC75532-EED4-4EFB-ADFF-A0434D3CDA99}" type="pres">
-      <dgm:prSet presAssocID="{A8E83E82-52D7-4DCA-BB8F-9D04416DC676}" presName="composite" presStyleCnt="0"/>
-      <dgm:spPr/>
-    </dgm:pt>
-    <dgm:pt modelId="{D0E01A7C-1C20-4EC4-B899-73A530FDE9A2}" type="pres">
-      <dgm:prSet presAssocID="{A8E83E82-52D7-4DCA-BB8F-9D04416DC676}" presName="parentText" presStyleLbl="alignNode1" presStyleIdx="6" presStyleCnt="9">
+    <dgm:pt modelId="{C604330A-C896-4A74-9BD9-C6AD055A5C56}" type="pres">
+      <dgm:prSet presAssocID="{A8E83E82-52D7-4DCA-BB8F-9D04416DC676}" presName="linNode" presStyleCnt="0"/>
+      <dgm:spPr/>
+    </dgm:pt>
+    <dgm:pt modelId="{92FB9813-63D8-4671-964D-A107A9A49385}" type="pres">
+      <dgm:prSet presAssocID="{A8E83E82-52D7-4DCA-BB8F-9D04416DC676}" presName="parentText" presStyleLbl="node1" presStyleIdx="6" presStyleCnt="9" custScaleY="26843" custLinFactNeighborY="6864">
         <dgm:presLayoutVars>
           <dgm:chMax val="1"/>
           <dgm:bulletEnabled val="1"/>
@@ -2968,24 +2984,24 @@
       </dgm:prSet>
       <dgm:spPr/>
     </dgm:pt>
-    <dgm:pt modelId="{D03553DF-6841-4A16-9C33-9D73E4DC3F47}" type="pres">
-      <dgm:prSet presAssocID="{A8E83E82-52D7-4DCA-BB8F-9D04416DC676}" presName="descendantText" presStyleLbl="alignAcc1" presStyleIdx="6" presStyleCnt="9">
+    <dgm:pt modelId="{FA5272A9-4954-46EB-8013-3FFAFE4884B4}" type="pres">
+      <dgm:prSet presAssocID="{A8E83E82-52D7-4DCA-BB8F-9D04416DC676}" presName="descendantText" presStyleLbl="alignAccFollowNode1" presStyleIdx="6" presStyleCnt="9" custScaleY="26843" custLinFactNeighborY="8580">
         <dgm:presLayoutVars>
           <dgm:bulletEnabled val="1"/>
         </dgm:presLayoutVars>
       </dgm:prSet>
       <dgm:spPr/>
     </dgm:pt>
-    <dgm:pt modelId="{DFE24DBD-48E7-4734-BE02-DFF198DFAA7E}" type="pres">
+    <dgm:pt modelId="{61DAE3B2-F64E-472C-A453-5A80BABE0A1A}" type="pres">
       <dgm:prSet presAssocID="{4954AAED-2A3F-45C0-8B80-1E3B0B71629D}" presName="sp" presStyleCnt="0"/>
       <dgm:spPr/>
     </dgm:pt>
-    <dgm:pt modelId="{205C8B41-FFD6-4C6D-B4DA-449027023B04}" type="pres">
-      <dgm:prSet presAssocID="{A44DAB8E-E51C-4777-B54C-4365F71E8DCD}" presName="composite" presStyleCnt="0"/>
-      <dgm:spPr/>
-    </dgm:pt>
-    <dgm:pt modelId="{3530C899-531F-40AC-B5F5-4BD71F870A48}" type="pres">
-      <dgm:prSet presAssocID="{A44DAB8E-E51C-4777-B54C-4365F71E8DCD}" presName="parentText" presStyleLbl="alignNode1" presStyleIdx="7" presStyleCnt="9">
+    <dgm:pt modelId="{2E16DE2B-7622-4A99-A976-D0AC3F6ABEBE}" type="pres">
+      <dgm:prSet presAssocID="{A44DAB8E-E51C-4777-B54C-4365F71E8DCD}" presName="linNode" presStyleCnt="0"/>
+      <dgm:spPr/>
+    </dgm:pt>
+    <dgm:pt modelId="{D60EE7F7-58DA-445C-8481-AB3DE90A0BE8}" type="pres">
+      <dgm:prSet presAssocID="{A44DAB8E-E51C-4777-B54C-4365F71E8DCD}" presName="parentText" presStyleLbl="node1" presStyleIdx="7" presStyleCnt="9" custScaleY="26843" custLinFactNeighborY="2808">
         <dgm:presLayoutVars>
           <dgm:chMax val="1"/>
           <dgm:bulletEnabled val="1"/>
@@ -2993,24 +3009,24 @@
       </dgm:prSet>
       <dgm:spPr/>
     </dgm:pt>
-    <dgm:pt modelId="{35E44904-C5BC-4764-92C3-9B9AD3301AC3}" type="pres">
-      <dgm:prSet presAssocID="{A44DAB8E-E51C-4777-B54C-4365F71E8DCD}" presName="descendantText" presStyleLbl="alignAcc1" presStyleIdx="7" presStyleCnt="9">
+    <dgm:pt modelId="{1D9CE99A-1663-45CB-8C75-75C83EAC66C1}" type="pres">
+      <dgm:prSet presAssocID="{A44DAB8E-E51C-4777-B54C-4365F71E8DCD}" presName="descendantText" presStyleLbl="alignAccFollowNode1" presStyleIdx="7" presStyleCnt="9" custScaleY="26843" custLinFactNeighborY="3510">
         <dgm:presLayoutVars>
           <dgm:bulletEnabled val="1"/>
         </dgm:presLayoutVars>
       </dgm:prSet>
       <dgm:spPr/>
     </dgm:pt>
-    <dgm:pt modelId="{6880BA35-E344-491C-9F3A-6714C5ED255C}" type="pres">
+    <dgm:pt modelId="{084388EE-2899-40E9-B920-813C55CE0E4A}" type="pres">
       <dgm:prSet presAssocID="{D89E5B00-BB3C-4618-BFB4-0DBC83ABCACD}" presName="sp" presStyleCnt="0"/>
       <dgm:spPr/>
     </dgm:pt>
-    <dgm:pt modelId="{EA366525-F51C-4A86-B8CF-108425A36353}" type="pres">
-      <dgm:prSet presAssocID="{8A7FC0D3-41C9-4C0D-9838-086C6E93547B}" presName="composite" presStyleCnt="0"/>
-      <dgm:spPr/>
-    </dgm:pt>
-    <dgm:pt modelId="{227FF45A-29F9-4EC5-AB5C-0B78603DC4A2}" type="pres">
-      <dgm:prSet presAssocID="{8A7FC0D3-41C9-4C0D-9838-086C6E93547B}" presName="parentText" presStyleLbl="alignNode1" presStyleIdx="8" presStyleCnt="9">
+    <dgm:pt modelId="{A7ECAB68-7997-4376-A5B9-FEA6750A5F7A}" type="pres">
+      <dgm:prSet presAssocID="{8A7FC0D3-41C9-4C0D-9838-086C6E93547B}" presName="linNode" presStyleCnt="0"/>
+      <dgm:spPr/>
+    </dgm:pt>
+    <dgm:pt modelId="{DD61E848-5469-4F27-9F08-DB9FD5BA2333}" type="pres">
+      <dgm:prSet presAssocID="{8A7FC0D3-41C9-4C0D-9838-086C6E93547B}" presName="parentText" presStyleLbl="node1" presStyleIdx="8" presStyleCnt="9" custScaleY="26843">
         <dgm:presLayoutVars>
           <dgm:chMax val="1"/>
           <dgm:bulletEnabled val="1"/>
@@ -3018,8 +3034,8 @@
       </dgm:prSet>
       <dgm:spPr/>
     </dgm:pt>
-    <dgm:pt modelId="{49D90AE9-D5DC-413F-A8D7-D6A67B7EFF85}" type="pres">
-      <dgm:prSet presAssocID="{8A7FC0D3-41C9-4C0D-9838-086C6E93547B}" presName="descendantText" presStyleLbl="alignAcc1" presStyleIdx="8" presStyleCnt="9">
+    <dgm:pt modelId="{4AC43B40-7718-4242-96FA-6E85A552E9D8}" type="pres">
+      <dgm:prSet presAssocID="{8A7FC0D3-41C9-4C0D-9838-086C6E93547B}" presName="descendantText" presStyleLbl="alignAccFollowNode1" presStyleIdx="8" presStyleCnt="9" custScaleY="26843">
         <dgm:presLayoutVars>
           <dgm:bulletEnabled val="1"/>
         </dgm:presLayoutVars>
@@ -3028,90 +3044,90 @@
     </dgm:pt>
   </dgm:ptLst>
   <dgm:cxnLst>
-    <dgm:cxn modelId="{5488720E-4CC6-44B2-8BC8-19E79D55E120}" type="presOf" srcId="{DAD39579-D2C8-4F4F-896F-25699461E663}" destId="{49D90AE9-D5DC-413F-A8D7-D6A67B7EFF85}" srcOrd="0" destOrd="0" presId="urn:microsoft.com/office/officeart/2005/8/layout/chevron2"/>
+    <dgm:cxn modelId="{20969603-467E-410B-A2BC-1953884DBC4B}" type="presOf" srcId="{23376C93-E20B-41FF-805C-D5820A4245AA}" destId="{8F42125C-8DA9-49A9-BC6F-C23FF3E6FA8C}" srcOrd="0" destOrd="0" presId="urn:microsoft.com/office/officeart/2005/8/layout/vList5"/>
+    <dgm:cxn modelId="{0CD4CE0F-6657-4650-9FB9-6F3BBA815079}" type="presOf" srcId="{9444A1B2-E7E6-4B78-8727-BB2D615A8202}" destId="{929F240F-BE34-4EE1-89E3-3D943FF20E5D}" srcOrd="0" destOrd="0" presId="urn:microsoft.com/office/officeart/2005/8/layout/vList5"/>
     <dgm:cxn modelId="{A7E94013-8FFD-4507-8DDC-CDEF3C9B1E7B}" srcId="{9444A1B2-E7E6-4B78-8727-BB2D615A8202}" destId="{B56281B1-AD2C-48DD-8635-A052138688E7}" srcOrd="0" destOrd="0" parTransId="{96EA949E-F528-42C2-88AD-108012AF4449}" sibTransId="{0C7285F1-48AE-4BA1-8C90-35D3BCA6B0F9}"/>
-    <dgm:cxn modelId="{E40AB71A-5944-41B0-B024-3C08632724C2}" type="presOf" srcId="{9FE6BF17-7968-4700-9C73-DF707B14D062}" destId="{B353D7E8-B5DF-484F-BB0B-2FDC1D4C4601}" srcOrd="0" destOrd="0" presId="urn:microsoft.com/office/officeart/2005/8/layout/chevron2"/>
-    <dgm:cxn modelId="{DB94D720-2843-4514-B159-1F9AEA47F662}" type="presOf" srcId="{CFDF3C45-50B7-4957-A6D1-2776554822B0}" destId="{1CAB4FD6-61CF-45AF-9592-3CFA471D4B48}" srcOrd="0" destOrd="0" presId="urn:microsoft.com/office/officeart/2005/8/layout/chevron2"/>
-    <dgm:cxn modelId="{D02C3821-203E-4549-B26D-AA38F8B8DA69}" type="presOf" srcId="{A44DAB8E-E51C-4777-B54C-4365F71E8DCD}" destId="{3530C899-531F-40AC-B5F5-4BD71F870A48}" srcOrd="0" destOrd="0" presId="urn:microsoft.com/office/officeart/2005/8/layout/chevron2"/>
-    <dgm:cxn modelId="{F8E66225-24F6-46E9-B44B-AB71BFB93B7D}" type="presOf" srcId="{ECB9E705-F37D-4963-BD2F-1292CCDA2201}" destId="{D03553DF-6841-4A16-9C33-9D73E4DC3F47}" srcOrd="0" destOrd="0" presId="urn:microsoft.com/office/officeart/2005/8/layout/chevron2"/>
-    <dgm:cxn modelId="{DFE5922E-5D12-4245-8C1D-593DED3AC2CC}" type="presOf" srcId="{23376C93-E20B-41FF-805C-D5820A4245AA}" destId="{EBD82BFA-1043-417D-83D8-A3130A82B8A1}" srcOrd="0" destOrd="0" presId="urn:microsoft.com/office/officeart/2005/8/layout/chevron2"/>
-    <dgm:cxn modelId="{26321330-8354-4698-AE0B-41DDC7212C01}" type="presOf" srcId="{32874C01-811E-422B-93E3-98F33F16B4C2}" destId="{DC1A4816-EEDD-4E2D-9789-7312736BCE27}" srcOrd="0" destOrd="1" presId="urn:microsoft.com/office/officeart/2005/8/layout/chevron2"/>
-    <dgm:cxn modelId="{3EDD7530-0E8C-4EA3-809D-48F8A2520400}" type="presOf" srcId="{417A568B-CC35-47D1-A062-A41A2AA70AD9}" destId="{FCAB4BE9-CBE2-4142-A3CC-97ADDF8D53FA}" srcOrd="0" destOrd="1" presId="urn:microsoft.com/office/officeart/2005/8/layout/chevron2"/>
+    <dgm:cxn modelId="{DA5C2D28-7C0C-4220-A81F-B7A7152733E5}" type="presOf" srcId="{6F65757B-E66B-403B-AAA0-E36AB6A1C065}" destId="{4AC43B40-7718-4242-96FA-6E85A552E9D8}" srcOrd="0" destOrd="1" presId="urn:microsoft.com/office/officeart/2005/8/layout/vList5"/>
+    <dgm:cxn modelId="{40D37A36-885A-4DC1-850D-4B816499CE58}" type="presOf" srcId="{495F9139-F172-4385-B618-68404FB6FB8D}" destId="{1D9CE99A-1663-45CB-8C75-75C83EAC66C1}" srcOrd="0" destOrd="0" presId="urn:microsoft.com/office/officeart/2005/8/layout/vList5"/>
     <dgm:cxn modelId="{92BAB53C-0A0D-419A-93C8-DFEEAAFE2D53}" srcId="{8A7FC0D3-41C9-4C0D-9838-086C6E93547B}" destId="{DAD39579-D2C8-4F4F-896F-25699461E663}" srcOrd="0" destOrd="0" parTransId="{FA5C7859-C40F-4F59-8922-D0E43D72AE81}" sibTransId="{231AD3CD-0A45-4F71-BA88-A078532DE957}"/>
+    <dgm:cxn modelId="{25D7895C-1D44-4C3F-95BE-60031E18E446}" type="presOf" srcId="{ECB9E705-F37D-4963-BD2F-1292CCDA2201}" destId="{FA5272A9-4954-46EB-8013-3FFAFE4884B4}" srcOrd="0" destOrd="0" presId="urn:microsoft.com/office/officeart/2005/8/layout/vList5"/>
     <dgm:cxn modelId="{79A5F25E-8068-4525-884C-309444527D59}" srcId="{201149F7-42E6-4A42-91E0-26EABB34D0DF}" destId="{417A568B-CC35-47D1-A062-A41A2AA70AD9}" srcOrd="1" destOrd="0" parTransId="{3F6FC96C-3418-4D5F-B0EA-80A981930B57}" sibTransId="{DE5F3EEA-92CA-4517-BFEF-48EEDC4020D8}"/>
-    <dgm:cxn modelId="{9EC50960-61F7-48BB-830D-06C31ADD7AB3}" type="presOf" srcId="{B56281B1-AD2C-48DD-8635-A052138688E7}" destId="{DC1A4816-EEDD-4E2D-9789-7312736BCE27}" srcOrd="0" destOrd="0" presId="urn:microsoft.com/office/officeart/2005/8/layout/chevron2"/>
-    <dgm:cxn modelId="{92EB4B62-713D-43C1-AE3A-AA2CA718659C}" type="presOf" srcId="{6E620903-2E6F-42C3-85DD-4BFDDA06F4AF}" destId="{50E96BE7-7334-451F-9006-0BC5B0234B37}" srcOrd="0" destOrd="0" presId="urn:microsoft.com/office/officeart/2005/8/layout/chevron2"/>
-    <dgm:cxn modelId="{53187C46-E7E3-4AB1-BDDD-C496E51BBF47}" type="presOf" srcId="{4898C38B-55BE-4817-BA72-8C481886CF68}" destId="{1635864F-93C2-486C-A6C7-68E3E653D050}" srcOrd="0" destOrd="0" presId="urn:microsoft.com/office/officeart/2005/8/layout/chevron2"/>
-    <dgm:cxn modelId="{74A76847-9332-482E-9FC2-9E081782393B}" type="presOf" srcId="{201149F7-42E6-4A42-91E0-26EABB34D0DF}" destId="{0F32EF81-87A1-49D2-B8E4-7301E313B84E}" srcOrd="0" destOrd="0" presId="urn:microsoft.com/office/officeart/2005/8/layout/chevron2"/>
+    <dgm:cxn modelId="{FCACCC44-EA8B-4B99-B323-7E2AEB1BBC43}" type="presOf" srcId="{A8E83E82-52D7-4DCA-BB8F-9D04416DC676}" destId="{92FB9813-63D8-4671-964D-A107A9A49385}" srcOrd="0" destOrd="0" presId="urn:microsoft.com/office/officeart/2005/8/layout/vList5"/>
     <dgm:cxn modelId="{C2DA8267-5593-4442-83AD-8EA54178F5E0}" srcId="{15CCC846-66CB-4AB6-99DC-D3941F58C42E}" destId="{234ADFE6-B9BA-46DD-BCD9-DD779CFDEE13}" srcOrd="2" destOrd="0" parTransId="{F2AE551E-8917-4F94-8EF1-645F32AAB99B}" sibTransId="{1981C4E0-1038-4431-9992-2E10E88BB40B}"/>
     <dgm:cxn modelId="{C0CB5E48-A0DB-48B3-8497-730DAF334DC4}" srcId="{15CCC846-66CB-4AB6-99DC-D3941F58C42E}" destId="{9444A1B2-E7E6-4B78-8727-BB2D615A8202}" srcOrd="5" destOrd="0" parTransId="{12B7858D-7324-4AC6-8FDD-365850B315C1}" sibTransId="{678830AF-4D88-4319-9546-1970A0BCEB4C}"/>
-    <dgm:cxn modelId="{2ABC346B-8DB5-4C54-9E67-03E0E5A3D4F7}" type="presOf" srcId="{15CCC846-66CB-4AB6-99DC-D3941F58C42E}" destId="{63A9E0EC-EBCB-4054-8626-B91759692445}" srcOrd="0" destOrd="0" presId="urn:microsoft.com/office/officeart/2005/8/layout/chevron2"/>
     <dgm:cxn modelId="{13DBDB4C-BA13-48DD-8221-022BDC3CC65D}" srcId="{8A7FC0D3-41C9-4C0D-9838-086C6E93547B}" destId="{6F65757B-E66B-403B-AAA0-E36AB6A1C065}" srcOrd="1" destOrd="0" parTransId="{84ACFF16-FDDD-45AA-9CDE-2FB002DA40B8}" sibTransId="{9BC82FFC-FC8A-4BA8-8315-2E43F9620F8C}"/>
     <dgm:cxn modelId="{E1A2AC53-FAFF-4B18-BFEA-F1E4DC496A46}" srcId="{234ADFE6-B9BA-46DD-BCD9-DD779CFDEE13}" destId="{6E620903-2E6F-42C3-85DD-4BFDDA06F4AF}" srcOrd="0" destOrd="0" parTransId="{1EAB5C96-E834-4B9E-A69E-5583E2898259}" sibTransId="{8F39507C-3BFD-4DF9-B033-5AA962912A19}"/>
+    <dgm:cxn modelId="{2B262756-F047-42B9-9A5A-32EF77C91BE0}" type="presOf" srcId="{B56281B1-AD2C-48DD-8635-A052138688E7}" destId="{32ABBF51-4952-4631-9913-71D8ADF43AAB}" srcOrd="0" destOrd="0" presId="urn:microsoft.com/office/officeart/2005/8/layout/vList5"/>
     <dgm:cxn modelId="{88134376-3786-4AF3-BC4F-2A81EC69F265}" srcId="{A44DAB8E-E51C-4777-B54C-4365F71E8DCD}" destId="{495F9139-F172-4385-B618-68404FB6FB8D}" srcOrd="0" destOrd="0" parTransId="{4C6B5A50-AD34-4279-85FE-DCCC5B0C0F40}" sibTransId="{E910A36D-9BD7-4244-BA6A-557318DB14CD}"/>
     <dgm:cxn modelId="{FBC25876-A661-4344-90A6-B06CF28E42B1}" srcId="{7B81F67D-21AE-4C28-A3BF-89F73BBB199B}" destId="{42944476-F00A-470D-A852-84559B31C606}" srcOrd="1" destOrd="0" parTransId="{9A9B2D63-B2E6-4814-B4B4-D9D58E16DF9E}" sibTransId="{B5F83381-9736-444C-8F4E-DE58FEA28CBD}"/>
     <dgm:cxn modelId="{92E7FE56-1DCF-4BB8-B46C-8078184EA0B5}" srcId="{15CCC846-66CB-4AB6-99DC-D3941F58C42E}" destId="{7B81F67D-21AE-4C28-A3BF-89F73BBB199B}" srcOrd="0" destOrd="0" parTransId="{E548CCFE-4ADF-4FB6-8038-8F9ACB549FE2}" sibTransId="{B99A763B-04C8-4110-B5DA-21F043CEBFC9}"/>
-    <dgm:cxn modelId="{AD240277-8555-45A6-B60D-1E7F3A650287}" type="presOf" srcId="{9444A1B2-E7E6-4B78-8727-BB2D615A8202}" destId="{6DC1A22C-5366-49BF-A882-1D1BF6FC069E}" srcOrd="0" destOrd="0" presId="urn:microsoft.com/office/officeart/2005/8/layout/chevron2"/>
     <dgm:cxn modelId="{93865578-C327-4C34-9838-BFD5D1C89DB3}" srcId="{15CCC846-66CB-4AB6-99DC-D3941F58C42E}" destId="{8A7FC0D3-41C9-4C0D-9838-086C6E93547B}" srcOrd="8" destOrd="0" parTransId="{414B0861-E529-4A7C-8F7F-083F092F4D80}" sibTransId="{EFA609AC-F54F-421E-AC48-11E6DC3E0992}"/>
     <dgm:cxn modelId="{41ED9659-FCBD-4E89-8B58-6931943F1475}" srcId="{23376C93-E20B-41FF-805C-D5820A4245AA}" destId="{9FE6BF17-7968-4700-9C73-DF707B14D062}" srcOrd="0" destOrd="0" parTransId="{4C0FC385-CD35-4E6A-8EA6-826EE3D6E291}" sibTransId="{BAAD0B99-A2D8-4C3D-A639-08B5034537EC}"/>
     <dgm:cxn modelId="{0628D67C-4689-469F-A90F-7B98580908EF}" srcId="{9444A1B2-E7E6-4B78-8727-BB2D615A8202}" destId="{32874C01-811E-422B-93E3-98F33F16B4C2}" srcOrd="1" destOrd="0" parTransId="{B317DC8F-631F-4170-BF77-C681C9F6BDC7}" sibTransId="{4E545E1A-1D07-4BC7-9812-AEB62948067A}"/>
+    <dgm:cxn modelId="{0E4CF87F-F0F5-47DC-BA60-B5D639CF1615}" type="presOf" srcId="{9329094B-E7CD-4AE8-BD21-31A638D10CEA}" destId="{662304D6-E92A-4269-95F9-5466806F1D60}" srcOrd="0" destOrd="0" presId="urn:microsoft.com/office/officeart/2005/8/layout/vList5"/>
     <dgm:cxn modelId="{DD407F80-A122-4BB8-B7B2-BCDC77E918AA}" srcId="{7B81F67D-21AE-4C28-A3BF-89F73BBB199B}" destId="{4898C38B-55BE-4817-BA72-8C481886CF68}" srcOrd="0" destOrd="0" parTransId="{A1AD1C3F-6871-4EF0-8B30-4BF9E4235295}" sibTransId="{8132D0CD-91A3-4A08-B0B7-C85FAF3FE9BF}"/>
-    <dgm:cxn modelId="{AA467981-861B-4071-86B5-7CACFDDBC928}" type="presOf" srcId="{9329094B-E7CD-4AE8-BD21-31A638D10CEA}" destId="{08AEB7E0-F16E-4553-8553-0D43CE514937}" srcOrd="0" destOrd="0" presId="urn:microsoft.com/office/officeart/2005/8/layout/chevron2"/>
     <dgm:cxn modelId="{6E0D9982-D6CC-4478-AA04-DA2CCEEFF6D0}" srcId="{201149F7-42E6-4A42-91E0-26EABB34D0DF}" destId="{E09634D0-26EA-4C67-8380-9BA7FAF524B4}" srcOrd="2" destOrd="0" parTransId="{31061420-BBD2-45AD-B027-A526CF1DFDD7}" sibTransId="{2DB03BBF-3A03-4363-BB16-708030B5381F}"/>
     <dgm:cxn modelId="{D3E04085-941C-40E4-9860-B3C0AF5EE04B}" srcId="{15CCC846-66CB-4AB6-99DC-D3941F58C42E}" destId="{201149F7-42E6-4A42-91E0-26EABB34D0DF}" srcOrd="4" destOrd="0" parTransId="{82F79087-E83E-4947-9664-B63371E62AB8}" sibTransId="{51731C2A-FFAB-4AF1-8869-34F41B7323BD}"/>
     <dgm:cxn modelId="{AD23AA86-310C-45BC-8B89-C2CC72C7101C}" srcId="{15CCC846-66CB-4AB6-99DC-D3941F58C42E}" destId="{23376C93-E20B-41FF-805C-D5820A4245AA}" srcOrd="3" destOrd="0" parTransId="{DDA546DE-6E3B-445B-890B-A00BCEEEEB52}" sibTransId="{4440EF07-66C1-4401-B717-F293EB24F31D}"/>
-    <dgm:cxn modelId="{5B95658F-FB8E-49A0-B422-9E67863D1838}" type="presOf" srcId="{FF7C2D13-7053-47BD-B3B6-41F351D2BC26}" destId="{DC1A4816-EEDD-4E2D-9789-7312736BCE27}" srcOrd="0" destOrd="2" presId="urn:microsoft.com/office/officeart/2005/8/layout/chevron2"/>
+    <dgm:cxn modelId="{03F29589-70CD-45AA-83C6-747C06CF97B1}" type="presOf" srcId="{32874C01-811E-422B-93E3-98F33F16B4C2}" destId="{32ABBF51-4952-4631-9913-71D8ADF43AAB}" srcOrd="0" destOrd="1" presId="urn:microsoft.com/office/officeart/2005/8/layout/vList5"/>
+    <dgm:cxn modelId="{F27C6493-D017-48C0-89B6-7EEE9FDBA159}" type="presOf" srcId="{A44DAB8E-E51C-4777-B54C-4365F71E8DCD}" destId="{D60EE7F7-58DA-445C-8481-AB3DE90A0BE8}" srcOrd="0" destOrd="0" presId="urn:microsoft.com/office/officeart/2005/8/layout/vList5"/>
+    <dgm:cxn modelId="{4C5D3D94-A633-4BCE-B1E0-262994EB309B}" type="presOf" srcId="{8A7FC0D3-41C9-4C0D-9838-086C6E93547B}" destId="{DD61E848-5469-4F27-9F08-DB9FD5BA2333}" srcOrd="0" destOrd="0" presId="urn:microsoft.com/office/officeart/2005/8/layout/vList5"/>
+    <dgm:cxn modelId="{07D4CB94-74A1-4E8F-B938-2E1F31D926A5}" type="presOf" srcId="{CFDF3C45-50B7-4957-A6D1-2776554822B0}" destId="{B6E6232B-3FB8-4CD3-A2ED-161F1287F525}" srcOrd="0" destOrd="0" presId="urn:microsoft.com/office/officeart/2005/8/layout/vList5"/>
     <dgm:cxn modelId="{0795FF9A-4CDB-4E5F-97A1-DF5AF5D9C5C5}" srcId="{15CCC846-66CB-4AB6-99DC-D3941F58C42E}" destId="{A8E83E82-52D7-4DCA-BB8F-9D04416DC676}" srcOrd="6" destOrd="0" parTransId="{8A865600-4C5C-4FF5-86E7-2B65535AEA32}" sibTransId="{4954AAED-2A3F-45C0-8B80-1E3B0B71629D}"/>
-    <dgm:cxn modelId="{BF6404A3-1507-47BA-9E17-22408A4E9E05}" type="presOf" srcId="{8A7FC0D3-41C9-4C0D-9838-086C6E93547B}" destId="{227FF45A-29F9-4EC5-AB5C-0B78603DC4A2}" srcOrd="0" destOrd="0" presId="urn:microsoft.com/office/officeart/2005/8/layout/chevron2"/>
-    <dgm:cxn modelId="{4A1293A9-1AE0-4CCD-91D5-C8DD2FA26088}" type="presOf" srcId="{495F9139-F172-4385-B618-68404FB6FB8D}" destId="{35E44904-C5BC-4764-92C3-9B9AD3301AC3}" srcOrd="0" destOrd="0" presId="urn:microsoft.com/office/officeart/2005/8/layout/chevron2"/>
-    <dgm:cxn modelId="{8DBF5EB3-31A8-41D4-A434-F04CEA206106}" type="presOf" srcId="{C906D562-144E-406B-B32A-54290E58ABE3}" destId="{FCAB4BE9-CBE2-4142-A3CC-97ADDF8D53FA}" srcOrd="0" destOrd="0" presId="urn:microsoft.com/office/officeart/2005/8/layout/chevron2"/>
-    <dgm:cxn modelId="{249E40B4-D13D-443A-9838-AD8BB8EEA300}" type="presOf" srcId="{7B81F67D-21AE-4C28-A3BF-89F73BBB199B}" destId="{3205FA59-7C13-41D7-AB6C-0A43194BC20E}" srcOrd="0" destOrd="0" presId="urn:microsoft.com/office/officeart/2005/8/layout/chevron2"/>
-    <dgm:cxn modelId="{2B45A0B4-27D8-43FC-9229-DE55BFA43F65}" type="presOf" srcId="{E09634D0-26EA-4C67-8380-9BA7FAF524B4}" destId="{FCAB4BE9-CBE2-4142-A3CC-97ADDF8D53FA}" srcOrd="0" destOrd="2" presId="urn:microsoft.com/office/officeart/2005/8/layout/chevron2"/>
-    <dgm:cxn modelId="{3A69FDC7-A663-45E0-8670-BC7A0D7EF671}" type="presOf" srcId="{234ADFE6-B9BA-46DD-BCD9-DD779CFDEE13}" destId="{E8735056-DECD-427D-A6BA-989C9588D2FD}" srcOrd="0" destOrd="0" presId="urn:microsoft.com/office/officeart/2005/8/layout/chevron2"/>
-    <dgm:cxn modelId="{8CD46FCB-7FB8-42AA-8BDA-5FC49FF5F549}" type="presOf" srcId="{42944476-F00A-470D-A852-84559B31C606}" destId="{1635864F-93C2-486C-A6C7-68E3E653D050}" srcOrd="0" destOrd="1" presId="urn:microsoft.com/office/officeart/2005/8/layout/chevron2"/>
-    <dgm:cxn modelId="{A628C1CB-8F69-4730-B0F4-E1245F4C677F}" type="presOf" srcId="{6F65757B-E66B-403B-AAA0-E36AB6A1C065}" destId="{49D90AE9-D5DC-413F-A8D7-D6A67B7EFF85}" srcOrd="0" destOrd="1" presId="urn:microsoft.com/office/officeart/2005/8/layout/chevron2"/>
+    <dgm:cxn modelId="{4137789D-F7CE-418F-8401-DDCF29A2E722}" type="presOf" srcId="{4898C38B-55BE-4817-BA72-8C481886CF68}" destId="{8335AE09-1050-422B-95CB-E10D9CD80732}" srcOrd="0" destOrd="0" presId="urn:microsoft.com/office/officeart/2005/8/layout/vList5"/>
+    <dgm:cxn modelId="{70430BA2-B07E-4F85-9CA7-0C3C79B70590}" type="presOf" srcId="{15CCC846-66CB-4AB6-99DC-D3941F58C42E}" destId="{110D6AC5-9C35-4CBA-92BA-40935BED55C3}" srcOrd="0" destOrd="0" presId="urn:microsoft.com/office/officeart/2005/8/layout/vList5"/>
+    <dgm:cxn modelId="{5CA83BB4-186E-4182-ACD0-D508E81B1C98}" type="presOf" srcId="{DAD39579-D2C8-4F4F-896F-25699461E663}" destId="{4AC43B40-7718-4242-96FA-6E85A552E9D8}" srcOrd="0" destOrd="0" presId="urn:microsoft.com/office/officeart/2005/8/layout/vList5"/>
+    <dgm:cxn modelId="{2B6F5FB5-4A54-4E25-B472-E1139FB7EC03}" type="presOf" srcId="{201149F7-42E6-4A42-91E0-26EABB34D0DF}" destId="{68215BA8-E75E-4DCB-9140-63BD96C6BAC2}" srcOrd="0" destOrd="0" presId="urn:microsoft.com/office/officeart/2005/8/layout/vList5"/>
+    <dgm:cxn modelId="{8D62E7BA-219F-485B-97FF-D7CEECB8F959}" type="presOf" srcId="{7B81F67D-21AE-4C28-A3BF-89F73BBB199B}" destId="{CA8C51EB-78A3-4D46-9255-61A75BFB85A2}" srcOrd="0" destOrd="0" presId="urn:microsoft.com/office/officeart/2005/8/layout/vList5"/>
+    <dgm:cxn modelId="{F4BBB3CA-D775-45D4-9C97-0283759FC85B}" type="presOf" srcId="{9FE6BF17-7968-4700-9C73-DF707B14D062}" destId="{1650733D-DF9A-4FDD-BA3F-471076E8845B}" srcOrd="0" destOrd="0" presId="urn:microsoft.com/office/officeart/2005/8/layout/vList5"/>
+    <dgm:cxn modelId="{B589C6CA-5318-4FD4-A389-2E560A3A4F04}" type="presOf" srcId="{FF7C2D13-7053-47BD-B3B6-41F351D2BC26}" destId="{32ABBF51-4952-4631-9913-71D8ADF43AAB}" srcOrd="0" destOrd="2" presId="urn:microsoft.com/office/officeart/2005/8/layout/vList5"/>
     <dgm:cxn modelId="{D104F0CE-F1D1-4DD3-9EE6-D56F7488422A}" srcId="{15CCC846-66CB-4AB6-99DC-D3941F58C42E}" destId="{A44DAB8E-E51C-4777-B54C-4365F71E8DCD}" srcOrd="7" destOrd="0" parTransId="{00DA39BD-EBE3-48D8-BAED-3526025B640C}" sibTransId="{D89E5B00-BB3C-4618-BFB4-0DBC83ABCACD}"/>
+    <dgm:cxn modelId="{4EC27BD0-329B-4C5F-B007-5D7DD8DCC56B}" type="presOf" srcId="{417A568B-CC35-47D1-A062-A41A2AA70AD9}" destId="{47741516-F4A1-4DB2-B3D5-E2FA5F25F0D5}" srcOrd="0" destOrd="1" presId="urn:microsoft.com/office/officeart/2005/8/layout/vList5"/>
     <dgm:cxn modelId="{940A2CD1-1F50-4B46-93CA-F646BCD90489}" srcId="{15CCC846-66CB-4AB6-99DC-D3941F58C42E}" destId="{CFDF3C45-50B7-4957-A6D1-2776554822B0}" srcOrd="1" destOrd="0" parTransId="{8D6500B9-00CD-4BAC-A16D-8B67FB913773}" sibTransId="{6C90BA84-2AB0-4475-A64D-2D63168FCB79}"/>
     <dgm:cxn modelId="{8C68F0D2-CF5A-405E-B55E-E1609D5BB0E9}" srcId="{9444A1B2-E7E6-4B78-8727-BB2D615A8202}" destId="{FF7C2D13-7053-47BD-B3B6-41F351D2BC26}" srcOrd="2" destOrd="0" parTransId="{EAE54BC7-D436-4934-8EFE-E50D39AFB7BC}" sibTransId="{7A3CB84E-95BF-4B54-AE4A-B51B8E4D2D69}"/>
     <dgm:cxn modelId="{19F021D5-B747-44BF-9255-2037152C2E53}" srcId="{CFDF3C45-50B7-4957-A6D1-2776554822B0}" destId="{9329094B-E7CD-4AE8-BD21-31A638D10CEA}" srcOrd="0" destOrd="0" parTransId="{437DDD3F-5A7C-4C5D-8664-829AB4C6A815}" sibTransId="{3518AECA-E9AE-4DA3-A585-468B98F903F3}"/>
+    <dgm:cxn modelId="{5AF630D6-DAA1-4615-BF38-1ED798E50F5F}" type="presOf" srcId="{C906D562-144E-406B-B32A-54290E58ABE3}" destId="{47741516-F4A1-4DB2-B3D5-E2FA5F25F0D5}" srcOrd="0" destOrd="0" presId="urn:microsoft.com/office/officeart/2005/8/layout/vList5"/>
     <dgm:cxn modelId="{CFB0A1D7-4D59-4114-A330-C1C8CD401F3E}" srcId="{A8E83E82-52D7-4DCA-BB8F-9D04416DC676}" destId="{ECB9E705-F37D-4963-BD2F-1292CCDA2201}" srcOrd="0" destOrd="0" parTransId="{408409E8-C98C-44DF-919C-500EE46273C8}" sibTransId="{4EF54798-27C9-412B-92D9-57ABF9DD8112}"/>
+    <dgm:cxn modelId="{A898F5E0-DFBE-4A31-9EB5-53CA243DF3A1}" type="presOf" srcId="{234ADFE6-B9BA-46DD-BCD9-DD779CFDEE13}" destId="{A0B38118-F70A-46BB-AC75-1EA0841EB803}" srcOrd="0" destOrd="0" presId="urn:microsoft.com/office/officeart/2005/8/layout/vList5"/>
     <dgm:cxn modelId="{990CE3E7-5FED-4F81-B48A-9BFC2729AB99}" srcId="{201149F7-42E6-4A42-91E0-26EABB34D0DF}" destId="{C906D562-144E-406B-B32A-54290E58ABE3}" srcOrd="0" destOrd="0" parTransId="{93C513BC-9635-4FB2-A70D-C5A70C5F8770}" sibTransId="{6C03B098-6077-40C4-825A-AAFDB7530CEB}"/>
-    <dgm:cxn modelId="{ECE2B9FA-2A31-49BC-8C5B-7F265012991E}" type="presOf" srcId="{A8E83E82-52D7-4DCA-BB8F-9D04416DC676}" destId="{D0E01A7C-1C20-4EC4-B899-73A530FDE9A2}" srcOrd="0" destOrd="0" presId="urn:microsoft.com/office/officeart/2005/8/layout/chevron2"/>
-    <dgm:cxn modelId="{116C9008-85C4-4997-8F41-926C1CEFC5B1}" type="presParOf" srcId="{63A9E0EC-EBCB-4054-8626-B91759692445}" destId="{D7586381-9421-4853-8BC0-3C2849E01F1D}" srcOrd="0" destOrd="0" presId="urn:microsoft.com/office/officeart/2005/8/layout/chevron2"/>
-    <dgm:cxn modelId="{693DBAF8-FB1D-43E9-BC23-F7AF2814BFD1}" type="presParOf" srcId="{D7586381-9421-4853-8BC0-3C2849E01F1D}" destId="{3205FA59-7C13-41D7-AB6C-0A43194BC20E}" srcOrd="0" destOrd="0" presId="urn:microsoft.com/office/officeart/2005/8/layout/chevron2"/>
-    <dgm:cxn modelId="{121ADDD8-2C3F-4C5F-B7C1-46CC959D9229}" type="presParOf" srcId="{D7586381-9421-4853-8BC0-3C2849E01F1D}" destId="{1635864F-93C2-486C-A6C7-68E3E653D050}" srcOrd="1" destOrd="0" presId="urn:microsoft.com/office/officeart/2005/8/layout/chevron2"/>
-    <dgm:cxn modelId="{DB8B99CA-5516-44F1-B9D2-A725E6246D7C}" type="presParOf" srcId="{63A9E0EC-EBCB-4054-8626-B91759692445}" destId="{51F72EB0-9B90-4015-A2E0-844717EB5309}" srcOrd="1" destOrd="0" presId="urn:microsoft.com/office/officeart/2005/8/layout/chevron2"/>
-    <dgm:cxn modelId="{D32118FE-B216-4C2A-AE6E-371139B3E074}" type="presParOf" srcId="{63A9E0EC-EBCB-4054-8626-B91759692445}" destId="{4063E011-DA1B-4B94-9F54-61861F18BE76}" srcOrd="2" destOrd="0" presId="urn:microsoft.com/office/officeart/2005/8/layout/chevron2"/>
-    <dgm:cxn modelId="{4315B149-3377-4C78-A915-31BEB9EB0E03}" type="presParOf" srcId="{4063E011-DA1B-4B94-9F54-61861F18BE76}" destId="{1CAB4FD6-61CF-45AF-9592-3CFA471D4B48}" srcOrd="0" destOrd="0" presId="urn:microsoft.com/office/officeart/2005/8/layout/chevron2"/>
-    <dgm:cxn modelId="{8E85AC0E-C607-4F45-8901-8D5C21A5F947}" type="presParOf" srcId="{4063E011-DA1B-4B94-9F54-61861F18BE76}" destId="{08AEB7E0-F16E-4553-8553-0D43CE514937}" srcOrd="1" destOrd="0" presId="urn:microsoft.com/office/officeart/2005/8/layout/chevron2"/>
-    <dgm:cxn modelId="{6C080511-2DC1-4A3E-A9EA-045DAA2EA0DD}" type="presParOf" srcId="{63A9E0EC-EBCB-4054-8626-B91759692445}" destId="{254C4AB0-F457-4B96-A6D9-E9417DD3C93B}" srcOrd="3" destOrd="0" presId="urn:microsoft.com/office/officeart/2005/8/layout/chevron2"/>
-    <dgm:cxn modelId="{69F31879-0082-47F0-8431-CE4CB109F897}" type="presParOf" srcId="{63A9E0EC-EBCB-4054-8626-B91759692445}" destId="{8FA2D313-FE05-4C6D-9846-9B5388189B6B}" srcOrd="4" destOrd="0" presId="urn:microsoft.com/office/officeart/2005/8/layout/chevron2"/>
-    <dgm:cxn modelId="{6AD0B5BC-1348-433D-BEBB-F96E39A92C0A}" type="presParOf" srcId="{8FA2D313-FE05-4C6D-9846-9B5388189B6B}" destId="{E8735056-DECD-427D-A6BA-989C9588D2FD}" srcOrd="0" destOrd="0" presId="urn:microsoft.com/office/officeart/2005/8/layout/chevron2"/>
-    <dgm:cxn modelId="{9DB01DA6-196E-4A6D-A2CA-BA116A53C02E}" type="presParOf" srcId="{8FA2D313-FE05-4C6D-9846-9B5388189B6B}" destId="{50E96BE7-7334-451F-9006-0BC5B0234B37}" srcOrd="1" destOrd="0" presId="urn:microsoft.com/office/officeart/2005/8/layout/chevron2"/>
-    <dgm:cxn modelId="{0E2A8CAC-FD3A-4A3A-A249-D4D964C552E3}" type="presParOf" srcId="{63A9E0EC-EBCB-4054-8626-B91759692445}" destId="{450A1C37-2F10-4F19-923A-C4F8DDC434FA}" srcOrd="5" destOrd="0" presId="urn:microsoft.com/office/officeart/2005/8/layout/chevron2"/>
-    <dgm:cxn modelId="{D760D23A-BEB1-4360-98C1-B7AF163B65BA}" type="presParOf" srcId="{63A9E0EC-EBCB-4054-8626-B91759692445}" destId="{36001D6F-753B-444D-BB1C-7E2FAEA4A774}" srcOrd="6" destOrd="0" presId="urn:microsoft.com/office/officeart/2005/8/layout/chevron2"/>
-    <dgm:cxn modelId="{FA13B51C-BDDD-4C18-A282-7EB9FABADA99}" type="presParOf" srcId="{36001D6F-753B-444D-BB1C-7E2FAEA4A774}" destId="{EBD82BFA-1043-417D-83D8-A3130A82B8A1}" srcOrd="0" destOrd="0" presId="urn:microsoft.com/office/officeart/2005/8/layout/chevron2"/>
-    <dgm:cxn modelId="{8D00A501-688F-4D4C-A366-BC8E0D2B3DDF}" type="presParOf" srcId="{36001D6F-753B-444D-BB1C-7E2FAEA4A774}" destId="{B353D7E8-B5DF-484F-BB0B-2FDC1D4C4601}" srcOrd="1" destOrd="0" presId="urn:microsoft.com/office/officeart/2005/8/layout/chevron2"/>
-    <dgm:cxn modelId="{99C6F265-C290-4E70-BE53-E20C297AC13B}" type="presParOf" srcId="{63A9E0EC-EBCB-4054-8626-B91759692445}" destId="{411F245E-F750-47C2-A8A5-30186496F900}" srcOrd="7" destOrd="0" presId="urn:microsoft.com/office/officeart/2005/8/layout/chevron2"/>
-    <dgm:cxn modelId="{776CE679-E7D2-49AA-AAA5-25877A9765BE}" type="presParOf" srcId="{63A9E0EC-EBCB-4054-8626-B91759692445}" destId="{9FD73669-D520-4E59-B026-A1CB6EE676F0}" srcOrd="8" destOrd="0" presId="urn:microsoft.com/office/officeart/2005/8/layout/chevron2"/>
-    <dgm:cxn modelId="{3A038100-B7F9-46E1-9702-B82539879FA6}" type="presParOf" srcId="{9FD73669-D520-4E59-B026-A1CB6EE676F0}" destId="{0F32EF81-87A1-49D2-B8E4-7301E313B84E}" srcOrd="0" destOrd="0" presId="urn:microsoft.com/office/officeart/2005/8/layout/chevron2"/>
-    <dgm:cxn modelId="{ABD8CBDC-554C-4974-ACDB-2BE815FF00D8}" type="presParOf" srcId="{9FD73669-D520-4E59-B026-A1CB6EE676F0}" destId="{FCAB4BE9-CBE2-4142-A3CC-97ADDF8D53FA}" srcOrd="1" destOrd="0" presId="urn:microsoft.com/office/officeart/2005/8/layout/chevron2"/>
-    <dgm:cxn modelId="{FC096B1A-BD30-4667-879F-58387D853D9C}" type="presParOf" srcId="{63A9E0EC-EBCB-4054-8626-B91759692445}" destId="{D16E0A57-3133-4A54-A864-35088A3858BD}" srcOrd="9" destOrd="0" presId="urn:microsoft.com/office/officeart/2005/8/layout/chevron2"/>
-    <dgm:cxn modelId="{475B6263-3080-4EB9-9C80-083EDE549AA3}" type="presParOf" srcId="{63A9E0EC-EBCB-4054-8626-B91759692445}" destId="{EE725551-C387-4561-8C1E-EC3E8FE19075}" srcOrd="10" destOrd="0" presId="urn:microsoft.com/office/officeart/2005/8/layout/chevron2"/>
-    <dgm:cxn modelId="{CE2EE4A7-6BF0-4BAA-9C0C-5B18E10FFA49}" type="presParOf" srcId="{EE725551-C387-4561-8C1E-EC3E8FE19075}" destId="{6DC1A22C-5366-49BF-A882-1D1BF6FC069E}" srcOrd="0" destOrd="0" presId="urn:microsoft.com/office/officeart/2005/8/layout/chevron2"/>
-    <dgm:cxn modelId="{DA0B1368-0941-4B3D-ABB4-B1EFB8EF7318}" type="presParOf" srcId="{EE725551-C387-4561-8C1E-EC3E8FE19075}" destId="{DC1A4816-EEDD-4E2D-9789-7312736BCE27}" srcOrd="1" destOrd="0" presId="urn:microsoft.com/office/officeart/2005/8/layout/chevron2"/>
-    <dgm:cxn modelId="{F28F2C6A-0018-4ADE-8191-83ABFDFBD2CA}" type="presParOf" srcId="{63A9E0EC-EBCB-4054-8626-B91759692445}" destId="{4E8E2E60-AAEB-4EAF-9A3F-E0C99651525E}" srcOrd="11" destOrd="0" presId="urn:microsoft.com/office/officeart/2005/8/layout/chevron2"/>
-    <dgm:cxn modelId="{26017B72-C1C4-4F63-83A8-6869CB8B6A6D}" type="presParOf" srcId="{63A9E0EC-EBCB-4054-8626-B91759692445}" destId="{8BC75532-EED4-4EFB-ADFF-A0434D3CDA99}" srcOrd="12" destOrd="0" presId="urn:microsoft.com/office/officeart/2005/8/layout/chevron2"/>
-    <dgm:cxn modelId="{E36CBAC8-628D-4838-9BCD-346599BF7038}" type="presParOf" srcId="{8BC75532-EED4-4EFB-ADFF-A0434D3CDA99}" destId="{D0E01A7C-1C20-4EC4-B899-73A530FDE9A2}" srcOrd="0" destOrd="0" presId="urn:microsoft.com/office/officeart/2005/8/layout/chevron2"/>
-    <dgm:cxn modelId="{644101B8-7DE4-410F-97E3-DAE8A1739272}" type="presParOf" srcId="{8BC75532-EED4-4EFB-ADFF-A0434D3CDA99}" destId="{D03553DF-6841-4A16-9C33-9D73E4DC3F47}" srcOrd="1" destOrd="0" presId="urn:microsoft.com/office/officeart/2005/8/layout/chevron2"/>
-    <dgm:cxn modelId="{75F0948E-C902-46C8-872B-9547E07D5FF7}" type="presParOf" srcId="{63A9E0EC-EBCB-4054-8626-B91759692445}" destId="{DFE24DBD-48E7-4734-BE02-DFF198DFAA7E}" srcOrd="13" destOrd="0" presId="urn:microsoft.com/office/officeart/2005/8/layout/chevron2"/>
-    <dgm:cxn modelId="{DB3E6D34-7091-4535-B3D4-E93840B769F6}" type="presParOf" srcId="{63A9E0EC-EBCB-4054-8626-B91759692445}" destId="{205C8B41-FFD6-4C6D-B4DA-449027023B04}" srcOrd="14" destOrd="0" presId="urn:microsoft.com/office/officeart/2005/8/layout/chevron2"/>
-    <dgm:cxn modelId="{4BCC4675-BBD2-4925-82EA-0D53191C3124}" type="presParOf" srcId="{205C8B41-FFD6-4C6D-B4DA-449027023B04}" destId="{3530C899-531F-40AC-B5F5-4BD71F870A48}" srcOrd="0" destOrd="0" presId="urn:microsoft.com/office/officeart/2005/8/layout/chevron2"/>
-    <dgm:cxn modelId="{B3F08F10-8E1C-4F87-844D-0BA4A27B7E87}" type="presParOf" srcId="{205C8B41-FFD6-4C6D-B4DA-449027023B04}" destId="{35E44904-C5BC-4764-92C3-9B9AD3301AC3}" srcOrd="1" destOrd="0" presId="urn:microsoft.com/office/officeart/2005/8/layout/chevron2"/>
-    <dgm:cxn modelId="{8B382309-0430-4FD5-86F3-9BCABFF6533A}" type="presParOf" srcId="{63A9E0EC-EBCB-4054-8626-B91759692445}" destId="{6880BA35-E344-491C-9F3A-6714C5ED255C}" srcOrd="15" destOrd="0" presId="urn:microsoft.com/office/officeart/2005/8/layout/chevron2"/>
-    <dgm:cxn modelId="{D3586D06-38AC-4307-AC37-014FB8B86FFB}" type="presParOf" srcId="{63A9E0EC-EBCB-4054-8626-B91759692445}" destId="{EA366525-F51C-4A86-B8CF-108425A36353}" srcOrd="16" destOrd="0" presId="urn:microsoft.com/office/officeart/2005/8/layout/chevron2"/>
-    <dgm:cxn modelId="{069E9272-B784-4DF8-8416-9E3AEDDC7269}" type="presParOf" srcId="{EA366525-F51C-4A86-B8CF-108425A36353}" destId="{227FF45A-29F9-4EC5-AB5C-0B78603DC4A2}" srcOrd="0" destOrd="0" presId="urn:microsoft.com/office/officeart/2005/8/layout/chevron2"/>
-    <dgm:cxn modelId="{73D296D7-05EB-4035-BD70-4A7EBF669D7E}" type="presParOf" srcId="{EA366525-F51C-4A86-B8CF-108425A36353}" destId="{49D90AE9-D5DC-413F-A8D7-D6A67B7EFF85}" srcOrd="1" destOrd="0" presId="urn:microsoft.com/office/officeart/2005/8/layout/chevron2"/>
+    <dgm:cxn modelId="{8F77ABEB-22DA-4D3C-B715-B0678FFF9DC8}" type="presOf" srcId="{E09634D0-26EA-4C67-8380-9BA7FAF524B4}" destId="{47741516-F4A1-4DB2-B3D5-E2FA5F25F0D5}" srcOrd="0" destOrd="2" presId="urn:microsoft.com/office/officeart/2005/8/layout/vList5"/>
+    <dgm:cxn modelId="{56E2A1F9-D5F9-41C1-866D-E8C7D4C96D15}" type="presOf" srcId="{42944476-F00A-470D-A852-84559B31C606}" destId="{8335AE09-1050-422B-95CB-E10D9CD80732}" srcOrd="0" destOrd="1" presId="urn:microsoft.com/office/officeart/2005/8/layout/vList5"/>
+    <dgm:cxn modelId="{75680AFC-EF2B-427A-A2DF-32B1D43933BC}" type="presOf" srcId="{6E620903-2E6F-42C3-85DD-4BFDDA06F4AF}" destId="{3BA47A2C-248C-46A0-945C-60191069450D}" srcOrd="0" destOrd="0" presId="urn:microsoft.com/office/officeart/2005/8/layout/vList5"/>
+    <dgm:cxn modelId="{A440D74F-517A-43CC-B778-1D6F37DEB679}" type="presParOf" srcId="{110D6AC5-9C35-4CBA-92BA-40935BED55C3}" destId="{989192D3-A91C-41C3-A94C-D5422AE5BB0D}" srcOrd="0" destOrd="0" presId="urn:microsoft.com/office/officeart/2005/8/layout/vList5"/>
+    <dgm:cxn modelId="{CCB2E5D4-06AA-4304-8C78-A40291EC9BE2}" type="presParOf" srcId="{989192D3-A91C-41C3-A94C-D5422AE5BB0D}" destId="{CA8C51EB-78A3-4D46-9255-61A75BFB85A2}" srcOrd="0" destOrd="0" presId="urn:microsoft.com/office/officeart/2005/8/layout/vList5"/>
+    <dgm:cxn modelId="{4D9639D6-54B5-48E3-B70A-177AA1F17F48}" type="presParOf" srcId="{989192D3-A91C-41C3-A94C-D5422AE5BB0D}" destId="{8335AE09-1050-422B-95CB-E10D9CD80732}" srcOrd="1" destOrd="0" presId="urn:microsoft.com/office/officeart/2005/8/layout/vList5"/>
+    <dgm:cxn modelId="{ED2216C6-8A60-4B3D-BD3F-9CA1D96E7073}" type="presParOf" srcId="{110D6AC5-9C35-4CBA-92BA-40935BED55C3}" destId="{5A570290-92A2-44CC-BDCE-538D0DA51AB7}" srcOrd="1" destOrd="0" presId="urn:microsoft.com/office/officeart/2005/8/layout/vList5"/>
+    <dgm:cxn modelId="{A3A108A1-E0BD-41B8-9F5A-48B1B5F972C4}" type="presParOf" srcId="{110D6AC5-9C35-4CBA-92BA-40935BED55C3}" destId="{5E1A48BF-71FE-47E1-A2DC-DB9C528164CC}" srcOrd="2" destOrd="0" presId="urn:microsoft.com/office/officeart/2005/8/layout/vList5"/>
+    <dgm:cxn modelId="{E2466A77-018A-46D7-A087-26644677E0EB}" type="presParOf" srcId="{5E1A48BF-71FE-47E1-A2DC-DB9C528164CC}" destId="{B6E6232B-3FB8-4CD3-A2ED-161F1287F525}" srcOrd="0" destOrd="0" presId="urn:microsoft.com/office/officeart/2005/8/layout/vList5"/>
+    <dgm:cxn modelId="{07C189E7-EF24-4408-BA73-D571DBBC460B}" type="presParOf" srcId="{5E1A48BF-71FE-47E1-A2DC-DB9C528164CC}" destId="{662304D6-E92A-4269-95F9-5466806F1D60}" srcOrd="1" destOrd="0" presId="urn:microsoft.com/office/officeart/2005/8/layout/vList5"/>
+    <dgm:cxn modelId="{5130A7E3-9A2B-44C2-B0CA-3553A865552A}" type="presParOf" srcId="{110D6AC5-9C35-4CBA-92BA-40935BED55C3}" destId="{51707854-B65D-4779-951B-A239F7E60616}" srcOrd="3" destOrd="0" presId="urn:microsoft.com/office/officeart/2005/8/layout/vList5"/>
+    <dgm:cxn modelId="{68EA9108-5103-46CE-BF9A-EFBD5C32305D}" type="presParOf" srcId="{110D6AC5-9C35-4CBA-92BA-40935BED55C3}" destId="{59896B06-085F-4E53-B377-530F2859C740}" srcOrd="4" destOrd="0" presId="urn:microsoft.com/office/officeart/2005/8/layout/vList5"/>
+    <dgm:cxn modelId="{9C1AFBF2-3C64-46B1-8DB1-4BBDCE0F19F7}" type="presParOf" srcId="{59896B06-085F-4E53-B377-530F2859C740}" destId="{A0B38118-F70A-46BB-AC75-1EA0841EB803}" srcOrd="0" destOrd="0" presId="urn:microsoft.com/office/officeart/2005/8/layout/vList5"/>
+    <dgm:cxn modelId="{7FEA153C-88E5-45AD-8B65-42C952A1B564}" type="presParOf" srcId="{59896B06-085F-4E53-B377-530F2859C740}" destId="{3BA47A2C-248C-46A0-945C-60191069450D}" srcOrd="1" destOrd="0" presId="urn:microsoft.com/office/officeart/2005/8/layout/vList5"/>
+    <dgm:cxn modelId="{0403B2ED-FDD0-45F6-94D6-498010307404}" type="presParOf" srcId="{110D6AC5-9C35-4CBA-92BA-40935BED55C3}" destId="{8227D16A-88EB-4DF8-A0FC-8DA0290623D5}" srcOrd="5" destOrd="0" presId="urn:microsoft.com/office/officeart/2005/8/layout/vList5"/>
+    <dgm:cxn modelId="{4B270770-5B79-40FE-9AE8-75C4B8A61D17}" type="presParOf" srcId="{110D6AC5-9C35-4CBA-92BA-40935BED55C3}" destId="{9F490B92-4B6B-442F-99A4-BD118DCA6C5D}" srcOrd="6" destOrd="0" presId="urn:microsoft.com/office/officeart/2005/8/layout/vList5"/>
+    <dgm:cxn modelId="{38C0BD08-30E7-4680-A994-1D9737C9856D}" type="presParOf" srcId="{9F490B92-4B6B-442F-99A4-BD118DCA6C5D}" destId="{8F42125C-8DA9-49A9-BC6F-C23FF3E6FA8C}" srcOrd="0" destOrd="0" presId="urn:microsoft.com/office/officeart/2005/8/layout/vList5"/>
+    <dgm:cxn modelId="{F6BF2E86-0659-4DB0-812D-B9A0D72101AD}" type="presParOf" srcId="{9F490B92-4B6B-442F-99A4-BD118DCA6C5D}" destId="{1650733D-DF9A-4FDD-BA3F-471076E8845B}" srcOrd="1" destOrd="0" presId="urn:microsoft.com/office/officeart/2005/8/layout/vList5"/>
+    <dgm:cxn modelId="{5E73FF9E-DBCE-4468-A3CE-6572DDE8A3A2}" type="presParOf" srcId="{110D6AC5-9C35-4CBA-92BA-40935BED55C3}" destId="{47E063C1-A7AA-4FD6-8DE4-8C18F295C67B}" srcOrd="7" destOrd="0" presId="urn:microsoft.com/office/officeart/2005/8/layout/vList5"/>
+    <dgm:cxn modelId="{50582409-12C3-454E-8F62-3984C4CA4700}" type="presParOf" srcId="{110D6AC5-9C35-4CBA-92BA-40935BED55C3}" destId="{1C7B5BF8-27B2-4574-9884-72A7B802FCE2}" srcOrd="8" destOrd="0" presId="urn:microsoft.com/office/officeart/2005/8/layout/vList5"/>
+    <dgm:cxn modelId="{71039E63-4AB4-4FD3-A9FB-A87C0BBB55E7}" type="presParOf" srcId="{1C7B5BF8-27B2-4574-9884-72A7B802FCE2}" destId="{68215BA8-E75E-4DCB-9140-63BD96C6BAC2}" srcOrd="0" destOrd="0" presId="urn:microsoft.com/office/officeart/2005/8/layout/vList5"/>
+    <dgm:cxn modelId="{14B0063A-E069-421A-A2E9-D98C21EF16C6}" type="presParOf" srcId="{1C7B5BF8-27B2-4574-9884-72A7B802FCE2}" destId="{47741516-F4A1-4DB2-B3D5-E2FA5F25F0D5}" srcOrd="1" destOrd="0" presId="urn:microsoft.com/office/officeart/2005/8/layout/vList5"/>
+    <dgm:cxn modelId="{04148170-9484-429A-ADDE-13728741E4A2}" type="presParOf" srcId="{110D6AC5-9C35-4CBA-92BA-40935BED55C3}" destId="{8DDA614E-9424-41B7-AB7D-D83903B47331}" srcOrd="9" destOrd="0" presId="urn:microsoft.com/office/officeart/2005/8/layout/vList5"/>
+    <dgm:cxn modelId="{2EA7C1DB-DD3C-4D98-A272-54720DD545C7}" type="presParOf" srcId="{110D6AC5-9C35-4CBA-92BA-40935BED55C3}" destId="{2FFA6735-7A05-4F2B-BAFE-29048B3015A7}" srcOrd="10" destOrd="0" presId="urn:microsoft.com/office/officeart/2005/8/layout/vList5"/>
+    <dgm:cxn modelId="{EEDBFE76-4E95-4B97-B9C1-CC703A7D4425}" type="presParOf" srcId="{2FFA6735-7A05-4F2B-BAFE-29048B3015A7}" destId="{929F240F-BE34-4EE1-89E3-3D943FF20E5D}" srcOrd="0" destOrd="0" presId="urn:microsoft.com/office/officeart/2005/8/layout/vList5"/>
+    <dgm:cxn modelId="{53D03B09-A6D1-4D7F-936F-11EF4C1268AA}" type="presParOf" srcId="{2FFA6735-7A05-4F2B-BAFE-29048B3015A7}" destId="{32ABBF51-4952-4631-9913-71D8ADF43AAB}" srcOrd="1" destOrd="0" presId="urn:microsoft.com/office/officeart/2005/8/layout/vList5"/>
+    <dgm:cxn modelId="{83EAB609-A2A2-4D06-ADEC-9ACF10DBC121}" type="presParOf" srcId="{110D6AC5-9C35-4CBA-92BA-40935BED55C3}" destId="{047616FE-4EAC-4D05-9191-F0E403A97F07}" srcOrd="11" destOrd="0" presId="urn:microsoft.com/office/officeart/2005/8/layout/vList5"/>
+    <dgm:cxn modelId="{37F51F21-E2F6-48C5-84EB-A75D5D33FD8A}" type="presParOf" srcId="{110D6AC5-9C35-4CBA-92BA-40935BED55C3}" destId="{C604330A-C896-4A74-9BD9-C6AD055A5C56}" srcOrd="12" destOrd="0" presId="urn:microsoft.com/office/officeart/2005/8/layout/vList5"/>
+    <dgm:cxn modelId="{02BCEEE0-89C2-4983-9164-0E769969B57F}" type="presParOf" srcId="{C604330A-C896-4A74-9BD9-C6AD055A5C56}" destId="{92FB9813-63D8-4671-964D-A107A9A49385}" srcOrd="0" destOrd="0" presId="urn:microsoft.com/office/officeart/2005/8/layout/vList5"/>
+    <dgm:cxn modelId="{67A6B32A-F01C-497B-86BC-A14645DCD474}" type="presParOf" srcId="{C604330A-C896-4A74-9BD9-C6AD055A5C56}" destId="{FA5272A9-4954-46EB-8013-3FFAFE4884B4}" srcOrd="1" destOrd="0" presId="urn:microsoft.com/office/officeart/2005/8/layout/vList5"/>
+    <dgm:cxn modelId="{71D8131B-4702-4EEE-9CC0-2FC7F08CED22}" type="presParOf" srcId="{110D6AC5-9C35-4CBA-92BA-40935BED55C3}" destId="{61DAE3B2-F64E-472C-A453-5A80BABE0A1A}" srcOrd="13" destOrd="0" presId="urn:microsoft.com/office/officeart/2005/8/layout/vList5"/>
+    <dgm:cxn modelId="{6A7DF71F-BC89-4D31-8C62-67271DD1BD24}" type="presParOf" srcId="{110D6AC5-9C35-4CBA-92BA-40935BED55C3}" destId="{2E16DE2B-7622-4A99-A976-D0AC3F6ABEBE}" srcOrd="14" destOrd="0" presId="urn:microsoft.com/office/officeart/2005/8/layout/vList5"/>
+    <dgm:cxn modelId="{CD645AFC-B166-4C5E-883A-9B02C88A44FE}" type="presParOf" srcId="{2E16DE2B-7622-4A99-A976-D0AC3F6ABEBE}" destId="{D60EE7F7-58DA-445C-8481-AB3DE90A0BE8}" srcOrd="0" destOrd="0" presId="urn:microsoft.com/office/officeart/2005/8/layout/vList5"/>
+    <dgm:cxn modelId="{7B95E5FB-D368-40FA-859A-2CF483547DEA}" type="presParOf" srcId="{2E16DE2B-7622-4A99-A976-D0AC3F6ABEBE}" destId="{1D9CE99A-1663-45CB-8C75-75C83EAC66C1}" srcOrd="1" destOrd="0" presId="urn:microsoft.com/office/officeart/2005/8/layout/vList5"/>
+    <dgm:cxn modelId="{A0BBDF6C-49F4-4571-AE87-620564538F78}" type="presParOf" srcId="{110D6AC5-9C35-4CBA-92BA-40935BED55C3}" destId="{084388EE-2899-40E9-B920-813C55CE0E4A}" srcOrd="15" destOrd="0" presId="urn:microsoft.com/office/officeart/2005/8/layout/vList5"/>
+    <dgm:cxn modelId="{11F27BED-50D3-4969-8C7B-60F3BE6606C3}" type="presParOf" srcId="{110D6AC5-9C35-4CBA-92BA-40935BED55C3}" destId="{A7ECAB68-7997-4376-A5B9-FEA6750A5F7A}" srcOrd="16" destOrd="0" presId="urn:microsoft.com/office/officeart/2005/8/layout/vList5"/>
+    <dgm:cxn modelId="{28406F64-F625-4C38-B63C-6415FBC306C4}" type="presParOf" srcId="{A7ECAB68-7997-4376-A5B9-FEA6750A5F7A}" destId="{DD61E848-5469-4F27-9F08-DB9FD5BA2333}" srcOrd="0" destOrd="0" presId="urn:microsoft.com/office/officeart/2005/8/layout/vList5"/>
+    <dgm:cxn modelId="{992DF9A2-A400-4759-9C99-DFCEF449D97A}" type="presParOf" srcId="{A7ECAB68-7997-4376-A5B9-FEA6750A5F7A}" destId="{4AC43B40-7718-4242-96FA-6E85A552E9D8}" srcOrd="1" destOrd="0" presId="urn:microsoft.com/office/officeart/2005/8/layout/vList5"/>
   </dgm:cxnLst>
   <dgm:bg/>
   <dgm:whole/>
@@ -3725,17 +3741,153 @@
       <dsp:cNvGrpSpPr/>
     </dsp:nvGrpSpPr>
     <dsp:grpSpPr/>
-    <dsp:sp modelId="{3205FA59-7C13-41D7-AB6C-0A43194BC20E}">
+    <dsp:sp modelId="{8335AE09-1050-422B-95CB-E10D9CD80732}">
       <dsp:nvSpPr>
         <dsp:cNvPr id="0" name=""/>
         <dsp:cNvSpPr/>
       </dsp:nvSpPr>
       <dsp:spPr>
         <a:xfrm rot="5400000">
-          <a:off x="-98921" y="101399"/>
-          <a:ext cx="659473" cy="461631"/>
+          <a:off x="3260338" y="-1399699"/>
+          <a:ext cx="465846" cy="3287776"/>
         </a:xfrm>
-        <a:prstGeom prst="chevron">
+        <a:prstGeom prst="round2SameRect">
+          <a:avLst/>
+        </a:prstGeom>
+        <a:solidFill>
+          <a:schemeClr val="accent1">
+            <a:alpha val="90000"/>
+            <a:tint val="40000"/>
+            <a:hueOff val="0"/>
+            <a:satOff val="0"/>
+            <a:lumOff val="0"/>
+            <a:alphaOff val="0"/>
+          </a:schemeClr>
+        </a:solidFill>
+        <a:ln w="12700" cap="flat" cmpd="sng" algn="ctr">
+          <a:solidFill>
+            <a:schemeClr val="accent1">
+              <a:alpha val="90000"/>
+              <a:tint val="40000"/>
+              <a:hueOff val="0"/>
+              <a:satOff val="0"/>
+              <a:lumOff val="0"/>
+              <a:alphaOff val="0"/>
+            </a:schemeClr>
+          </a:solidFill>
+          <a:prstDash val="solid"/>
+          <a:miter lim="800000"/>
+        </a:ln>
+        <a:effectLst/>
+      </dsp:spPr>
+      <dsp:style>
+        <a:lnRef idx="2">
+          <a:scrgbClr r="0" g="0" b="0"/>
+        </a:lnRef>
+        <a:fillRef idx="1">
+          <a:scrgbClr r="0" g="0" b="0"/>
+        </a:fillRef>
+        <a:effectRef idx="0">
+          <a:scrgbClr r="0" g="0" b="0"/>
+        </a:effectRef>
+        <a:fontRef idx="minor"/>
+      </dsp:style>
+      <dsp:txBody>
+        <a:bodyPr spcFirstLastPara="0" vert="horz" wrap="square" lIns="247650" tIns="123825" rIns="247650" bIns="123825" numCol="1" spcCol="1270" anchor="ctr" anchorCtr="0">
+          <a:noAutofit/>
+        </a:bodyPr>
+        <a:lstStyle/>
+        <a:p>
+          <a:pPr marL="114300" lvl="1" indent="-114300" algn="l" defTabSz="533400">
+            <a:lnSpc>
+              <a:spcPct val="90000"/>
+            </a:lnSpc>
+            <a:spcBef>
+              <a:spcPct val="0"/>
+            </a:spcBef>
+            <a:spcAft>
+              <a:spcPct val="15000"/>
+            </a:spcAft>
+            <a:buChar char="•"/>
+          </a:pPr>
+          <a:r>
+            <a:rPr lang="de-DE" sz="1200" kern="1200" dirty="0" err="1"/>
+            <a:t>Developing</a:t>
+          </a:r>
+          <a:r>
+            <a:rPr lang="de-DE" sz="1200" kern="1200" dirty="0"/>
+            <a:t> </a:t>
+          </a:r>
+          <a:r>
+            <a:rPr lang="de-DE" sz="1200" kern="1200" dirty="0" err="1"/>
+            <a:t>the</a:t>
+          </a:r>
+          <a:r>
+            <a:rPr lang="de-DE" sz="1200" kern="1200" dirty="0"/>
+            <a:t> </a:t>
+          </a:r>
+          <a:r>
+            <a:rPr lang="de-DE" sz="1200" kern="1200" dirty="0" err="1"/>
+            <a:t>model</a:t>
+          </a:r>
+          <a:endParaRPr lang="en-US" sz="1200" kern="1200" dirty="0"/>
+        </a:p>
+        <a:p>
+          <a:pPr marL="114300" lvl="1" indent="-114300" algn="l" defTabSz="533400">
+            <a:lnSpc>
+              <a:spcPct val="90000"/>
+            </a:lnSpc>
+            <a:spcBef>
+              <a:spcPct val="0"/>
+            </a:spcBef>
+            <a:spcAft>
+              <a:spcPct val="15000"/>
+            </a:spcAft>
+            <a:buChar char="•"/>
+          </a:pPr>
+          <a:r>
+            <a:rPr lang="de-DE" sz="1200" kern="1200" dirty="0"/>
+            <a:t>Export </a:t>
+          </a:r>
+          <a:r>
+            <a:rPr lang="de-DE" sz="1200" kern="1200" dirty="0" err="1"/>
+            <a:t>model</a:t>
+          </a:r>
+          <a:r>
+            <a:rPr lang="de-DE" sz="1200" kern="1200" dirty="0"/>
+            <a:t> </a:t>
+          </a:r>
+          <a:r>
+            <a:rPr lang="de-DE" sz="1200" kern="1200" dirty="0" err="1"/>
+            <a:t>to</a:t>
+          </a:r>
+          <a:r>
+            <a:rPr lang="de-DE" sz="1200" kern="1200" dirty="0"/>
+            <a:t> *.</a:t>
+          </a:r>
+          <a:r>
+            <a:rPr lang="de-DE" sz="1200" kern="1200" dirty="0" err="1"/>
+            <a:t>pkml</a:t>
+          </a:r>
+          <a:endParaRPr lang="en-US" sz="1200" kern="1200" dirty="0"/>
+        </a:p>
+      </dsp:txBody>
+      <dsp:txXfrm rot="-5400000">
+        <a:off x="1849374" y="34006"/>
+        <a:ext cx="3265035" cy="420364"/>
+      </dsp:txXfrm>
+    </dsp:sp>
+    <dsp:sp modelId="{CA8C51EB-78A3-4D46-9255-61A75BFB85A2}">
+      <dsp:nvSpPr>
+        <dsp:cNvPr id="0" name=""/>
+        <dsp:cNvSpPr/>
+      </dsp:nvSpPr>
+      <dsp:spPr>
+        <a:xfrm>
+          <a:off x="0" y="317"/>
+          <a:ext cx="1849374" cy="487741"/>
+        </a:xfrm>
+        <a:prstGeom prst="roundRect">
           <a:avLst/>
         </a:prstGeom>
         <a:solidFill>
@@ -3748,7 +3900,7 @@
         </a:solidFill>
         <a:ln w="12700" cap="flat" cmpd="sng" algn="ctr">
           <a:solidFill>
-            <a:schemeClr val="accent1">
+            <a:schemeClr val="lt1">
               <a:hueOff val="0"/>
               <a:satOff val="0"/>
               <a:lumOff val="0"/>
@@ -3775,12 +3927,12 @@
         </a:fontRef>
       </dsp:style>
       <dsp:txBody>
-        <a:bodyPr spcFirstLastPara="0" vert="horz" wrap="square" lIns="3175" tIns="3175" rIns="3175" bIns="3175" numCol="1" spcCol="1270" anchor="ctr" anchorCtr="0">
+        <a:bodyPr spcFirstLastPara="0" vert="horz" wrap="square" lIns="38100" tIns="19050" rIns="38100" bIns="19050" numCol="1" spcCol="1270" anchor="ctr" anchorCtr="0">
           <a:noAutofit/>
         </a:bodyPr>
         <a:lstStyle/>
         <a:p>
-          <a:pPr marL="0" lvl="0" indent="0" algn="ctr" defTabSz="222250">
+          <a:pPr marL="0" lvl="0" indent="0" algn="ctr" defTabSz="444500">
             <a:lnSpc>
               <a:spcPct val="90000"/>
             </a:lnSpc>
@@ -3793,33 +3945,34 @@
             <a:buNone/>
           </a:pPr>
           <a:r>
-            <a:rPr lang="de-DE" sz="500" kern="1200" dirty="0"/>
+            <a:rPr lang="de-DE" sz="1000" kern="1200" dirty="0"/>
             <a:t>1. Modeling</a:t>
           </a:r>
-          <a:endParaRPr lang="en-US" sz="500" kern="1200" dirty="0"/>
+          <a:endParaRPr lang="en-US" sz="1000" kern="1200" dirty="0"/>
         </a:p>
       </dsp:txBody>
-      <dsp:txXfrm rot="-5400000">
-        <a:off x="1" y="233294"/>
-        <a:ext cx="461631" cy="197842"/>
+      <dsp:txXfrm>
+        <a:off x="23810" y="24127"/>
+        <a:ext cx="1801754" cy="440121"/>
       </dsp:txXfrm>
     </dsp:sp>
-    <dsp:sp modelId="{1635864F-93C2-486C-A6C7-68E3E653D050}">
+    <dsp:sp modelId="{662304D6-E92A-4269-95F9-5466806F1D60}">
       <dsp:nvSpPr>
         <dsp:cNvPr id="0" name=""/>
         <dsp:cNvSpPr/>
       </dsp:nvSpPr>
       <dsp:spPr>
         <a:xfrm rot="5400000">
-          <a:off x="4080486" y="-3616376"/>
-          <a:ext cx="428658" cy="7666368"/>
+          <a:off x="3321525" y="-924371"/>
+          <a:ext cx="343473" cy="3287776"/>
         </a:xfrm>
         <a:prstGeom prst="round2SameRect">
           <a:avLst/>
         </a:prstGeom>
         <a:solidFill>
-          <a:schemeClr val="lt1">
+          <a:schemeClr val="accent1">
             <a:alpha val="90000"/>
+            <a:tint val="40000"/>
             <a:hueOff val="0"/>
             <a:satOff val="0"/>
             <a:lumOff val="0"/>
@@ -3829,6 +3982,8 @@
         <a:ln w="12700" cap="flat" cmpd="sng" algn="ctr">
           <a:solidFill>
             <a:schemeClr val="accent1">
+              <a:alpha val="90000"/>
+              <a:tint val="40000"/>
               <a:hueOff val="0"/>
               <a:satOff val="0"/>
               <a:lumOff val="0"/>
@@ -3853,12 +4008,12 @@
         <a:fontRef idx="minor"/>
       </dsp:style>
       <dsp:txBody>
-        <a:bodyPr spcFirstLastPara="0" vert="horz" wrap="square" lIns="56896" tIns="5080" rIns="5080" bIns="5080" numCol="1" spcCol="1270" anchor="ctr" anchorCtr="0">
+        <a:bodyPr spcFirstLastPara="0" vert="horz" wrap="square" lIns="247650" tIns="123825" rIns="247650" bIns="123825" numCol="1" spcCol="1270" anchor="ctr" anchorCtr="0">
           <a:noAutofit/>
         </a:bodyPr>
         <a:lstStyle/>
         <a:p>
-          <a:pPr marL="57150" lvl="1" indent="-57150" algn="l" defTabSz="355600">
+          <a:pPr marL="114300" lvl="1" indent="-114300" algn="l" defTabSz="533400">
             <a:lnSpc>
               <a:spcPct val="90000"/>
             </a:lnSpc>
@@ -3871,83 +4026,28 @@
             <a:buChar char="•"/>
           </a:pPr>
           <a:r>
-            <a:rPr lang="de-DE" sz="800" kern="1200" dirty="0" err="1"/>
-            <a:t>Developing</a:t>
-          </a:r>
-          <a:r>
-            <a:rPr lang="de-DE" sz="800" kern="1200" dirty="0"/>
-            <a:t> </a:t>
-          </a:r>
-          <a:r>
-            <a:rPr lang="de-DE" sz="800" kern="1200" dirty="0" err="1"/>
-            <a:t>the</a:t>
-          </a:r>
-          <a:r>
-            <a:rPr lang="de-DE" sz="800" kern="1200" dirty="0"/>
-            <a:t> </a:t>
-          </a:r>
-          <a:r>
-            <a:rPr lang="de-DE" sz="800" kern="1200" dirty="0" err="1"/>
-            <a:t>model</a:t>
-          </a:r>
-          <a:endParaRPr lang="en-US" sz="800" kern="1200" dirty="0"/>
-        </a:p>
-        <a:p>
-          <a:pPr marL="57150" lvl="1" indent="-57150" algn="l" defTabSz="355600">
-            <a:lnSpc>
-              <a:spcPct val="90000"/>
-            </a:lnSpc>
-            <a:spcBef>
-              <a:spcPct val="0"/>
-            </a:spcBef>
-            <a:spcAft>
-              <a:spcPct val="15000"/>
-            </a:spcAft>
-            <a:buChar char="•"/>
-          </a:pPr>
-          <a:r>
-            <a:rPr lang="de-DE" sz="800" kern="1200" dirty="0"/>
-            <a:t>Export </a:t>
-          </a:r>
-          <a:r>
-            <a:rPr lang="de-DE" sz="800" kern="1200" dirty="0" err="1"/>
-            <a:t>model</a:t>
-          </a:r>
-          <a:r>
-            <a:rPr lang="de-DE" sz="800" kern="1200" dirty="0"/>
-            <a:t> </a:t>
-          </a:r>
-          <a:r>
-            <a:rPr lang="de-DE" sz="800" kern="1200" dirty="0" err="1"/>
-            <a:t>to</a:t>
-          </a:r>
-          <a:r>
-            <a:rPr lang="de-DE" sz="800" kern="1200" dirty="0"/>
-            <a:t> *.</a:t>
-          </a:r>
-          <a:r>
-            <a:rPr lang="de-DE" sz="800" kern="1200" dirty="0" err="1"/>
-            <a:t>pkml</a:t>
-          </a:r>
-          <a:endParaRPr lang="en-US" sz="800" kern="1200" dirty="0"/>
+            <a:rPr lang="de-DE" sz="1200" kern="1200" dirty="0" err="1"/>
+            <a:t>Scenario_name</a:t>
+          </a:r>
+          <a:endParaRPr lang="en-US" sz="1200" kern="1200" dirty="0"/>
         </a:p>
       </dsp:txBody>
       <dsp:txXfrm rot="-5400000">
-        <a:off x="461632" y="23403"/>
-        <a:ext cx="7645443" cy="386808"/>
+        <a:off x="1849374" y="564547"/>
+        <a:ext cx="3271009" cy="309939"/>
       </dsp:txXfrm>
     </dsp:sp>
-    <dsp:sp modelId="{1CAB4FD6-61CF-45AF-9592-3CFA471D4B48}">
+    <dsp:sp modelId="{B6E6232B-3FB8-4CD3-A2ED-161F1287F525}">
       <dsp:nvSpPr>
         <dsp:cNvPr id="0" name=""/>
         <dsp:cNvSpPr/>
       </dsp:nvSpPr>
       <dsp:spPr>
-        <a:xfrm rot="5400000">
-          <a:off x="-98921" y="695678"/>
-          <a:ext cx="659473" cy="461631"/>
+        <a:xfrm>
+          <a:off x="0" y="504836"/>
+          <a:ext cx="1849374" cy="429359"/>
         </a:xfrm>
-        <a:prstGeom prst="chevron">
+        <a:prstGeom prst="roundRect">
           <a:avLst/>
         </a:prstGeom>
         <a:solidFill>
@@ -3960,7 +4060,7 @@
         </a:solidFill>
         <a:ln w="12700" cap="flat" cmpd="sng" algn="ctr">
           <a:solidFill>
-            <a:schemeClr val="accent1">
+            <a:schemeClr val="lt1">
               <a:hueOff val="0"/>
               <a:satOff val="0"/>
               <a:lumOff val="0"/>
@@ -3987,12 +4087,12 @@
         </a:fontRef>
       </dsp:style>
       <dsp:txBody>
-        <a:bodyPr spcFirstLastPara="0" vert="horz" wrap="square" lIns="3175" tIns="3175" rIns="3175" bIns="3175" numCol="1" spcCol="1270" anchor="ctr" anchorCtr="0">
+        <a:bodyPr spcFirstLastPara="0" vert="horz" wrap="square" lIns="38100" tIns="19050" rIns="38100" bIns="19050" numCol="1" spcCol="1270" anchor="ctr" anchorCtr="0">
           <a:noAutofit/>
         </a:bodyPr>
         <a:lstStyle/>
         <a:p>
-          <a:pPr marL="0" lvl="0" indent="0" algn="ctr" defTabSz="222250">
+          <a:pPr marL="0" lvl="0" indent="0" algn="ctr" defTabSz="444500">
             <a:lnSpc>
               <a:spcPct val="90000"/>
             </a:lnSpc>
@@ -4005,37 +4105,38 @@
             <a:buNone/>
           </a:pPr>
           <a:r>
-            <a:rPr lang="de-DE" sz="500" kern="1200" dirty="0"/>
+            <a:rPr lang="de-DE" sz="1000" kern="1200" dirty="0"/>
             <a:t>Scenario </a:t>
           </a:r>
           <a:r>
-            <a:rPr lang="de-DE" sz="500" kern="1200" dirty="0" err="1"/>
+            <a:rPr lang="de-DE" sz="1000" kern="1200" dirty="0" err="1"/>
             <a:t>name</a:t>
           </a:r>
-          <a:endParaRPr lang="en-US" sz="500" kern="1200" dirty="0"/>
+          <a:endParaRPr lang="en-US" sz="1000" kern="1200" dirty="0"/>
         </a:p>
       </dsp:txBody>
-      <dsp:txXfrm rot="-5400000">
-        <a:off x="1" y="827573"/>
-        <a:ext cx="461631" cy="197842"/>
+      <dsp:txXfrm>
+        <a:off x="20960" y="525796"/>
+        <a:ext cx="1807454" cy="387439"/>
       </dsp:txXfrm>
     </dsp:sp>
-    <dsp:sp modelId="{08AEB7E0-F16E-4553-8553-0D43CE514937}">
+    <dsp:sp modelId="{3BA47A2C-248C-46A0-945C-60191069450D}">
       <dsp:nvSpPr>
         <dsp:cNvPr id="0" name=""/>
         <dsp:cNvSpPr/>
       </dsp:nvSpPr>
       <dsp:spPr>
         <a:xfrm rot="5400000">
-          <a:off x="4080486" y="-3022097"/>
-          <a:ext cx="428658" cy="7666368"/>
+          <a:off x="3321525" y="-406150"/>
+          <a:ext cx="343473" cy="3287776"/>
         </a:xfrm>
         <a:prstGeom prst="round2SameRect">
           <a:avLst/>
         </a:prstGeom>
         <a:solidFill>
-          <a:schemeClr val="lt1">
+          <a:schemeClr val="accent1">
             <a:alpha val="90000"/>
+            <a:tint val="40000"/>
             <a:hueOff val="0"/>
             <a:satOff val="0"/>
             <a:lumOff val="0"/>
@@ -4045,6 +4146,8 @@
         <a:ln w="12700" cap="flat" cmpd="sng" algn="ctr">
           <a:solidFill>
             <a:schemeClr val="accent1">
+              <a:alpha val="90000"/>
+              <a:tint val="40000"/>
               <a:hueOff val="0"/>
               <a:satOff val="0"/>
               <a:lumOff val="0"/>
@@ -4069,12 +4172,12 @@
         <a:fontRef idx="minor"/>
       </dsp:style>
       <dsp:txBody>
-        <a:bodyPr spcFirstLastPara="0" vert="horz" wrap="square" lIns="56896" tIns="5080" rIns="5080" bIns="5080" numCol="1" spcCol="1270" anchor="ctr" anchorCtr="0">
+        <a:bodyPr spcFirstLastPara="0" vert="horz" wrap="square" lIns="247650" tIns="123825" rIns="247650" bIns="123825" numCol="1" spcCol="1270" anchor="ctr" anchorCtr="0">
           <a:noAutofit/>
         </a:bodyPr>
         <a:lstStyle/>
         <a:p>
-          <a:pPr marL="57150" lvl="1" indent="-57150" algn="l" defTabSz="355600">
+          <a:pPr marL="114300" lvl="1" indent="-114300" algn="l" defTabSz="533400">
             <a:lnSpc>
               <a:spcPct val="90000"/>
             </a:lnSpc>
@@ -4087,28 +4190,28 @@
             <a:buChar char="•"/>
           </a:pPr>
           <a:r>
-            <a:rPr lang="de-DE" sz="800" kern="1200" dirty="0" err="1"/>
-            <a:t>Scenario_name</a:t>
-          </a:r>
-          <a:endParaRPr lang="en-US" sz="800" kern="1200" dirty="0"/>
+            <a:rPr lang="de-DE" sz="1200" kern="1200" dirty="0" err="1"/>
+            <a:t>ModelFile</a:t>
+          </a:r>
+          <a:endParaRPr lang="en-US" sz="1200" kern="1200" dirty="0"/>
         </a:p>
       </dsp:txBody>
       <dsp:txXfrm rot="-5400000">
-        <a:off x="461632" y="617682"/>
-        <a:ext cx="7645443" cy="386808"/>
+        <a:off x="1849374" y="1082768"/>
+        <a:ext cx="3271009" cy="309939"/>
       </dsp:txXfrm>
     </dsp:sp>
-    <dsp:sp modelId="{E8735056-DECD-427D-A6BA-989C9588D2FD}">
+    <dsp:sp modelId="{A0B38118-F70A-46BB-AC75-1EA0841EB803}">
       <dsp:nvSpPr>
         <dsp:cNvPr id="0" name=""/>
         <dsp:cNvSpPr/>
       </dsp:nvSpPr>
       <dsp:spPr>
-        <a:xfrm rot="5400000">
-          <a:off x="-98921" y="1289958"/>
-          <a:ext cx="659473" cy="461631"/>
+        <a:xfrm>
+          <a:off x="0" y="1023057"/>
+          <a:ext cx="1849374" cy="429359"/>
         </a:xfrm>
-        <a:prstGeom prst="chevron">
+        <a:prstGeom prst="roundRect">
           <a:avLst/>
         </a:prstGeom>
         <a:solidFill>
@@ -4121,7 +4224,7 @@
         </a:solidFill>
         <a:ln w="12700" cap="flat" cmpd="sng" algn="ctr">
           <a:solidFill>
-            <a:schemeClr val="accent1">
+            <a:schemeClr val="lt1">
               <a:hueOff val="0"/>
               <a:satOff val="0"/>
               <a:lumOff val="0"/>
@@ -4148,12 +4251,12 @@
         </a:fontRef>
       </dsp:style>
       <dsp:txBody>
-        <a:bodyPr spcFirstLastPara="0" vert="horz" wrap="square" lIns="3175" tIns="3175" rIns="3175" bIns="3175" numCol="1" spcCol="1270" anchor="ctr" anchorCtr="0">
+        <a:bodyPr spcFirstLastPara="0" vert="horz" wrap="square" lIns="38100" tIns="19050" rIns="38100" bIns="19050" numCol="1" spcCol="1270" anchor="ctr" anchorCtr="0">
           <a:noAutofit/>
         </a:bodyPr>
         <a:lstStyle/>
         <a:p>
-          <a:pPr marL="0" lvl="0" indent="0" algn="ctr" defTabSz="222250">
+          <a:pPr marL="0" lvl="0" indent="0" algn="ctr" defTabSz="444500">
             <a:lnSpc>
               <a:spcPct val="90000"/>
             </a:lnSpc>
@@ -4166,37 +4269,38 @@
             <a:buNone/>
           </a:pPr>
           <a:r>
-            <a:rPr lang="de-DE" sz="500" kern="1200" dirty="0"/>
+            <a:rPr lang="de-DE" sz="1000" kern="1200" dirty="0"/>
             <a:t>Model </a:t>
           </a:r>
           <a:r>
-            <a:rPr lang="de-DE" sz="500" kern="1200" dirty="0" err="1"/>
+            <a:rPr lang="de-DE" sz="1000" kern="1200" dirty="0" err="1"/>
             <a:t>file</a:t>
           </a:r>
-          <a:endParaRPr lang="en-US" sz="500" kern="1200" dirty="0"/>
+          <a:endParaRPr lang="en-US" sz="1000" kern="1200" dirty="0"/>
         </a:p>
       </dsp:txBody>
-      <dsp:txXfrm rot="-5400000">
-        <a:off x="1" y="1421853"/>
-        <a:ext cx="461631" cy="197842"/>
+      <dsp:txXfrm>
+        <a:off x="20960" y="1044017"/>
+        <a:ext cx="1807454" cy="387439"/>
       </dsp:txXfrm>
     </dsp:sp>
-    <dsp:sp modelId="{50E96BE7-7334-451F-9006-0BC5B0234B37}">
+    <dsp:sp modelId="{1650733D-DF9A-4FDD-BA3F-471076E8845B}">
       <dsp:nvSpPr>
         <dsp:cNvPr id="0" name=""/>
         <dsp:cNvSpPr/>
       </dsp:nvSpPr>
       <dsp:spPr>
         <a:xfrm rot="5400000">
-          <a:off x="4080486" y="-2427817"/>
-          <a:ext cx="428658" cy="7666368"/>
+          <a:off x="3321525" y="112070"/>
+          <a:ext cx="343473" cy="3287776"/>
         </a:xfrm>
         <a:prstGeom prst="round2SameRect">
           <a:avLst/>
         </a:prstGeom>
         <a:solidFill>
-          <a:schemeClr val="lt1">
+          <a:schemeClr val="accent1">
             <a:alpha val="90000"/>
+            <a:tint val="40000"/>
             <a:hueOff val="0"/>
             <a:satOff val="0"/>
             <a:lumOff val="0"/>
@@ -4206,6 +4310,8 @@
         <a:ln w="12700" cap="flat" cmpd="sng" algn="ctr">
           <a:solidFill>
             <a:schemeClr val="accent1">
+              <a:alpha val="90000"/>
+              <a:tint val="40000"/>
               <a:hueOff val="0"/>
               <a:satOff val="0"/>
               <a:lumOff val="0"/>
@@ -4230,12 +4336,12 @@
         <a:fontRef idx="minor"/>
       </dsp:style>
       <dsp:txBody>
-        <a:bodyPr spcFirstLastPara="0" vert="horz" wrap="square" lIns="56896" tIns="5080" rIns="5080" bIns="5080" numCol="1" spcCol="1270" anchor="ctr" anchorCtr="0">
+        <a:bodyPr spcFirstLastPara="0" vert="horz" wrap="square" lIns="247650" tIns="123825" rIns="247650" bIns="123825" numCol="1" spcCol="1270" anchor="ctr" anchorCtr="0">
           <a:noAutofit/>
         </a:bodyPr>
         <a:lstStyle/>
         <a:p>
-          <a:pPr marL="57150" lvl="1" indent="-57150" algn="l" defTabSz="355600">
+          <a:pPr marL="114300" lvl="1" indent="-114300" algn="l" defTabSz="533400">
             <a:lnSpc>
               <a:spcPct val="90000"/>
             </a:lnSpc>
@@ -4248,28 +4354,28 @@
             <a:buChar char="•"/>
           </a:pPr>
           <a:r>
-            <a:rPr lang="de-DE" sz="800" kern="1200" dirty="0" err="1"/>
-            <a:t>ModelFile</a:t>
-          </a:r>
-          <a:endParaRPr lang="en-US" sz="800" kern="1200" dirty="0"/>
+            <a:rPr lang="de-DE" sz="1200" kern="1200" dirty="0" err="1"/>
+            <a:t>ModelParameterSheets</a:t>
+          </a:r>
+          <a:endParaRPr lang="en-US" sz="1200" kern="1200" dirty="0"/>
         </a:p>
       </dsp:txBody>
       <dsp:txXfrm rot="-5400000">
-        <a:off x="461632" y="1211962"/>
-        <a:ext cx="7645443" cy="386808"/>
+        <a:off x="1849374" y="1600989"/>
+        <a:ext cx="3271009" cy="309939"/>
       </dsp:txXfrm>
     </dsp:sp>
-    <dsp:sp modelId="{EBD82BFA-1043-417D-83D8-A3130A82B8A1}">
+    <dsp:sp modelId="{8F42125C-8DA9-49A9-BC6F-C23FF3E6FA8C}">
       <dsp:nvSpPr>
         <dsp:cNvPr id="0" name=""/>
         <dsp:cNvSpPr/>
       </dsp:nvSpPr>
       <dsp:spPr>
-        <a:xfrm rot="5400000">
-          <a:off x="-98921" y="1884238"/>
-          <a:ext cx="659473" cy="461631"/>
+        <a:xfrm>
+          <a:off x="0" y="1541278"/>
+          <a:ext cx="1849374" cy="429359"/>
         </a:xfrm>
-        <a:prstGeom prst="chevron">
+        <a:prstGeom prst="roundRect">
           <a:avLst/>
         </a:prstGeom>
         <a:solidFill>
@@ -4282,7 +4388,7 @@
         </a:solidFill>
         <a:ln w="12700" cap="flat" cmpd="sng" algn="ctr">
           <a:solidFill>
-            <a:schemeClr val="accent1">
+            <a:schemeClr val="lt1">
               <a:hueOff val="0"/>
               <a:satOff val="0"/>
               <a:lumOff val="0"/>
@@ -4309,12 +4415,12 @@
         </a:fontRef>
       </dsp:style>
       <dsp:txBody>
-        <a:bodyPr spcFirstLastPara="0" vert="horz" wrap="square" lIns="3175" tIns="3175" rIns="3175" bIns="3175" numCol="1" spcCol="1270" anchor="ctr" anchorCtr="0">
+        <a:bodyPr spcFirstLastPara="0" vert="horz" wrap="square" lIns="38100" tIns="19050" rIns="38100" bIns="19050" numCol="1" spcCol="1270" anchor="ctr" anchorCtr="0">
           <a:noAutofit/>
         </a:bodyPr>
         <a:lstStyle/>
         <a:p>
-          <a:pPr marL="0" lvl="0" indent="0" algn="ctr" defTabSz="222250">
+          <a:pPr marL="0" lvl="0" indent="0" algn="ctr" defTabSz="444500">
             <a:lnSpc>
               <a:spcPct val="90000"/>
             </a:lnSpc>
@@ -4327,37 +4433,38 @@
             <a:buNone/>
           </a:pPr>
           <a:r>
-            <a:rPr lang="de-DE" sz="500" kern="1200" dirty="0"/>
+            <a:rPr lang="de-DE" sz="1000" kern="1200" dirty="0"/>
             <a:t>Global </a:t>
           </a:r>
           <a:r>
-            <a:rPr lang="de-DE" sz="500" kern="1200" dirty="0" err="1"/>
+            <a:rPr lang="de-DE" sz="1000" kern="1200" dirty="0" err="1"/>
             <a:t>parametrization</a:t>
           </a:r>
-          <a:endParaRPr lang="en-US" sz="500" kern="1200" dirty="0"/>
+          <a:endParaRPr lang="en-US" sz="1000" kern="1200" dirty="0"/>
         </a:p>
       </dsp:txBody>
-      <dsp:txXfrm rot="-5400000">
-        <a:off x="1" y="2016133"/>
-        <a:ext cx="461631" cy="197842"/>
+      <dsp:txXfrm>
+        <a:off x="20960" y="1562238"/>
+        <a:ext cx="1807454" cy="387439"/>
       </dsp:txXfrm>
     </dsp:sp>
-    <dsp:sp modelId="{B353D7E8-B5DF-484F-BB0B-2FDC1D4C4601}">
+    <dsp:sp modelId="{47741516-F4A1-4DB2-B3D5-E2FA5F25F0D5}">
       <dsp:nvSpPr>
         <dsp:cNvPr id="0" name=""/>
         <dsp:cNvSpPr/>
       </dsp:nvSpPr>
       <dsp:spPr>
         <a:xfrm rot="5400000">
-          <a:off x="4080486" y="-1833538"/>
-          <a:ext cx="428658" cy="7666368"/>
+          <a:off x="3228796" y="602305"/>
+          <a:ext cx="528930" cy="3287776"/>
         </a:xfrm>
         <a:prstGeom prst="round2SameRect">
           <a:avLst/>
         </a:prstGeom>
         <a:solidFill>
-          <a:schemeClr val="lt1">
+          <a:schemeClr val="accent1">
             <a:alpha val="90000"/>
+            <a:tint val="40000"/>
             <a:hueOff val="0"/>
             <a:satOff val="0"/>
             <a:lumOff val="0"/>
@@ -4367,6 +4474,8 @@
         <a:ln w="12700" cap="flat" cmpd="sng" algn="ctr">
           <a:solidFill>
             <a:schemeClr val="accent1">
+              <a:alpha val="90000"/>
+              <a:tint val="40000"/>
               <a:hueOff val="0"/>
               <a:satOff val="0"/>
               <a:lumOff val="0"/>
@@ -4391,12 +4500,12 @@
         <a:fontRef idx="minor"/>
       </dsp:style>
       <dsp:txBody>
-        <a:bodyPr spcFirstLastPara="0" vert="horz" wrap="square" lIns="56896" tIns="5080" rIns="5080" bIns="5080" numCol="1" spcCol="1270" anchor="ctr" anchorCtr="0">
+        <a:bodyPr spcFirstLastPara="0" vert="horz" wrap="square" lIns="247650" tIns="123825" rIns="247650" bIns="123825" numCol="1" spcCol="1270" anchor="ctr" anchorCtr="0">
           <a:noAutofit/>
         </a:bodyPr>
         <a:lstStyle/>
         <a:p>
-          <a:pPr marL="57150" lvl="1" indent="-57150" algn="l" defTabSz="355600">
+          <a:pPr marL="57150" lvl="1" indent="-57150" algn="l" defTabSz="488950">
             <a:lnSpc>
               <a:spcPct val="90000"/>
             </a:lnSpc>
@@ -4409,28 +4518,110 @@
             <a:buChar char="•"/>
           </a:pPr>
           <a:r>
-            <a:rPr lang="de-DE" sz="800" kern="1200" dirty="0" err="1"/>
-            <a:t>ModelParameterSheets</a:t>
-          </a:r>
-          <a:endParaRPr lang="en-US" sz="800" kern="1200" dirty="0"/>
+            <a:rPr lang="de-DE" sz="1100" kern="1200" dirty="0" err="1"/>
+            <a:t>Column</a:t>
+          </a:r>
+          <a:r>
+            <a:rPr lang="de-DE" sz="1100" kern="1200" dirty="0"/>
+            <a:t> „</a:t>
+          </a:r>
+          <a:r>
+            <a:rPr lang="de-DE" sz="1100" kern="1200" dirty="0" err="1"/>
+            <a:t>IndividualId</a:t>
+          </a:r>
+          <a:r>
+            <a:rPr lang="de-DE" sz="1100" kern="1200" dirty="0"/>
+            <a:t>“</a:t>
+          </a:r>
+          <a:endParaRPr lang="en-US" sz="1100" kern="1200" dirty="0"/>
+        </a:p>
+        <a:p>
+          <a:pPr marL="57150" lvl="1" indent="-57150" algn="l" defTabSz="488950">
+            <a:lnSpc>
+              <a:spcPct val="90000"/>
+            </a:lnSpc>
+            <a:spcBef>
+              <a:spcPct val="0"/>
+            </a:spcBef>
+            <a:spcAft>
+              <a:spcPct val="15000"/>
+            </a:spcAft>
+            <a:buChar char="•"/>
+          </a:pPr>
+          <a:r>
+            <a:rPr lang="de-DE" sz="1100" kern="1200" dirty="0"/>
+            <a:t>Individual </a:t>
+          </a:r>
+          <a:r>
+            <a:rPr lang="de-DE" sz="1100" kern="1200" dirty="0" err="1"/>
+            <a:t>biometrics</a:t>
+          </a:r>
+          <a:r>
+            <a:rPr lang="de-DE" sz="1100" kern="1200" dirty="0"/>
+            <a:t> (</a:t>
+          </a:r>
+          <a:r>
+            <a:rPr lang="de-DE" sz="1100" kern="1200" dirty="0" err="1"/>
+            <a:t>file</a:t>
+          </a:r>
+          <a:r>
+            <a:rPr lang="de-DE" sz="1100" kern="1200" dirty="0"/>
+            <a:t> „Individuals.xlsx“)</a:t>
+          </a:r>
+          <a:endParaRPr lang="en-US" sz="1100" kern="1200" dirty="0"/>
+        </a:p>
+        <a:p>
+          <a:pPr marL="57150" lvl="1" indent="-57150" algn="l" defTabSz="488950">
+            <a:lnSpc>
+              <a:spcPct val="90000"/>
+            </a:lnSpc>
+            <a:spcBef>
+              <a:spcPct val="0"/>
+            </a:spcBef>
+            <a:spcAft>
+              <a:spcPct val="15000"/>
+            </a:spcAft>
+            <a:buChar char="•"/>
+          </a:pPr>
+          <a:r>
+            <a:rPr lang="de-DE" sz="1100" kern="1200" dirty="0"/>
+            <a:t>Individual </a:t>
+          </a:r>
+          <a:r>
+            <a:rPr lang="de-DE" sz="1100" kern="1200" dirty="0" err="1"/>
+            <a:t>parameters</a:t>
+          </a:r>
+          <a:r>
+            <a:rPr lang="de-DE" sz="1100" kern="1200" dirty="0"/>
+            <a:t> (</a:t>
+          </a:r>
+          <a:r>
+            <a:rPr lang="de-DE" sz="1100" kern="1200" dirty="0" err="1"/>
+            <a:t>file</a:t>
+          </a:r>
+          <a:r>
+            <a:rPr lang="de-DE" sz="1100" kern="1200" dirty="0"/>
+            <a:t> „Individuals.xlsx“</a:t>
+          </a:r>
+          <a:endParaRPr lang="en-US" sz="1100" kern="1200" dirty="0"/>
         </a:p>
       </dsp:txBody>
       <dsp:txXfrm rot="-5400000">
-        <a:off x="461632" y="1806241"/>
-        <a:ext cx="7645443" cy="386808"/>
+        <a:off x="1849373" y="2007548"/>
+        <a:ext cx="3261956" cy="477290"/>
       </dsp:txXfrm>
     </dsp:sp>
-    <dsp:sp modelId="{0F32EF81-87A1-49D2-B8E4-7301E313B84E}">
+    <dsp:sp modelId="{68215BA8-E75E-4DCB-9140-63BD96C6BAC2}">
       <dsp:nvSpPr>
         <dsp:cNvPr id="0" name=""/>
         <dsp:cNvSpPr/>
       </dsp:nvSpPr>
       <dsp:spPr>
-        <a:xfrm rot="5400000">
-          <a:off x="-98921" y="2478517"/>
-          <a:ext cx="659473" cy="461631"/>
+        <a:xfrm>
+          <a:off x="0" y="2067031"/>
+          <a:ext cx="1849374" cy="358395"/>
         </a:xfrm>
-        <a:prstGeom prst="chevron">
+        <a:prstGeom prst="roundRect">
           <a:avLst/>
         </a:prstGeom>
         <a:solidFill>
@@ -4443,7 +4634,7 @@
         </a:solidFill>
         <a:ln w="12700" cap="flat" cmpd="sng" algn="ctr">
           <a:solidFill>
-            <a:schemeClr val="accent1">
+            <a:schemeClr val="lt1">
               <a:hueOff val="0"/>
               <a:satOff val="0"/>
               <a:lumOff val="0"/>
@@ -4470,12 +4661,12 @@
         </a:fontRef>
       </dsp:style>
       <dsp:txBody>
-        <a:bodyPr spcFirstLastPara="0" vert="horz" wrap="square" lIns="3175" tIns="3175" rIns="3175" bIns="3175" numCol="1" spcCol="1270" anchor="ctr" anchorCtr="0">
+        <a:bodyPr spcFirstLastPara="0" vert="horz" wrap="square" lIns="38100" tIns="19050" rIns="38100" bIns="19050" numCol="1" spcCol="1270" anchor="ctr" anchorCtr="0">
           <a:noAutofit/>
         </a:bodyPr>
         <a:lstStyle/>
         <a:p>
-          <a:pPr marL="0" lvl="0" indent="0" algn="ctr" defTabSz="222250">
+          <a:pPr marL="0" lvl="0" indent="0" algn="ctr" defTabSz="444500">
             <a:lnSpc>
               <a:spcPct val="90000"/>
             </a:lnSpc>
@@ -4488,33 +4679,34 @@
             <a:buNone/>
           </a:pPr>
           <a:r>
-            <a:rPr lang="de-DE" sz="500" kern="1200" dirty="0"/>
+            <a:rPr lang="de-DE" sz="1000" kern="1200" dirty="0"/>
             <a:t>Individual</a:t>
           </a:r>
-          <a:endParaRPr lang="en-US" sz="500" kern="1200" dirty="0"/>
+          <a:endParaRPr lang="en-US" sz="1000" kern="1200" dirty="0"/>
         </a:p>
       </dsp:txBody>
-      <dsp:txXfrm rot="-5400000">
-        <a:off x="1" y="2610412"/>
-        <a:ext cx="461631" cy="197842"/>
+      <dsp:txXfrm>
+        <a:off x="17495" y="2084526"/>
+        <a:ext cx="1814384" cy="323405"/>
       </dsp:txXfrm>
     </dsp:sp>
-    <dsp:sp modelId="{FCAB4BE9-CBE2-4142-A3CC-97ADDF8D53FA}">
+    <dsp:sp modelId="{32ABBF51-4952-4631-9913-71D8ADF43AAB}">
       <dsp:nvSpPr>
         <dsp:cNvPr id="0" name=""/>
         <dsp:cNvSpPr/>
       </dsp:nvSpPr>
       <dsp:spPr>
         <a:xfrm rot="5400000">
-          <a:off x="4080486" y="-1239258"/>
-          <a:ext cx="428658" cy="7666368"/>
+          <a:off x="2895474" y="1703275"/>
+          <a:ext cx="1195574" cy="3287776"/>
         </a:xfrm>
         <a:prstGeom prst="round2SameRect">
           <a:avLst/>
         </a:prstGeom>
         <a:solidFill>
-          <a:schemeClr val="lt1">
+          <a:schemeClr val="accent1">
             <a:alpha val="90000"/>
+            <a:tint val="40000"/>
             <a:hueOff val="0"/>
             <a:satOff val="0"/>
             <a:lumOff val="0"/>
@@ -4524,6 +4716,8 @@
         <a:ln w="12700" cap="flat" cmpd="sng" algn="ctr">
           <a:solidFill>
             <a:schemeClr val="accent1">
+              <a:alpha val="90000"/>
+              <a:tint val="40000"/>
               <a:hueOff val="0"/>
               <a:satOff val="0"/>
               <a:lumOff val="0"/>
@@ -4548,12 +4742,12 @@
         <a:fontRef idx="minor"/>
       </dsp:style>
       <dsp:txBody>
-        <a:bodyPr spcFirstLastPara="0" vert="horz" wrap="square" lIns="56896" tIns="5080" rIns="5080" bIns="5080" numCol="1" spcCol="1270" anchor="ctr" anchorCtr="0">
+        <a:bodyPr spcFirstLastPara="0" vert="horz" wrap="square" lIns="247650" tIns="123825" rIns="247650" bIns="123825" numCol="1" spcCol="1270" anchor="ctr" anchorCtr="0">
           <a:noAutofit/>
         </a:bodyPr>
         <a:lstStyle/>
         <a:p>
-          <a:pPr marL="57150" lvl="1" indent="-57150" algn="l" defTabSz="355600">
+          <a:pPr marL="57150" lvl="1" indent="-57150" algn="l" defTabSz="488950">
             <a:lnSpc>
               <a:spcPct val="90000"/>
             </a:lnSpc>
@@ -4566,25 +4760,25 @@
             <a:buChar char="•"/>
           </a:pPr>
           <a:r>
-            <a:rPr lang="de-DE" sz="800" kern="1200" dirty="0" err="1"/>
+            <a:rPr lang="de-DE" sz="1100" kern="1200" dirty="0" err="1"/>
             <a:t>Column</a:t>
           </a:r>
           <a:r>
-            <a:rPr lang="de-DE" sz="800" kern="1200" dirty="0"/>
+            <a:rPr lang="de-DE" sz="1100" kern="1200" dirty="0"/>
             <a:t> „</a:t>
           </a:r>
           <a:r>
-            <a:rPr lang="de-DE" sz="800" kern="1200" dirty="0" err="1"/>
-            <a:t>IndividualId</a:t>
-          </a:r>
-          <a:r>
-            <a:rPr lang="de-DE" sz="800" kern="1200" dirty="0"/>
+            <a:rPr lang="de-DE" sz="1100" kern="1200" dirty="0" err="1"/>
+            <a:t>PopulationId</a:t>
+          </a:r>
+          <a:r>
+            <a:rPr lang="de-DE" sz="1100" kern="1200" dirty="0"/>
             <a:t>“</a:t>
           </a:r>
-          <a:endParaRPr lang="en-US" sz="800" kern="1200" dirty="0"/>
+          <a:endParaRPr lang="en-US" sz="1100" kern="1200" dirty="0"/>
         </a:p>
         <a:p>
-          <a:pPr marL="57150" lvl="1" indent="-57150" algn="l" defTabSz="355600">
+          <a:pPr marL="57150" lvl="1" indent="-57150" algn="l" defTabSz="488950">
             <a:lnSpc>
               <a:spcPct val="90000"/>
             </a:lnSpc>
@@ -4597,29 +4791,81 @@
             <a:buChar char="•"/>
           </a:pPr>
           <a:r>
-            <a:rPr lang="de-DE" sz="800" kern="1200" dirty="0"/>
-            <a:t>Individual </a:t>
-          </a:r>
-          <a:r>
-            <a:rPr lang="de-DE" sz="800" kern="1200" dirty="0" err="1"/>
-            <a:t>biometrics</a:t>
-          </a:r>
-          <a:r>
-            <a:rPr lang="de-DE" sz="800" kern="1200" dirty="0"/>
-            <a:t> (</a:t>
-          </a:r>
-          <a:r>
-            <a:rPr lang="de-DE" sz="800" kern="1200" dirty="0" err="1"/>
+            <a:rPr lang="de-DE" sz="1100" kern="1200" dirty="0" err="1"/>
+            <a:t>If</a:t>
+          </a:r>
+          <a:r>
+            <a:rPr lang="de-DE" sz="1100" kern="1200" dirty="0"/>
+            <a:t> „</a:t>
+          </a:r>
+          <a:r>
+            <a:rPr lang="de-DE" sz="1100" kern="1200" dirty="0" err="1"/>
+            <a:t>ReadPopulationFromCSV</a:t>
+          </a:r>
+          <a:r>
+            <a:rPr lang="de-DE" sz="1100" kern="1200" dirty="0"/>
+            <a:t>“ </a:t>
+          </a:r>
+          <a:r>
+            <a:rPr lang="de-DE" sz="1100" kern="1200" dirty="0" err="1"/>
+            <a:t>is</a:t>
+          </a:r>
+          <a:r>
+            <a:rPr lang="de-DE" sz="1100" kern="1200" dirty="0"/>
+            <a:t> FALSE – </a:t>
+          </a:r>
+          <a:r>
+            <a:rPr lang="de-DE" sz="1100" kern="1200" dirty="0" err="1"/>
+            <a:t>define</a:t>
+          </a:r>
+          <a:r>
+            <a:rPr lang="de-DE" sz="1100" kern="1200" dirty="0"/>
+            <a:t> a </a:t>
+          </a:r>
+          <a:r>
+            <a:rPr lang="de-DE" sz="1100" kern="1200" dirty="0" err="1"/>
+            <a:t>population</a:t>
+          </a:r>
+          <a:r>
+            <a:rPr lang="de-DE" sz="1100" kern="1200" dirty="0"/>
+            <a:t> in </a:t>
+          </a:r>
+          <a:r>
+            <a:rPr lang="de-DE" sz="1100" kern="1200" dirty="0" err="1"/>
+            <a:t>the</a:t>
+          </a:r>
+          <a:r>
+            <a:rPr lang="de-DE" sz="1100" kern="1200" dirty="0"/>
+            <a:t> </a:t>
+          </a:r>
+          <a:r>
+            <a:rPr lang="de-DE" sz="1100" kern="1200" dirty="0" err="1"/>
+            <a:t>excel</a:t>
+          </a:r>
+          <a:r>
+            <a:rPr lang="de-DE" sz="1100" kern="1200" dirty="0"/>
+            <a:t> </a:t>
+          </a:r>
+          <a:r>
+            <a:rPr lang="de-DE" sz="1100" kern="1200" dirty="0" err="1"/>
             <a:t>file</a:t>
           </a:r>
           <a:r>
-            <a:rPr lang="de-DE" sz="800" kern="1200" dirty="0"/>
-            <a:t> „Individuals.xlsx“)</a:t>
-          </a:r>
-          <a:endParaRPr lang="en-US" sz="800" kern="1200" dirty="0"/>
+            <a:rPr lang="de-DE" sz="1100" kern="1200" dirty="0"/>
+            <a:t> „</a:t>
+          </a:r>
+          <a:r>
+            <a:rPr lang="de-DE" sz="1100" kern="1200" dirty="0" err="1"/>
+            <a:t>PopulationParameters</a:t>
+          </a:r>
+          <a:r>
+            <a:rPr lang="de-DE" sz="1100" kern="1200" dirty="0"/>
+            <a:t>“.</a:t>
+          </a:r>
+          <a:endParaRPr lang="en-US" sz="1100" kern="1200" dirty="0"/>
         </a:p>
         <a:p>
-          <a:pPr marL="57150" lvl="1" indent="-57150" algn="l" defTabSz="355600">
+          <a:pPr marL="57150" lvl="1" indent="-57150" algn="l" defTabSz="488950">
             <a:lnSpc>
               <a:spcPct val="90000"/>
             </a:lnSpc>
@@ -4632,44 +4878,88 @@
             <a:buChar char="•"/>
           </a:pPr>
           <a:r>
-            <a:rPr lang="de-DE" sz="800" kern="1200" dirty="0"/>
-            <a:t>Individual </a:t>
-          </a:r>
-          <a:r>
-            <a:rPr lang="de-DE" sz="800" kern="1200" dirty="0" err="1"/>
-            <a:t>parameters</a:t>
-          </a:r>
-          <a:r>
-            <a:rPr lang="de-DE" sz="800" kern="1200" dirty="0"/>
-            <a:t> (</a:t>
-          </a:r>
-          <a:r>
-            <a:rPr lang="de-DE" sz="800" kern="1200" dirty="0" err="1"/>
+            <a:rPr lang="de-DE" sz="1100" kern="1200" dirty="0" err="1"/>
+            <a:t>if</a:t>
+          </a:r>
+          <a:r>
+            <a:rPr lang="de-DE" sz="1100" kern="1200" dirty="0"/>
+            <a:t> „</a:t>
+          </a:r>
+          <a:r>
+            <a:rPr lang="de-DE" sz="1100" kern="1200" dirty="0" err="1"/>
+            <a:t>ReadPopulationFromCSV</a:t>
+          </a:r>
+          <a:r>
+            <a:rPr lang="de-DE" sz="1100" kern="1200" dirty="0"/>
+            <a:t>“ </a:t>
+          </a:r>
+          <a:r>
+            <a:rPr lang="de-DE" sz="1100" kern="1200" dirty="0" err="1"/>
+            <a:t>is</a:t>
+          </a:r>
+          <a:r>
+            <a:rPr lang="de-DE" sz="1100" kern="1200" dirty="0"/>
+            <a:t> TRUE, </a:t>
+          </a:r>
+          <a:r>
+            <a:rPr lang="de-DE" sz="1100" kern="1200" dirty="0" err="1"/>
+            <a:t>place</a:t>
+          </a:r>
+          <a:r>
+            <a:rPr lang="de-DE" sz="1100" kern="1200" dirty="0"/>
+            <a:t> a </a:t>
+          </a:r>
+          <a:r>
+            <a:rPr lang="de-DE" sz="1100" kern="1200" dirty="0" err="1"/>
+            <a:t>population</a:t>
+          </a:r>
+          <a:r>
+            <a:rPr lang="de-DE" sz="1100" kern="1200" dirty="0"/>
+            <a:t> </a:t>
+          </a:r>
+          <a:r>
+            <a:rPr lang="de-DE" sz="1100" kern="1200" dirty="0" err="1"/>
+            <a:t>csv</a:t>
+          </a:r>
+          <a:r>
+            <a:rPr lang="de-DE" sz="1100" kern="1200" dirty="0"/>
+            <a:t> </a:t>
+          </a:r>
+          <a:r>
+            <a:rPr lang="de-DE" sz="1100" kern="1200" dirty="0" err="1"/>
             <a:t>file</a:t>
           </a:r>
           <a:r>
-            <a:rPr lang="de-DE" sz="800" kern="1200" dirty="0"/>
-            <a:t> „Individuals.xlsx“</a:t>
-          </a:r>
-          <a:endParaRPr lang="en-US" sz="800" kern="1200" dirty="0"/>
+            <a:rPr lang="de-DE" sz="1100" kern="1200" dirty="0"/>
+            <a:t> in „Parameters/</a:t>
+          </a:r>
+          <a:r>
+            <a:rPr lang="de-DE" sz="1100" kern="1200" dirty="0" err="1"/>
+            <a:t>Populations</a:t>
+          </a:r>
+          <a:r>
+            <a:rPr lang="de-DE" sz="1100" kern="1200" dirty="0"/>
+            <a:t>“</a:t>
+          </a:r>
+          <a:endParaRPr lang="en-US" sz="1100" kern="1200" dirty="0"/>
         </a:p>
       </dsp:txBody>
       <dsp:txXfrm rot="-5400000">
-        <a:off x="461632" y="2400521"/>
-        <a:ext cx="7645443" cy="386808"/>
+        <a:off x="1849374" y="2807739"/>
+        <a:ext cx="3229413" cy="1078848"/>
       </dsp:txXfrm>
     </dsp:sp>
-    <dsp:sp modelId="{6DC1A22C-5366-49BF-A882-1D1BF6FC069E}">
+    <dsp:sp modelId="{929F240F-BE34-4EE1-89E3-3D943FF20E5D}">
       <dsp:nvSpPr>
         <dsp:cNvPr id="0" name=""/>
         <dsp:cNvSpPr/>
       </dsp:nvSpPr>
       <dsp:spPr>
-        <a:xfrm rot="5400000">
-          <a:off x="-98921" y="3072797"/>
-          <a:ext cx="659473" cy="461631"/>
+        <a:xfrm>
+          <a:off x="0" y="3108633"/>
+          <a:ext cx="1849374" cy="477060"/>
         </a:xfrm>
-        <a:prstGeom prst="chevron">
+        <a:prstGeom prst="roundRect">
           <a:avLst/>
         </a:prstGeom>
         <a:solidFill>
@@ -4682,7 +4972,7 @@
         </a:solidFill>
         <a:ln w="12700" cap="flat" cmpd="sng" algn="ctr">
           <a:solidFill>
-            <a:schemeClr val="accent1">
+            <a:schemeClr val="lt1">
               <a:hueOff val="0"/>
               <a:satOff val="0"/>
               <a:lumOff val="0"/>
@@ -4709,12 +4999,12 @@
         </a:fontRef>
       </dsp:style>
       <dsp:txBody>
-        <a:bodyPr spcFirstLastPara="0" vert="horz" wrap="square" lIns="3175" tIns="3175" rIns="3175" bIns="3175" numCol="1" spcCol="1270" anchor="ctr" anchorCtr="0">
+        <a:bodyPr spcFirstLastPara="0" vert="horz" wrap="square" lIns="38100" tIns="19050" rIns="38100" bIns="19050" numCol="1" spcCol="1270" anchor="ctr" anchorCtr="0">
           <a:noAutofit/>
         </a:bodyPr>
         <a:lstStyle/>
         <a:p>
-          <a:pPr marL="0" lvl="0" indent="0" algn="ctr" defTabSz="222250">
+          <a:pPr marL="0" lvl="0" indent="0" algn="ctr" defTabSz="444500">
             <a:lnSpc>
               <a:spcPct val="90000"/>
             </a:lnSpc>
@@ -4727,33 +5017,34 @@
             <a:buNone/>
           </a:pPr>
           <a:r>
-            <a:rPr lang="de-DE" sz="500" kern="1200" dirty="0" err="1"/>
+            <a:rPr lang="de-DE" sz="1000" kern="1200" dirty="0" err="1"/>
             <a:t>Populations</a:t>
           </a:r>
-          <a:endParaRPr lang="en-US" sz="500" kern="1200" dirty="0"/>
+          <a:endParaRPr lang="en-US" sz="1000" kern="1200" dirty="0"/>
         </a:p>
       </dsp:txBody>
-      <dsp:txXfrm rot="-5400000">
-        <a:off x="1" y="3204692"/>
-        <a:ext cx="461631" cy="197842"/>
+      <dsp:txXfrm>
+        <a:off x="23288" y="3131921"/>
+        <a:ext cx="1802798" cy="430484"/>
       </dsp:txXfrm>
     </dsp:sp>
-    <dsp:sp modelId="{DC1A4816-EEDD-4E2D-9789-7312736BCE27}">
+    <dsp:sp modelId="{FA5272A9-4954-46EB-8013-3FFAFE4884B4}">
       <dsp:nvSpPr>
         <dsp:cNvPr id="0" name=""/>
         <dsp:cNvSpPr/>
       </dsp:nvSpPr>
       <dsp:spPr>
         <a:xfrm rot="5400000">
-          <a:off x="4080486" y="-644979"/>
-          <a:ext cx="428658" cy="7666368"/>
+          <a:off x="3302437" y="2750442"/>
+          <a:ext cx="381648" cy="3287776"/>
         </a:xfrm>
         <a:prstGeom prst="round2SameRect">
           <a:avLst/>
         </a:prstGeom>
         <a:solidFill>
-          <a:schemeClr val="lt1">
+          <a:schemeClr val="accent1">
             <a:alpha val="90000"/>
+            <a:tint val="40000"/>
             <a:hueOff val="0"/>
             <a:satOff val="0"/>
             <a:lumOff val="0"/>
@@ -4763,6 +5054,8 @@
         <a:ln w="12700" cap="flat" cmpd="sng" algn="ctr">
           <a:solidFill>
             <a:schemeClr val="accent1">
+              <a:alpha val="90000"/>
+              <a:tint val="40000"/>
               <a:hueOff val="0"/>
               <a:satOff val="0"/>
               <a:lumOff val="0"/>
@@ -4787,12 +5080,12 @@
         <a:fontRef idx="minor"/>
       </dsp:style>
       <dsp:txBody>
-        <a:bodyPr spcFirstLastPara="0" vert="horz" wrap="square" lIns="56896" tIns="5080" rIns="5080" bIns="5080" numCol="1" spcCol="1270" anchor="ctr" anchorCtr="0">
+        <a:bodyPr spcFirstLastPara="0" vert="horz" wrap="square" lIns="247650" tIns="123825" rIns="247650" bIns="123825" numCol="1" spcCol="1270" anchor="ctr" anchorCtr="0">
           <a:noAutofit/>
         </a:bodyPr>
         <a:lstStyle/>
         <a:p>
-          <a:pPr marL="57150" lvl="1" indent="-57150" algn="l" defTabSz="355600">
+          <a:pPr marL="114300" lvl="1" indent="-114300" algn="l" defTabSz="533400">
             <a:lnSpc>
               <a:spcPct val="90000"/>
             </a:lnSpc>
@@ -4805,206 +5098,44 @@
             <a:buChar char="•"/>
           </a:pPr>
           <a:r>
-            <a:rPr lang="de-DE" sz="800" kern="1200" dirty="0" err="1"/>
-            <a:t>Column</a:t>
-          </a:r>
-          <a:r>
-            <a:rPr lang="de-DE" sz="800" kern="1200" dirty="0"/>
-            <a:t> „</a:t>
-          </a:r>
-          <a:r>
-            <a:rPr lang="de-DE" sz="800" kern="1200" dirty="0" err="1"/>
-            <a:t>PopulationId</a:t>
-          </a:r>
-          <a:r>
-            <a:rPr lang="de-DE" sz="800" kern="1200" dirty="0"/>
+            <a:rPr lang="de-DE" sz="1200" kern="1200" dirty="0"/>
+            <a:t>Columns „</a:t>
+          </a:r>
+          <a:r>
+            <a:rPr lang="de-DE" sz="1200" kern="1200" dirty="0" err="1"/>
+            <a:t>SimulationTime</a:t>
+          </a:r>
+          <a:r>
+            <a:rPr lang="de-DE" sz="1200" kern="1200" dirty="0"/>
+            <a:t>“ and „</a:t>
+          </a:r>
+          <a:r>
+            <a:rPr lang="de-DE" sz="1200" kern="1200" dirty="0" err="1"/>
+            <a:t>SimulationTimeUnit</a:t>
+          </a:r>
+          <a:r>
+            <a:rPr lang="de-DE" sz="1200" kern="1200" dirty="0"/>
             <a:t>“</a:t>
           </a:r>
-          <a:endParaRPr lang="en-US" sz="800" kern="1200" dirty="0"/>
-        </a:p>
-        <a:p>
-          <a:pPr marL="57150" lvl="1" indent="-57150" algn="l" defTabSz="355600">
-            <a:lnSpc>
-              <a:spcPct val="90000"/>
-            </a:lnSpc>
-            <a:spcBef>
-              <a:spcPct val="0"/>
-            </a:spcBef>
-            <a:spcAft>
-              <a:spcPct val="15000"/>
-            </a:spcAft>
-            <a:buChar char="•"/>
-          </a:pPr>
-          <a:r>
-            <a:rPr lang="de-DE" sz="800" kern="1200" dirty="0" err="1"/>
-            <a:t>If</a:t>
-          </a:r>
-          <a:r>
-            <a:rPr lang="de-DE" sz="800" kern="1200" dirty="0"/>
-            <a:t> „</a:t>
-          </a:r>
-          <a:r>
-            <a:rPr lang="de-DE" sz="800" kern="1200" dirty="0" err="1"/>
-            <a:t>ReadPopulationFromCSV</a:t>
-          </a:r>
-          <a:r>
-            <a:rPr lang="de-DE" sz="800" kern="1200" dirty="0"/>
-            <a:t>“ </a:t>
-          </a:r>
-          <a:r>
-            <a:rPr lang="de-DE" sz="800" kern="1200" dirty="0" err="1"/>
-            <a:t>is</a:t>
-          </a:r>
-          <a:r>
-            <a:rPr lang="de-DE" sz="800" kern="1200" dirty="0"/>
-            <a:t> FALSE – </a:t>
-          </a:r>
-          <a:r>
-            <a:rPr lang="de-DE" sz="800" kern="1200" dirty="0" err="1"/>
-            <a:t>define</a:t>
-          </a:r>
-          <a:r>
-            <a:rPr lang="de-DE" sz="800" kern="1200" dirty="0"/>
-            <a:t> a </a:t>
-          </a:r>
-          <a:r>
-            <a:rPr lang="de-DE" sz="800" kern="1200" dirty="0" err="1"/>
-            <a:t>population</a:t>
-          </a:r>
-          <a:r>
-            <a:rPr lang="de-DE" sz="800" kern="1200" dirty="0"/>
-            <a:t> in </a:t>
-          </a:r>
-          <a:r>
-            <a:rPr lang="de-DE" sz="800" kern="1200" dirty="0" err="1"/>
-            <a:t>the</a:t>
-          </a:r>
-          <a:r>
-            <a:rPr lang="de-DE" sz="800" kern="1200" dirty="0"/>
-            <a:t> </a:t>
-          </a:r>
-          <a:r>
-            <a:rPr lang="de-DE" sz="800" kern="1200" dirty="0" err="1"/>
-            <a:t>excel</a:t>
-          </a:r>
-          <a:r>
-            <a:rPr lang="de-DE" sz="800" kern="1200" dirty="0"/>
-            <a:t> </a:t>
-          </a:r>
-          <a:r>
-            <a:rPr lang="de-DE" sz="800" kern="1200" dirty="0" err="1"/>
-            <a:t>file</a:t>
-          </a:r>
-          <a:r>
-            <a:rPr lang="de-DE" sz="800" kern="1200" dirty="0"/>
-            <a:t> „</a:t>
-          </a:r>
-          <a:r>
-            <a:rPr lang="de-DE" sz="800" kern="1200" dirty="0" err="1"/>
-            <a:t>PopulationParameters</a:t>
-          </a:r>
-          <a:r>
-            <a:rPr lang="de-DE" sz="800" kern="1200" dirty="0"/>
-            <a:t>“.</a:t>
-          </a:r>
-          <a:endParaRPr lang="en-US" sz="800" kern="1200" dirty="0"/>
-        </a:p>
-        <a:p>
-          <a:pPr marL="57150" lvl="1" indent="-57150" algn="l" defTabSz="355600">
-            <a:lnSpc>
-              <a:spcPct val="90000"/>
-            </a:lnSpc>
-            <a:spcBef>
-              <a:spcPct val="0"/>
-            </a:spcBef>
-            <a:spcAft>
-              <a:spcPct val="15000"/>
-            </a:spcAft>
-            <a:buChar char="•"/>
-          </a:pPr>
-          <a:r>
-            <a:rPr lang="de-DE" sz="800" kern="1200" dirty="0" err="1"/>
-            <a:t>if</a:t>
-          </a:r>
-          <a:r>
-            <a:rPr lang="de-DE" sz="800" kern="1200" dirty="0"/>
-            <a:t> „</a:t>
-          </a:r>
-          <a:r>
-            <a:rPr lang="de-DE" sz="800" kern="1200" dirty="0" err="1"/>
-            <a:t>ReadPopulationFromCSV</a:t>
-          </a:r>
-          <a:r>
-            <a:rPr lang="de-DE" sz="800" kern="1200" dirty="0"/>
-            <a:t>“ </a:t>
-          </a:r>
-          <a:r>
-            <a:rPr lang="de-DE" sz="800" kern="1200" dirty="0" err="1"/>
-            <a:t>is</a:t>
-          </a:r>
-          <a:r>
-            <a:rPr lang="de-DE" sz="800" kern="1200" dirty="0"/>
-            <a:t> TRUE, </a:t>
-          </a:r>
-          <a:r>
-            <a:rPr lang="de-DE" sz="800" kern="1200" dirty="0" err="1"/>
-            <a:t>place</a:t>
-          </a:r>
-          <a:r>
-            <a:rPr lang="de-DE" sz="800" kern="1200" dirty="0"/>
-            <a:t> a </a:t>
-          </a:r>
-          <a:r>
-            <a:rPr lang="de-DE" sz="800" kern="1200" dirty="0" err="1"/>
-            <a:t>population</a:t>
-          </a:r>
-          <a:r>
-            <a:rPr lang="de-DE" sz="800" kern="1200" dirty="0"/>
-            <a:t> </a:t>
-          </a:r>
-          <a:r>
-            <a:rPr lang="de-DE" sz="800" kern="1200" dirty="0" err="1"/>
-            <a:t>csv</a:t>
-          </a:r>
-          <a:r>
-            <a:rPr lang="de-DE" sz="800" kern="1200" dirty="0"/>
-            <a:t> </a:t>
-          </a:r>
-          <a:r>
-            <a:rPr lang="de-DE" sz="800" kern="1200" dirty="0" err="1"/>
-            <a:t>file</a:t>
-          </a:r>
-          <a:r>
-            <a:rPr lang="de-DE" sz="800" kern="1200" dirty="0"/>
-            <a:t> in „Parameters/</a:t>
-          </a:r>
-          <a:r>
-            <a:rPr lang="de-DE" sz="800" kern="1200" dirty="0" err="1"/>
-            <a:t>Populations</a:t>
-          </a:r>
-          <a:r>
-            <a:rPr lang="de-DE" sz="800" kern="1200" dirty="0"/>
-            <a:t>“</a:t>
-          </a:r>
-          <a:endParaRPr lang="en-US" sz="800" kern="1200" dirty="0"/>
+          <a:endParaRPr lang="en-US" sz="1200" kern="1200" dirty="0"/>
         </a:p>
       </dsp:txBody>
       <dsp:txXfrm rot="-5400000">
-        <a:off x="461632" y="2994800"/>
-        <a:ext cx="7645443" cy="386808"/>
+        <a:off x="1849374" y="4222137"/>
+        <a:ext cx="3269145" cy="344386"/>
       </dsp:txXfrm>
     </dsp:sp>
-    <dsp:sp modelId="{D0E01A7C-1C20-4EC4-B899-73A530FDE9A2}">
+    <dsp:sp modelId="{92FB9813-63D8-4671-964D-A107A9A49385}">
       <dsp:nvSpPr>
         <dsp:cNvPr id="0" name=""/>
         <dsp:cNvSpPr/>
       </dsp:nvSpPr>
       <dsp:spPr>
-        <a:xfrm rot="5400000">
-          <a:off x="-98921" y="3667076"/>
-          <a:ext cx="659473" cy="461631"/>
+        <a:xfrm>
+          <a:off x="0" y="4155800"/>
+          <a:ext cx="1849374" cy="477060"/>
         </a:xfrm>
-        <a:prstGeom prst="chevron">
+        <a:prstGeom prst="roundRect">
           <a:avLst/>
         </a:prstGeom>
         <a:solidFill>
@@ -5017,7 +5148,7 @@
         </a:solidFill>
         <a:ln w="12700" cap="flat" cmpd="sng" algn="ctr">
           <a:solidFill>
-            <a:schemeClr val="accent1">
+            <a:schemeClr val="lt1">
               <a:hueOff val="0"/>
               <a:satOff val="0"/>
               <a:lumOff val="0"/>
@@ -5044,12 +5175,12 @@
         </a:fontRef>
       </dsp:style>
       <dsp:txBody>
-        <a:bodyPr spcFirstLastPara="0" vert="horz" wrap="square" lIns="3175" tIns="3175" rIns="3175" bIns="3175" numCol="1" spcCol="1270" anchor="ctr" anchorCtr="0">
+        <a:bodyPr spcFirstLastPara="0" vert="horz" wrap="square" lIns="38100" tIns="19050" rIns="38100" bIns="19050" numCol="1" spcCol="1270" anchor="ctr" anchorCtr="0">
           <a:noAutofit/>
         </a:bodyPr>
         <a:lstStyle/>
         <a:p>
-          <a:pPr marL="0" lvl="0" indent="0" algn="ctr" defTabSz="222250">
+          <a:pPr marL="0" lvl="0" indent="0" algn="ctr" defTabSz="444500">
             <a:lnSpc>
               <a:spcPct val="90000"/>
             </a:lnSpc>
@@ -5062,33 +5193,34 @@
             <a:buNone/>
           </a:pPr>
           <a:r>
-            <a:rPr lang="de-DE" sz="500" kern="1200" dirty="0"/>
+            <a:rPr lang="de-DE" sz="1000" kern="1200" dirty="0"/>
             <a:t>Simulation time</a:t>
           </a:r>
-          <a:endParaRPr lang="en-US" sz="500" kern="1200" dirty="0"/>
+          <a:endParaRPr lang="en-US" sz="1000" kern="1200" dirty="0"/>
         </a:p>
       </dsp:txBody>
-      <dsp:txXfrm rot="-5400000">
-        <a:off x="1" y="3798971"/>
-        <a:ext cx="461631" cy="197842"/>
+      <dsp:txXfrm>
+        <a:off x="23288" y="4179088"/>
+        <a:ext cx="1802798" cy="430484"/>
       </dsp:txXfrm>
     </dsp:sp>
-    <dsp:sp modelId="{D03553DF-6841-4A16-9C33-9D73E4DC3F47}">
+    <dsp:sp modelId="{1D9CE99A-1663-45CB-8C75-75C83EAC66C1}">
       <dsp:nvSpPr>
         <dsp:cNvPr id="0" name=""/>
         <dsp:cNvSpPr/>
       </dsp:nvSpPr>
       <dsp:spPr>
         <a:xfrm rot="5400000">
-          <a:off x="4080486" y="-50699"/>
-          <a:ext cx="428658" cy="7666368"/>
+          <a:off x="3302437" y="3244280"/>
+          <a:ext cx="381648" cy="3287776"/>
         </a:xfrm>
         <a:prstGeom prst="round2SameRect">
           <a:avLst/>
         </a:prstGeom>
         <a:solidFill>
-          <a:schemeClr val="lt1">
+          <a:schemeClr val="accent1">
             <a:alpha val="90000"/>
+            <a:tint val="40000"/>
             <a:hueOff val="0"/>
             <a:satOff val="0"/>
             <a:lumOff val="0"/>
@@ -5098,6 +5230,8 @@
         <a:ln w="12700" cap="flat" cmpd="sng" algn="ctr">
           <a:solidFill>
             <a:schemeClr val="accent1">
+              <a:alpha val="90000"/>
+              <a:tint val="40000"/>
               <a:hueOff val="0"/>
               <a:satOff val="0"/>
               <a:lumOff val="0"/>
@@ -5122,12 +5256,12 @@
         <a:fontRef idx="minor"/>
       </dsp:style>
       <dsp:txBody>
-        <a:bodyPr spcFirstLastPara="0" vert="horz" wrap="square" lIns="56896" tIns="5080" rIns="5080" bIns="5080" numCol="1" spcCol="1270" anchor="ctr" anchorCtr="0">
+        <a:bodyPr spcFirstLastPara="0" vert="horz" wrap="square" lIns="247650" tIns="123825" rIns="247650" bIns="123825" numCol="1" spcCol="1270" anchor="ctr" anchorCtr="0">
           <a:noAutofit/>
         </a:bodyPr>
         <a:lstStyle/>
         <a:p>
-          <a:pPr marL="57150" lvl="1" indent="-57150" algn="l" defTabSz="355600">
+          <a:pPr marL="114300" lvl="1" indent="-114300" algn="l" defTabSz="533400">
             <a:lnSpc>
               <a:spcPct val="90000"/>
             </a:lnSpc>
@@ -5140,28 +5274,56 @@
             <a:buChar char="•"/>
           </a:pPr>
           <a:r>
-            <a:rPr lang="de-DE" sz="800" kern="1200"/>
-            <a:t>Columns „SimulationTime“ and „SimulationTimeUnit“</a:t>
-          </a:r>
-          <a:endParaRPr lang="en-US" sz="800" kern="1200" dirty="0"/>
+            <a:rPr lang="de-DE" sz="1200" kern="1200" dirty="0" err="1"/>
+            <a:t>Column</a:t>
+          </a:r>
+          <a:r>
+            <a:rPr lang="de-DE" sz="1200" kern="1200" dirty="0"/>
+            <a:t> „</a:t>
+          </a:r>
+          <a:r>
+            <a:rPr lang="de-DE" sz="1200" kern="1200" dirty="0" err="1"/>
+            <a:t>OutputPathIds</a:t>
+          </a:r>
+          <a:r>
+            <a:rPr lang="de-DE" sz="1200" kern="1200" dirty="0"/>
+            <a:t>“ and </a:t>
+          </a:r>
+          <a:r>
+            <a:rPr lang="de-DE" sz="1200" kern="1200" dirty="0" err="1"/>
+            <a:t>sheet</a:t>
+          </a:r>
+          <a:r>
+            <a:rPr lang="de-DE" sz="1200" kern="1200" dirty="0"/>
+            <a:t> „</a:t>
+          </a:r>
+          <a:r>
+            <a:rPr lang="de-DE" sz="1200" kern="1200" dirty="0" err="1"/>
+            <a:t>OutputPaths</a:t>
+          </a:r>
+          <a:r>
+            <a:rPr lang="de-DE" sz="1200" kern="1200" dirty="0"/>
+            <a:t>“</a:t>
+          </a:r>
+          <a:endParaRPr lang="en-US" sz="1200" kern="1200" dirty="0"/>
         </a:p>
       </dsp:txBody>
       <dsp:txXfrm rot="-5400000">
-        <a:off x="461632" y="3589080"/>
-        <a:ext cx="7645443" cy="386808"/>
+        <a:off x="1849374" y="4715975"/>
+        <a:ext cx="3269145" cy="344386"/>
       </dsp:txXfrm>
     </dsp:sp>
-    <dsp:sp modelId="{3530C899-531F-40AC-B5F5-4BD71F870A48}">
+    <dsp:sp modelId="{D60EE7F7-58DA-445C-8481-AB3DE90A0BE8}">
       <dsp:nvSpPr>
         <dsp:cNvPr id="0" name=""/>
         <dsp:cNvSpPr/>
       </dsp:nvSpPr>
       <dsp:spPr>
-        <a:xfrm rot="5400000">
-          <a:off x="-98921" y="4261356"/>
-          <a:ext cx="659473" cy="461631"/>
+        <a:xfrm>
+          <a:off x="0" y="4649638"/>
+          <a:ext cx="1849374" cy="477060"/>
         </a:xfrm>
-        <a:prstGeom prst="chevron">
+        <a:prstGeom prst="roundRect">
           <a:avLst/>
         </a:prstGeom>
         <a:solidFill>
@@ -5174,7 +5336,7 @@
         </a:solidFill>
         <a:ln w="12700" cap="flat" cmpd="sng" algn="ctr">
           <a:solidFill>
-            <a:schemeClr val="accent1">
+            <a:schemeClr val="lt1">
               <a:hueOff val="0"/>
               <a:satOff val="0"/>
               <a:lumOff val="0"/>
@@ -5201,12 +5363,12 @@
         </a:fontRef>
       </dsp:style>
       <dsp:txBody>
-        <a:bodyPr spcFirstLastPara="0" vert="horz" wrap="square" lIns="3175" tIns="3175" rIns="3175" bIns="3175" numCol="1" spcCol="1270" anchor="ctr" anchorCtr="0">
+        <a:bodyPr spcFirstLastPara="0" vert="horz" wrap="square" lIns="38100" tIns="19050" rIns="38100" bIns="19050" numCol="1" spcCol="1270" anchor="ctr" anchorCtr="0">
           <a:noAutofit/>
         </a:bodyPr>
         <a:lstStyle/>
         <a:p>
-          <a:pPr marL="0" lvl="0" indent="0" algn="ctr" defTabSz="222250">
+          <a:pPr marL="0" lvl="0" indent="0" algn="ctr" defTabSz="444500">
             <a:lnSpc>
               <a:spcPct val="90000"/>
             </a:lnSpc>
@@ -5219,37 +5381,38 @@
             <a:buNone/>
           </a:pPr>
           <a:r>
-            <a:rPr lang="de-DE" sz="500" kern="1200" dirty="0"/>
+            <a:rPr lang="de-DE" sz="1000" kern="1200" dirty="0"/>
             <a:t>Output </a:t>
           </a:r>
           <a:r>
-            <a:rPr lang="de-DE" sz="500" kern="1200" dirty="0" err="1"/>
+            <a:rPr lang="de-DE" sz="1000" kern="1200" dirty="0" err="1"/>
             <a:t>paths</a:t>
           </a:r>
-          <a:endParaRPr lang="en-US" sz="500" kern="1200" dirty="0"/>
+          <a:endParaRPr lang="en-US" sz="1000" kern="1200" dirty="0"/>
         </a:p>
       </dsp:txBody>
-      <dsp:txXfrm rot="-5400000">
-        <a:off x="1" y="4393251"/>
-        <a:ext cx="461631" cy="197842"/>
+      <dsp:txXfrm>
+        <a:off x="23288" y="4672926"/>
+        <a:ext cx="1802798" cy="430484"/>
       </dsp:txXfrm>
     </dsp:sp>
-    <dsp:sp modelId="{35E44904-C5BC-4764-92C3-9B9AD3301AC3}">
+    <dsp:sp modelId="{4AC43B40-7718-4242-96FA-6E85A552E9D8}">
       <dsp:nvSpPr>
         <dsp:cNvPr id="0" name=""/>
         <dsp:cNvSpPr/>
       </dsp:nvSpPr>
       <dsp:spPr>
         <a:xfrm rot="5400000">
-          <a:off x="4080486" y="543580"/>
-          <a:ext cx="428658" cy="7666368"/>
+          <a:off x="3302437" y="3760297"/>
+          <a:ext cx="381648" cy="3287776"/>
         </a:xfrm>
         <a:prstGeom prst="round2SameRect">
           <a:avLst/>
         </a:prstGeom>
         <a:solidFill>
-          <a:schemeClr val="lt1">
+          <a:schemeClr val="accent1">
             <a:alpha val="90000"/>
+            <a:tint val="40000"/>
             <a:hueOff val="0"/>
             <a:satOff val="0"/>
             <a:lumOff val="0"/>
@@ -5259,6 +5422,8 @@
         <a:ln w="12700" cap="flat" cmpd="sng" algn="ctr">
           <a:solidFill>
             <a:schemeClr val="accent1">
+              <a:alpha val="90000"/>
+              <a:tint val="40000"/>
               <a:hueOff val="0"/>
               <a:satOff val="0"/>
               <a:lumOff val="0"/>
@@ -5283,12 +5448,12 @@
         <a:fontRef idx="minor"/>
       </dsp:style>
       <dsp:txBody>
-        <a:bodyPr spcFirstLastPara="0" vert="horz" wrap="square" lIns="56896" tIns="5080" rIns="5080" bIns="5080" numCol="1" spcCol="1270" anchor="ctr" anchorCtr="0">
+        <a:bodyPr spcFirstLastPara="0" vert="horz" wrap="square" lIns="247650" tIns="123825" rIns="247650" bIns="123825" numCol="1" spcCol="1270" anchor="ctr" anchorCtr="0">
           <a:noAutofit/>
         </a:bodyPr>
         <a:lstStyle/>
         <a:p>
-          <a:pPr marL="57150" lvl="1" indent="-57150" algn="l" defTabSz="355600">
+          <a:pPr marL="114300" lvl="1" indent="-114300" algn="l" defTabSz="533400">
             <a:lnSpc>
               <a:spcPct val="90000"/>
             </a:lnSpc>
@@ -5301,56 +5466,65 @@
             <a:buChar char="•"/>
           </a:pPr>
           <a:r>
-            <a:rPr lang="de-DE" sz="800" kern="1200" dirty="0" err="1"/>
+            <a:rPr lang="de-DE" sz="1200" kern="1200" dirty="0" err="1"/>
             <a:t>Column</a:t>
           </a:r>
           <a:r>
-            <a:rPr lang="de-DE" sz="800" kern="1200" dirty="0"/>
+            <a:rPr lang="de-DE" sz="1200" kern="1200" dirty="0"/>
             <a:t> „</a:t>
           </a:r>
           <a:r>
-            <a:rPr lang="de-DE" sz="800" kern="1200" dirty="0" err="1"/>
-            <a:t>OutputPathIds</a:t>
-          </a:r>
-          <a:r>
-            <a:rPr lang="de-DE" sz="800" kern="1200" dirty="0"/>
-            <a:t>“ and </a:t>
-          </a:r>
-          <a:r>
-            <a:rPr lang="de-DE" sz="800" kern="1200" dirty="0" err="1"/>
-            <a:t>sheet</a:t>
-          </a:r>
-          <a:r>
-            <a:rPr lang="de-DE" sz="800" kern="1200" dirty="0"/>
-            <a:t> „</a:t>
-          </a:r>
-          <a:r>
-            <a:rPr lang="de-DE" sz="800" kern="1200" dirty="0" err="1"/>
-            <a:t>OutputPaths</a:t>
-          </a:r>
-          <a:r>
-            <a:rPr lang="de-DE" sz="800" kern="1200" dirty="0"/>
-            <a:t>“</a:t>
-          </a:r>
-          <a:endParaRPr lang="en-US" sz="800" kern="1200" dirty="0"/>
+            <a:rPr lang="en-US" sz="1200" kern="1200" dirty="0" err="1"/>
+            <a:t>ApplicationProtocol</a:t>
+          </a:r>
+          <a:r>
+            <a:rPr lang="en-US" sz="1200" kern="1200" dirty="0"/>
+            <a:t>”</a:t>
+          </a:r>
+        </a:p>
+        <a:p>
+          <a:pPr marL="114300" lvl="1" indent="-114300" algn="l" defTabSz="533400">
+            <a:lnSpc>
+              <a:spcPct val="90000"/>
+            </a:lnSpc>
+            <a:spcBef>
+              <a:spcPct val="0"/>
+            </a:spcBef>
+            <a:spcAft>
+              <a:spcPct val="15000"/>
+            </a:spcAft>
+            <a:buChar char="•"/>
+          </a:pPr>
+          <a:r>
+            <a:rPr lang="de-DE" sz="1200" kern="1200" dirty="0"/>
+            <a:t>File „</a:t>
+          </a:r>
+          <a:r>
+            <a:rPr lang="en-US" sz="1200" kern="1200" dirty="0" err="1"/>
+            <a:t>ApplicationParameters</a:t>
+          </a:r>
+          <a:r>
+            <a:rPr lang="en-US" sz="1200" kern="1200" dirty="0"/>
+            <a:t>”</a:t>
+          </a:r>
         </a:p>
       </dsp:txBody>
       <dsp:txXfrm rot="-5400000">
-        <a:off x="461632" y="4183360"/>
-        <a:ext cx="7645443" cy="386808"/>
+        <a:off x="1849374" y="5231992"/>
+        <a:ext cx="3269145" cy="344386"/>
       </dsp:txXfrm>
     </dsp:sp>
-    <dsp:sp modelId="{227FF45A-29F9-4EC5-AB5C-0B78603DC4A2}">
+    <dsp:sp modelId="{DD61E848-5469-4F27-9F08-DB9FD5BA2333}">
       <dsp:nvSpPr>
         <dsp:cNvPr id="0" name=""/>
         <dsp:cNvSpPr/>
       </dsp:nvSpPr>
       <dsp:spPr>
-        <a:xfrm rot="5400000">
-          <a:off x="-98921" y="4855635"/>
-          <a:ext cx="659473" cy="461631"/>
+        <a:xfrm>
+          <a:off x="0" y="5165655"/>
+          <a:ext cx="1849374" cy="477060"/>
         </a:xfrm>
-        <a:prstGeom prst="chevron">
+        <a:prstGeom prst="roundRect">
           <a:avLst/>
         </a:prstGeom>
         <a:solidFill>
@@ -5363,7 +5537,7 @@
         </a:solidFill>
         <a:ln w="12700" cap="flat" cmpd="sng" algn="ctr">
           <a:solidFill>
-            <a:schemeClr val="accent1">
+            <a:schemeClr val="lt1">
               <a:hueOff val="0"/>
               <a:satOff val="0"/>
               <a:lumOff val="0"/>
@@ -5390,12 +5564,12 @@
         </a:fontRef>
       </dsp:style>
       <dsp:txBody>
-        <a:bodyPr spcFirstLastPara="0" vert="horz" wrap="square" lIns="3175" tIns="3175" rIns="3175" bIns="3175" numCol="1" spcCol="1270" anchor="ctr" anchorCtr="0">
+        <a:bodyPr spcFirstLastPara="0" vert="horz" wrap="square" lIns="38100" tIns="19050" rIns="38100" bIns="19050" numCol="1" spcCol="1270" anchor="ctr" anchorCtr="0">
           <a:noAutofit/>
         </a:bodyPr>
         <a:lstStyle/>
         <a:p>
-          <a:pPr marL="0" lvl="0" indent="0" algn="ctr" defTabSz="222250">
+          <a:pPr marL="0" lvl="0" indent="0" algn="ctr" defTabSz="444500">
             <a:lnSpc>
               <a:spcPct val="90000"/>
             </a:lnSpc>
@@ -5408,134 +5582,19 @@
             <a:buNone/>
           </a:pPr>
           <a:r>
-            <a:rPr lang="de-DE" sz="500" kern="1200" dirty="0"/>
+            <a:rPr lang="de-DE" sz="1000" kern="1200" dirty="0"/>
             <a:t>Administration </a:t>
           </a:r>
           <a:r>
-            <a:rPr lang="de-DE" sz="500" kern="1200" dirty="0" err="1"/>
+            <a:rPr lang="de-DE" sz="1000" kern="1200" dirty="0" err="1"/>
             <a:t>protocols</a:t>
           </a:r>
-          <a:endParaRPr lang="en-US" sz="500" kern="1200" dirty="0"/>
+          <a:endParaRPr lang="en-US" sz="1000" kern="1200" dirty="0"/>
         </a:p>
       </dsp:txBody>
-      <dsp:txXfrm rot="-5400000">
-        <a:off x="1" y="4987530"/>
-        <a:ext cx="461631" cy="197842"/>
-      </dsp:txXfrm>
-    </dsp:sp>
-    <dsp:sp modelId="{49D90AE9-D5DC-413F-A8D7-D6A67B7EFF85}">
-      <dsp:nvSpPr>
-        <dsp:cNvPr id="0" name=""/>
-        <dsp:cNvSpPr/>
-      </dsp:nvSpPr>
-      <dsp:spPr>
-        <a:xfrm rot="5400000">
-          <a:off x="4080486" y="1137859"/>
-          <a:ext cx="428658" cy="7666368"/>
-        </a:xfrm>
-        <a:prstGeom prst="round2SameRect">
-          <a:avLst/>
-        </a:prstGeom>
-        <a:solidFill>
-          <a:schemeClr val="lt1">
-            <a:alpha val="90000"/>
-            <a:hueOff val="0"/>
-            <a:satOff val="0"/>
-            <a:lumOff val="0"/>
-            <a:alphaOff val="0"/>
-          </a:schemeClr>
-        </a:solidFill>
-        <a:ln w="12700" cap="flat" cmpd="sng" algn="ctr">
-          <a:solidFill>
-            <a:schemeClr val="accent1">
-              <a:hueOff val="0"/>
-              <a:satOff val="0"/>
-              <a:lumOff val="0"/>
-              <a:alphaOff val="0"/>
-            </a:schemeClr>
-          </a:solidFill>
-          <a:prstDash val="solid"/>
-          <a:miter lim="800000"/>
-        </a:ln>
-        <a:effectLst/>
-      </dsp:spPr>
-      <dsp:style>
-        <a:lnRef idx="2">
-          <a:scrgbClr r="0" g="0" b="0"/>
-        </a:lnRef>
-        <a:fillRef idx="1">
-          <a:scrgbClr r="0" g="0" b="0"/>
-        </a:fillRef>
-        <a:effectRef idx="0">
-          <a:scrgbClr r="0" g="0" b="0"/>
-        </a:effectRef>
-        <a:fontRef idx="minor"/>
-      </dsp:style>
-      <dsp:txBody>
-        <a:bodyPr spcFirstLastPara="0" vert="horz" wrap="square" lIns="56896" tIns="5080" rIns="5080" bIns="5080" numCol="1" spcCol="1270" anchor="ctr" anchorCtr="0">
-          <a:noAutofit/>
-        </a:bodyPr>
-        <a:lstStyle/>
-        <a:p>
-          <a:pPr marL="57150" lvl="1" indent="-57150" algn="l" defTabSz="355600">
-            <a:lnSpc>
-              <a:spcPct val="90000"/>
-            </a:lnSpc>
-            <a:spcBef>
-              <a:spcPct val="0"/>
-            </a:spcBef>
-            <a:spcAft>
-              <a:spcPct val="15000"/>
-            </a:spcAft>
-            <a:buChar char="•"/>
-          </a:pPr>
-          <a:r>
-            <a:rPr lang="de-DE" sz="800" kern="1200" dirty="0" err="1"/>
-            <a:t>Column</a:t>
-          </a:r>
-          <a:r>
-            <a:rPr lang="de-DE" sz="800" kern="1200" dirty="0"/>
-            <a:t> „</a:t>
-          </a:r>
-          <a:r>
-            <a:rPr lang="en-US" sz="800" kern="1200" dirty="0" err="1"/>
-            <a:t>ApplicationProtocol</a:t>
-          </a:r>
-          <a:r>
-            <a:rPr lang="en-US" sz="800" kern="1200" dirty="0"/>
-            <a:t>”</a:t>
-          </a:r>
-        </a:p>
-        <a:p>
-          <a:pPr marL="57150" lvl="1" indent="-57150" algn="l" defTabSz="355600">
-            <a:lnSpc>
-              <a:spcPct val="90000"/>
-            </a:lnSpc>
-            <a:spcBef>
-              <a:spcPct val="0"/>
-            </a:spcBef>
-            <a:spcAft>
-              <a:spcPct val="15000"/>
-            </a:spcAft>
-            <a:buChar char="•"/>
-          </a:pPr>
-          <a:r>
-            <a:rPr lang="de-DE" sz="800" kern="1200" dirty="0"/>
-            <a:t>File „</a:t>
-          </a:r>
-          <a:r>
-            <a:rPr lang="en-US" sz="800" kern="1200" dirty="0" err="1"/>
-            <a:t>ApplicationParameters</a:t>
-          </a:r>
-          <a:r>
-            <a:rPr lang="en-US" sz="800" kern="1200" dirty="0"/>
-            <a:t>”</a:t>
-          </a:r>
-        </a:p>
-      </dsp:txBody>
-      <dsp:txXfrm rot="-5400000">
-        <a:off x="461632" y="4777639"/>
-        <a:ext cx="7645443" cy="386808"/>
+      <dsp:txXfrm>
+        <a:off x="23288" y="5188943"/>
+        <a:ext cx="1802798" cy="430484"/>
       </dsp:txXfrm>
     </dsp:sp>
   </dsp:spTree>
@@ -6601,13 +6660,12 @@
 </file>
 
 <file path=ppt/diagrams/layout1.xml><?xml version="1.0" encoding="utf-8"?>
-<dgm:layoutDef xmlns:dgm="http://schemas.openxmlformats.org/drawingml/2006/diagram" xmlns:a="http://schemas.openxmlformats.org/drawingml/2006/main" uniqueId="urn:microsoft.com/office/officeart/2005/8/layout/chevron2">
+<dgm:layoutDef xmlns:dgm="http://schemas.openxmlformats.org/drawingml/2006/diagram" xmlns:a="http://schemas.openxmlformats.org/drawingml/2006/main" uniqueId="urn:microsoft.com/office/officeart/2005/8/layout/vList5">
   <dgm:title val=""/>
   <dgm:desc val=""/>
   <dgm:catLst>
-    <dgm:cat type="process" pri="12000"/>
-    <dgm:cat type="list" pri="16000"/>
-    <dgm:cat type="convert" pri="11000"/>
+    <dgm:cat type="list" pri="15000"/>
+    <dgm:cat type="convert" pri="2000"/>
   </dgm:catLst>
   <dgm:sampData>
     <dgm:dataModel>
@@ -6661,9 +6719,15 @@
       <dgm:ptLst>
         <dgm:pt modelId="0" type="doc"/>
         <dgm:pt modelId="1"/>
+        <dgm:pt modelId="11"/>
+        <dgm:pt modelId="2"/>
+        <dgm:pt modelId="21"/>
       </dgm:ptLst>
       <dgm:cxnLst>
         <dgm:cxn modelId="4" srcId="0" destId="1" srcOrd="0" destOrd="0"/>
+        <dgm:cxn modelId="5" srcId="0" destId="2" srcOrd="1" destOrd="0"/>
+        <dgm:cxn modelId="13" srcId="1" destId="11" srcOrd="0" destOrd="0"/>
+        <dgm:cxn modelId="23" srcId="2" destId="21" srcOrd="0" destOrd="0"/>
       </dgm:cxnLst>
       <dgm:bg/>
       <dgm:whole/>
@@ -6696,158 +6760,130 @@
       <dgm:whole/>
     </dgm:dataModel>
   </dgm:clrData>
-  <dgm:layoutNode name="linearFlow">
+  <dgm:layoutNode name="Name0">
     <dgm:varLst>
       <dgm:dir/>
       <dgm:animLvl val="lvl"/>
       <dgm:resizeHandles val="exact"/>
     </dgm:varLst>
-    <dgm:alg type="lin">
-      <dgm:param type="linDir" val="fromT"/>
-      <dgm:param type="nodeHorzAlign" val="l"/>
-    </dgm:alg>
+    <dgm:choose name="Name1">
+      <dgm:if name="Name2" func="var" arg="dir" op="equ" val="norm">
+        <dgm:alg type="lin">
+          <dgm:param type="linDir" val="fromT"/>
+          <dgm:param type="nodeHorzAlign" val="l"/>
+        </dgm:alg>
+      </dgm:if>
+      <dgm:else name="Name3">
+        <dgm:alg type="lin">
+          <dgm:param type="linDir" val="fromT"/>
+          <dgm:param type="nodeHorzAlign" val="r"/>
+        </dgm:alg>
+      </dgm:else>
+    </dgm:choose>
     <dgm:shape xmlns:r="http://schemas.openxmlformats.org/officeDocument/2006/relationships" r:blip="">
       <dgm:adjLst/>
     </dgm:shape>
     <dgm:presOf/>
     <dgm:constrLst>
-      <dgm:constr type="h" for="ch" forName="composite" refType="h"/>
-      <dgm:constr type="w" for="ch" forName="composite" refType="w"/>
-      <dgm:constr type="h" for="des" forName="parentText" op="equ"/>
-      <dgm:constr type="h" for="ch" forName="sp" val="-14.88"/>
-      <dgm:constr type="h" for="ch" forName="sp" refType="w" refFor="des" refForName="parentText" op="gte" fact="-0.3"/>
+      <dgm:constr type="h" for="ch" forName="linNode" refType="h"/>
+      <dgm:constr type="w" for="ch" forName="linNode" refType="w"/>
+      <dgm:constr type="h" for="ch" forName="sp" refType="h" fact="0.05"/>
       <dgm:constr type="primFontSz" for="des" forName="parentText" op="equ" val="65"/>
-      <dgm:constr type="primFontSz" for="des" forName="descendantText" op="equ" val="65"/>
+      <dgm:constr type="secFontSz" for="des" forName="descendantText" op="equ"/>
     </dgm:constrLst>
     <dgm:ruleLst/>
-    <dgm:forEach name="Name0" axis="ch" ptType="node">
-      <dgm:layoutNode name="composite">
-        <dgm:alg type="composite"/>
+    <dgm:forEach name="Name4" axis="ch" ptType="node">
+      <dgm:layoutNode name="linNode">
+        <dgm:choose name="Name5">
+          <dgm:if name="Name6" func="var" arg="dir" op="equ" val="norm">
+            <dgm:alg type="lin">
+              <dgm:param type="linDir" val="fromL"/>
+            </dgm:alg>
+          </dgm:if>
+          <dgm:else name="Name7">
+            <dgm:alg type="lin">
+              <dgm:param type="linDir" val="fromR"/>
+            </dgm:alg>
+          </dgm:else>
+        </dgm:choose>
         <dgm:shape xmlns:r="http://schemas.openxmlformats.org/officeDocument/2006/relationships" r:blip="">
           <dgm:adjLst/>
         </dgm:shape>
         <dgm:presOf/>
-        <dgm:choose name="Name1">
-          <dgm:if name="Name2" func="var" arg="dir" op="equ" val="norm">
-            <dgm:constrLst>
-              <dgm:constr type="t" for="ch" forName="parentText"/>
-              <dgm:constr type="l" for="ch" forName="parentText"/>
-              <dgm:constr type="w" for="ch" forName="parentText" refType="w" fact="0.4"/>
-              <dgm:constr type="h" for="ch" forName="parentText" refType="h"/>
-              <dgm:constr type="w" for="ch" forName="parentText" refType="w" op="lte" fact="0.5"/>
-              <dgm:constr type="w" for="ch" forName="parentText" refType="h" refFor="ch" refForName="parentText" op="lte" fact="0.7"/>
-              <dgm:constr type="h" for="ch" forName="parentText" refType="w" refFor="ch" refForName="parentText" op="lte" fact="3"/>
-              <dgm:constr type="l" for="ch" forName="descendantText" refType="w" refFor="ch" refForName="parentText"/>
-              <dgm:constr type="w" for="ch" forName="descendantText" refType="w"/>
-              <dgm:constr type="wOff" for="ch" forName="descendantText" refType="w" refFor="ch" refForName="parentText" fact="-1"/>
-              <dgm:constr type="t" for="ch" forName="descendantText"/>
-              <dgm:constr type="b" for="ch" forName="descendantText" refType="h" refFor="ch" refForName="parentText"/>
-              <dgm:constr type="bOff" for="ch" forName="descendantText" refType="w" refFor="ch" refForName="parentText" fact="-0.5"/>
-            </dgm:constrLst>
-          </dgm:if>
-          <dgm:else name="Name3">
-            <dgm:constrLst>
-              <dgm:constr type="t" for="ch" forName="parentText"/>
-              <dgm:constr type="r" for="ch" forName="parentText" refType="w"/>
-              <dgm:constr type="w" for="ch" forName="parentText" refType="w" fact="0.4"/>
-              <dgm:constr type="h" for="ch" forName="parentText" refType="h"/>
-              <dgm:constr type="w" for="ch" forName="parentText" refType="w" op="lte" fact="0.5"/>
-              <dgm:constr type="w" for="ch" forName="parentText" refType="h" refFor="ch" refForName="parentText" op="lte" fact="0.7"/>
-              <dgm:constr type="h" for="ch" forName="parentText" refType="w" refFor="ch" refForName="parentText" op="lte" fact="3"/>
-              <dgm:constr type="l" for="ch" forName="descendantText"/>
-              <dgm:constr type="w" for="ch" forName="descendantText" refType="w"/>
-              <dgm:constr type="wOff" for="ch" forName="descendantText" refType="w" refFor="ch" refForName="parentText" fact="-1"/>
-              <dgm:constr type="t" for="ch" forName="descendantText"/>
-              <dgm:constr type="b" for="ch" forName="descendantText" refType="h" refFor="ch" refForName="parentText"/>
-              <dgm:constr type="bOff" for="ch" forName="descendantText" refType="w" refFor="ch" refForName="parentText" fact="-0.5"/>
-            </dgm:constrLst>
-          </dgm:else>
-        </dgm:choose>
+        <dgm:constrLst>
+          <dgm:constr type="w" for="ch" forName="parentText" refType="w" fact="0.36"/>
+          <dgm:constr type="w" for="ch" forName="descendantText" refType="w" fact="0.64"/>
+          <dgm:constr type="h" for="ch" forName="parentText" refType="h"/>
+          <dgm:constr type="h" for="ch" forName="descendantText" refType="h" refFor="ch" refForName="parentText" fact="0.8"/>
+        </dgm:constrLst>
         <dgm:ruleLst/>
-        <dgm:layoutNode name="parentText" styleLbl="alignNode1">
+        <dgm:layoutNode name="parentText">
           <dgm:varLst>
             <dgm:chMax val="1"/>
             <dgm:bulletEnabled val="1"/>
           </dgm:varLst>
           <dgm:alg type="tx"/>
-          <dgm:shape xmlns:r="http://schemas.openxmlformats.org/officeDocument/2006/relationships" rot="90" type="chevron" r:blip="">
+          <dgm:shape xmlns:r="http://schemas.openxmlformats.org/officeDocument/2006/relationships" type="roundRect" r:blip="" zOrderOff="3">
             <dgm:adjLst/>
           </dgm:shape>
           <dgm:presOf axis="self" ptType="node"/>
           <dgm:constrLst>
-            <dgm:constr type="lMarg" refType="primFontSz" fact="0.05"/>
-            <dgm:constr type="rMarg" refType="primFontSz" fact="0.05"/>
-            <dgm:constr type="tMarg" refType="primFontSz" fact="0.05"/>
-            <dgm:constr type="bMarg" refType="primFontSz" fact="0.05"/>
+            <dgm:constr type="tMarg" refType="primFontSz" fact="0.15"/>
+            <dgm:constr type="bMarg" refType="primFontSz" fact="0.15"/>
+            <dgm:constr type="lMarg" refType="primFontSz" fact="0.3"/>
+            <dgm:constr type="rMarg" refType="primFontSz" fact="0.3"/>
           </dgm:constrLst>
           <dgm:ruleLst>
-            <dgm:rule type="h" val="100" fact="NaN" max="NaN"/>
-            <dgm:rule type="primFontSz" val="24" fact="NaN" max="NaN"/>
-            <dgm:rule type="h" val="110" fact="NaN" max="NaN"/>
-            <dgm:rule type="primFontSz" val="18" fact="NaN" max="NaN"/>
-            <dgm:rule type="h" val="INF" fact="NaN" max="NaN"/>
             <dgm:rule type="primFontSz" val="5" fact="NaN" max="NaN"/>
           </dgm:ruleLst>
         </dgm:layoutNode>
-        <dgm:layoutNode name="descendantText" styleLbl="alignAcc1">
-          <dgm:varLst>
-            <dgm:bulletEnabled val="1"/>
-          </dgm:varLst>
-          <dgm:choose name="Name4">
-            <dgm:if name="Name5" func="var" arg="dir" op="equ" val="norm">
+        <dgm:choose name="Name8">
+          <dgm:if name="Name9" axis="ch" ptType="node" func="cnt" op="gte" val="1">
+            <dgm:layoutNode name="descendantText" styleLbl="alignAccFollowNode1">
+              <dgm:varLst>
+                <dgm:bulletEnabled val="1"/>
+              </dgm:varLst>
               <dgm:alg type="tx">
                 <dgm:param type="stBulletLvl" val="1"/>
                 <dgm:param type="txAnchorVertCh" val="mid"/>
               </dgm:alg>
-              <dgm:shape xmlns:r="http://schemas.openxmlformats.org/officeDocument/2006/relationships" rot="90" type="round2SameRect" r:blip="">
-                <dgm:adjLst/>
-              </dgm:shape>
-            </dgm:if>
-            <dgm:else name="Name6">
-              <dgm:alg type="tx">
-                <dgm:param type="stBulletLvl" val="1"/>
-                <dgm:param type="txAnchorVertCh" val="mid"/>
-              </dgm:alg>
-              <dgm:shape xmlns:r="http://schemas.openxmlformats.org/officeDocument/2006/relationships" rot="-90" type="round2SameRect" r:blip="">
-                <dgm:adjLst/>
-              </dgm:shape>
-            </dgm:else>
-          </dgm:choose>
-          <dgm:presOf axis="des" ptType="node"/>
-          <dgm:choose name="Name7">
-            <dgm:if name="Name8" func="var" arg="dir" op="equ" val="norm">
+              <dgm:choose name="Name10">
+                <dgm:if name="Name11" func="var" arg="dir" op="equ" val="norm">
+                  <dgm:shape xmlns:r="http://schemas.openxmlformats.org/officeDocument/2006/relationships" rot="90" type="round2SameRect" r:blip="">
+                    <dgm:adjLst/>
+                  </dgm:shape>
+                </dgm:if>
+                <dgm:else name="Name12">
+                  <dgm:shape xmlns:r="http://schemas.openxmlformats.org/officeDocument/2006/relationships" rot="-90" type="round2SameRect" r:blip="">
+                    <dgm:adjLst/>
+                  </dgm:shape>
+                </dgm:else>
+              </dgm:choose>
+              <dgm:presOf axis="des" ptType="node"/>
               <dgm:constrLst>
-                <dgm:constr type="secFontSz" refType="primFontSz"/>
-                <dgm:constr type="tMarg" refType="primFontSz" fact="0.05"/>
-                <dgm:constr type="bMarg" refType="primFontSz" fact="0.05"/>
-                <dgm:constr type="rMarg" refType="primFontSz" fact="0.05"/>
+                <dgm:constr type="secFontSz" val="65"/>
+                <dgm:constr type="primFontSz" refType="secFontSz"/>
+                <dgm:constr type="lMarg" refType="secFontSz" fact="0.3"/>
+                <dgm:constr type="rMarg" refType="secFontSz" fact="0.3"/>
+                <dgm:constr type="tMarg" refType="secFontSz" fact="0.15"/>
+                <dgm:constr type="bMarg" refType="secFontSz" fact="0.15"/>
               </dgm:constrLst>
-            </dgm:if>
-            <dgm:else name="Name9">
-              <dgm:constrLst>
-                <dgm:constr type="secFontSz" refType="primFontSz"/>
-                <dgm:constr type="tMarg" refType="primFontSz" fact="0.05"/>
-                <dgm:constr type="bMarg" refType="primFontSz" fact="0.05"/>
-                <dgm:constr type="lMarg" refType="primFontSz" fact="0.05"/>
-              </dgm:constrLst>
-            </dgm:else>
-          </dgm:choose>
-          <dgm:ruleLst>
-            <dgm:rule type="primFontSz" val="5" fact="NaN" max="NaN"/>
-          </dgm:ruleLst>
-        </dgm:layoutNode>
+              <dgm:ruleLst>
+                <dgm:rule type="secFontSz" val="5" fact="NaN" max="NaN"/>
+              </dgm:ruleLst>
+            </dgm:layoutNode>
+          </dgm:if>
+          <dgm:else name="Name13"/>
+        </dgm:choose>
       </dgm:layoutNode>
-      <dgm:forEach name="Name10" axis="followSib" ptType="sibTrans" cnt="1">
+      <dgm:forEach name="Name14" axis="followSib" ptType="sibTrans" cnt="1">
         <dgm:layoutNode name="sp">
           <dgm:alg type="sp"/>
           <dgm:shape xmlns:r="http://schemas.openxmlformats.org/officeDocument/2006/relationships" r:blip="">
             <dgm:adjLst/>
           </dgm:shape>
-          <dgm:presOf axis="self"/>
-          <dgm:constrLst>
-            <dgm:constr type="w" val="1"/>
-            <dgm:constr type="h" val="37.5"/>
-          </dgm:constrLst>
+          <dgm:presOf/>
+          <dgm:constrLst/>
           <dgm:ruleLst/>
         </dgm:layoutNode>
       </dgm:forEach>
@@ -12300,14 +12336,14 @@
           <p:nvPr>
             <p:extLst>
               <p:ext uri="{D42A27DB-BD31-4B8C-83A1-F6EECF244321}">
-                <p14:modId xmlns:p14="http://schemas.microsoft.com/office/powerpoint/2010/main" val="3627942146"/>
+                <p14:modId xmlns:p14="http://schemas.microsoft.com/office/powerpoint/2010/main" val="3708352278"/>
               </p:ext>
             </p:extLst>
           </p:nvPr>
         </p:nvGraphicFramePr>
         <p:xfrm>
           <a:off x="1066800" y="719666"/>
-          <a:ext cx="8128000" cy="5418667"/>
+          <a:ext cx="5137150" cy="5643034"/>
         </p:xfrm>
         <a:graphic>
           <a:graphicData uri="http://schemas.openxmlformats.org/drawingml/2006/diagram">
@@ -12422,7 +12458,7 @@
         </p:nvSpPr>
         <p:spPr>
           <a:xfrm>
-            <a:off x="9950038" y="1816100"/>
+            <a:off x="6965538" y="1638300"/>
             <a:ext cx="2139950" cy="1193800"/>
           </a:xfrm>
           <a:prstGeom prst="roundRect">
@@ -12479,7 +12515,7 @@
         </p:nvCxnSpPr>
         <p:spPr>
           <a:xfrm>
-            <a:off x="9194800" y="2114550"/>
+            <a:off x="6210300" y="1936750"/>
             <a:ext cx="755238" cy="298450"/>
           </a:xfrm>
           <a:prstGeom prst="straightConnector1">
@@ -12521,7 +12557,7 @@
         </p:nvCxnSpPr>
         <p:spPr>
           <a:xfrm flipV="1">
-            <a:off x="9194800" y="2413000"/>
+            <a:off x="6210300" y="2235200"/>
             <a:ext cx="755238" cy="298450"/>
           </a:xfrm>
           <a:prstGeom prst="straightConnector1">
@@ -12562,8 +12598,8 @@
         </p:nvCxnSpPr>
         <p:spPr>
           <a:xfrm flipV="1">
-            <a:off x="9194800" y="2428876"/>
-            <a:ext cx="755238" cy="1495954"/>
+            <a:off x="6210300" y="2251076"/>
+            <a:ext cx="755238" cy="708024"/>
           </a:xfrm>
           <a:prstGeom prst="straightConnector1">
             <a:avLst/>
@@ -12604,8 +12640,8 @@
         </p:nvCxnSpPr>
         <p:spPr>
           <a:xfrm flipV="1">
-            <a:off x="9194800" y="2413000"/>
-            <a:ext cx="755238" cy="2127250"/>
+            <a:off x="6210300" y="2235200"/>
+            <a:ext cx="755238" cy="1790701"/>
           </a:xfrm>
           <a:prstGeom prst="straightConnector1">
             <a:avLst/>
@@ -12645,8 +12681,8 @@
         </p:nvCxnSpPr>
         <p:spPr>
           <a:xfrm flipV="1">
-            <a:off x="9194800" y="2397124"/>
-            <a:ext cx="755238" cy="2685522"/>
+            <a:off x="6210300" y="2219324"/>
+            <a:ext cx="755238" cy="3000376"/>
           </a:xfrm>
           <a:prstGeom prst="straightConnector1">
             <a:avLst/>
@@ -12686,8 +12722,8 @@
         </p:nvCxnSpPr>
         <p:spPr>
           <a:xfrm flipV="1">
-            <a:off x="9194800" y="2381248"/>
-            <a:ext cx="755238" cy="3327402"/>
+            <a:off x="6210300" y="2203448"/>
+            <a:ext cx="755238" cy="3975102"/>
           </a:xfrm>
           <a:prstGeom prst="straightConnector1">
             <a:avLst/>

--- a/Workflow_scheme.pptx
+++ b/Workflow_scheme.pptx
@@ -1720,7 +1720,7 @@
         <a:p>
           <a:r>
             <a:rPr lang="de-DE" sz="1000" dirty="0"/>
-            <a:t>Scenario </a:t>
+            <a:t>2. Scenario </a:t>
           </a:r>
           <a:r>
             <a:rPr lang="de-DE" sz="1000" dirty="0" err="1"/>
@@ -1798,7 +1798,7 @@
         <a:p>
           <a:r>
             <a:rPr lang="de-DE" sz="1000" dirty="0"/>
-            <a:t>Model </a:t>
+            <a:t>3. Model </a:t>
           </a:r>
           <a:r>
             <a:rPr lang="de-DE" sz="1000" dirty="0" err="1"/>
@@ -1933,7 +1933,7 @@
         <a:p>
           <a:r>
             <a:rPr lang="de-DE" sz="1000" dirty="0"/>
-            <a:t>Global </a:t>
+            <a:t>4. Global </a:t>
           </a:r>
           <a:r>
             <a:rPr lang="de-DE" sz="1000" dirty="0" err="1"/>
@@ -2011,7 +2011,7 @@
         <a:p>
           <a:r>
             <a:rPr lang="de-DE" sz="1000" dirty="0"/>
-            <a:t>Individual</a:t>
+            <a:t>5. Individual</a:t>
           </a:r>
           <a:endParaRPr lang="en-US" sz="1000" dirty="0"/>
         </a:p>
@@ -2202,6 +2202,10 @@
         <a:lstStyle/>
         <a:p>
           <a:r>
+            <a:rPr lang="de-DE" sz="1000" dirty="0"/>
+            <a:t>6. </a:t>
+          </a:r>
+          <a:r>
             <a:rPr lang="de-DE" sz="1000" dirty="0" err="1"/>
             <a:t>Populations</a:t>
           </a:r>
@@ -2491,7 +2495,7 @@
         <a:p>
           <a:r>
             <a:rPr lang="de-DE" sz="1000" dirty="0"/>
-            <a:t>Simulation time</a:t>
+            <a:t>7. Simulation time</a:t>
           </a:r>
           <a:endParaRPr lang="en-US" sz="1000" dirty="0"/>
         </a:p>
@@ -2528,7 +2532,7 @@
         <a:p>
           <a:r>
             <a:rPr lang="de-DE" sz="1000" dirty="0"/>
-            <a:t>Output </a:t>
+            <a:t>8. Output </a:t>
           </a:r>
           <a:r>
             <a:rPr lang="de-DE" sz="1000" dirty="0" err="1"/>
@@ -2687,7 +2691,7 @@
         <a:p>
           <a:r>
             <a:rPr lang="de-DE" sz="1000" dirty="0"/>
-            <a:t>Administration </a:t>
+            <a:t>9. Administration </a:t>
           </a:r>
           <a:r>
             <a:rPr lang="de-DE" sz="1000" dirty="0" err="1"/>
@@ -4106,7 +4110,7 @@
           </a:pPr>
           <a:r>
             <a:rPr lang="de-DE" sz="1000" kern="1200" dirty="0"/>
-            <a:t>Scenario </a:t>
+            <a:t>2. Scenario </a:t>
           </a:r>
           <a:r>
             <a:rPr lang="de-DE" sz="1000" kern="1200" dirty="0" err="1"/>
@@ -4270,7 +4274,7 @@
           </a:pPr>
           <a:r>
             <a:rPr lang="de-DE" sz="1000" kern="1200" dirty="0"/>
-            <a:t>Model </a:t>
+            <a:t>3. Model </a:t>
           </a:r>
           <a:r>
             <a:rPr lang="de-DE" sz="1000" kern="1200" dirty="0" err="1"/>
@@ -4434,7 +4438,7 @@
           </a:pPr>
           <a:r>
             <a:rPr lang="de-DE" sz="1000" kern="1200" dirty="0"/>
-            <a:t>Global </a:t>
+            <a:t>4. Global </a:t>
           </a:r>
           <a:r>
             <a:rPr lang="de-DE" sz="1000" kern="1200" dirty="0" err="1"/>
@@ -4680,7 +4684,7 @@
           </a:pPr>
           <a:r>
             <a:rPr lang="de-DE" sz="1000" kern="1200" dirty="0"/>
-            <a:t>Individual</a:t>
+            <a:t>5. Individual</a:t>
           </a:r>
           <a:endParaRPr lang="en-US" sz="1000" kern="1200" dirty="0"/>
         </a:p>
@@ -5017,6 +5021,10 @@
             <a:buNone/>
           </a:pPr>
           <a:r>
+            <a:rPr lang="de-DE" sz="1000" kern="1200" dirty="0"/>
+            <a:t>6. </a:t>
+          </a:r>
+          <a:r>
             <a:rPr lang="de-DE" sz="1000" kern="1200" dirty="0" err="1"/>
             <a:t>Populations</a:t>
           </a:r>
@@ -5194,7 +5202,7 @@
           </a:pPr>
           <a:r>
             <a:rPr lang="de-DE" sz="1000" kern="1200" dirty="0"/>
-            <a:t>Simulation time</a:t>
+            <a:t>7. Simulation time</a:t>
           </a:r>
           <a:endParaRPr lang="en-US" sz="1000" kern="1200" dirty="0"/>
         </a:p>
@@ -5382,7 +5390,7 @@
           </a:pPr>
           <a:r>
             <a:rPr lang="de-DE" sz="1000" kern="1200" dirty="0"/>
-            <a:t>Output </a:t>
+            <a:t>8. Output </a:t>
           </a:r>
           <a:r>
             <a:rPr lang="de-DE" sz="1000" kern="1200" dirty="0" err="1"/>
@@ -5583,7 +5591,7 @@
           </a:pPr>
           <a:r>
             <a:rPr lang="de-DE" sz="1000" kern="1200" dirty="0"/>
-            <a:t>Administration </a:t>
+            <a:t>9. Administration </a:t>
           </a:r>
           <a:r>
             <a:rPr lang="de-DE" sz="1000" kern="1200" dirty="0" err="1"/>
@@ -9256,7 +9264,7 @@
           <a:p>
             <a:fld id="{B199164D-C87C-46DA-8BA8-D57C4A9AE1EA}" type="datetimeFigureOut">
               <a:rPr lang="en-US" smtClean="0"/>
-              <a:t>4/20/2023</a:t>
+              <a:t>4/25/2023</a:t>
             </a:fld>
             <a:endParaRPr lang="en-US"/>
           </a:p>
@@ -9454,7 +9462,7 @@
           <a:p>
             <a:fld id="{B199164D-C87C-46DA-8BA8-D57C4A9AE1EA}" type="datetimeFigureOut">
               <a:rPr lang="en-US" smtClean="0"/>
-              <a:t>4/20/2023</a:t>
+              <a:t>4/25/2023</a:t>
             </a:fld>
             <a:endParaRPr lang="en-US"/>
           </a:p>
@@ -9662,7 +9670,7 @@
           <a:p>
             <a:fld id="{B199164D-C87C-46DA-8BA8-D57C4A9AE1EA}" type="datetimeFigureOut">
               <a:rPr lang="en-US" smtClean="0"/>
-              <a:t>4/20/2023</a:t>
+              <a:t>4/25/2023</a:t>
             </a:fld>
             <a:endParaRPr lang="en-US"/>
           </a:p>
@@ -9860,7 +9868,7 @@
           <a:p>
             <a:fld id="{B199164D-C87C-46DA-8BA8-D57C4A9AE1EA}" type="datetimeFigureOut">
               <a:rPr lang="en-US" smtClean="0"/>
-              <a:t>4/20/2023</a:t>
+              <a:t>4/25/2023</a:t>
             </a:fld>
             <a:endParaRPr lang="en-US"/>
           </a:p>
@@ -10135,7 +10143,7 @@
           <a:p>
             <a:fld id="{B199164D-C87C-46DA-8BA8-D57C4A9AE1EA}" type="datetimeFigureOut">
               <a:rPr lang="en-US" smtClean="0"/>
-              <a:t>4/20/2023</a:t>
+              <a:t>4/25/2023</a:t>
             </a:fld>
             <a:endParaRPr lang="en-US"/>
           </a:p>
@@ -10400,7 +10408,7 @@
           <a:p>
             <a:fld id="{B199164D-C87C-46DA-8BA8-D57C4A9AE1EA}" type="datetimeFigureOut">
               <a:rPr lang="en-US" smtClean="0"/>
-              <a:t>4/20/2023</a:t>
+              <a:t>4/25/2023</a:t>
             </a:fld>
             <a:endParaRPr lang="en-US"/>
           </a:p>
@@ -10812,7 +10820,7 @@
           <a:p>
             <a:fld id="{B199164D-C87C-46DA-8BA8-D57C4A9AE1EA}" type="datetimeFigureOut">
               <a:rPr lang="en-US" smtClean="0"/>
-              <a:t>4/20/2023</a:t>
+              <a:t>4/25/2023</a:t>
             </a:fld>
             <a:endParaRPr lang="en-US"/>
           </a:p>
@@ -10953,7 +10961,7 @@
           <a:p>
             <a:fld id="{B199164D-C87C-46DA-8BA8-D57C4A9AE1EA}" type="datetimeFigureOut">
               <a:rPr lang="en-US" smtClean="0"/>
-              <a:t>4/20/2023</a:t>
+              <a:t>4/25/2023</a:t>
             </a:fld>
             <a:endParaRPr lang="en-US"/>
           </a:p>
@@ -11066,7 +11074,7 @@
           <a:p>
             <a:fld id="{B199164D-C87C-46DA-8BA8-D57C4A9AE1EA}" type="datetimeFigureOut">
               <a:rPr lang="en-US" smtClean="0"/>
-              <a:t>4/20/2023</a:t>
+              <a:t>4/25/2023</a:t>
             </a:fld>
             <a:endParaRPr lang="en-US"/>
           </a:p>
@@ -11377,7 +11385,7 @@
           <a:p>
             <a:fld id="{B199164D-C87C-46DA-8BA8-D57C4A9AE1EA}" type="datetimeFigureOut">
               <a:rPr lang="en-US" smtClean="0"/>
-              <a:t>4/20/2023</a:t>
+              <a:t>4/25/2023</a:t>
             </a:fld>
             <a:endParaRPr lang="en-US"/>
           </a:p>
@@ -11665,7 +11673,7 @@
           <a:p>
             <a:fld id="{B199164D-C87C-46DA-8BA8-D57C4A9AE1EA}" type="datetimeFigureOut">
               <a:rPr lang="en-US" smtClean="0"/>
-              <a:t>4/20/2023</a:t>
+              <a:t>4/25/2023</a:t>
             </a:fld>
             <a:endParaRPr lang="en-US"/>
           </a:p>
@@ -11906,7 +11914,7 @@
           <a:p>
             <a:fld id="{B199164D-C87C-46DA-8BA8-D57C4A9AE1EA}" type="datetimeFigureOut">
               <a:rPr lang="en-US" smtClean="0"/>
-              <a:t>4/20/2023</a:t>
+              <a:t>4/25/2023</a:t>
             </a:fld>
             <a:endParaRPr lang="en-US"/>
           </a:p>
@@ -12336,7 +12344,7 @@
           <p:nvPr>
             <p:extLst>
               <p:ext uri="{D42A27DB-BD31-4B8C-83A1-F6EECF244321}">
-                <p14:modId xmlns:p14="http://schemas.microsoft.com/office/powerpoint/2010/main" val="3708352278"/>
+                <p14:modId xmlns:p14="http://schemas.microsoft.com/office/powerpoint/2010/main" val="3535436856"/>
               </p:ext>
             </p:extLst>
           </p:nvPr>
@@ -12747,6 +12755,84 @@
           </a:fontRef>
         </p:style>
       </p:cxnSp>
+      <p:cxnSp>
+        <p:nvCxnSpPr>
+          <p:cNvPr id="4" name="Straight Arrow Connector 3">
+            <a:extLst>
+              <a:ext uri="{FF2B5EF4-FFF2-40B4-BE49-F238E27FC236}">
+                <a16:creationId xmlns:a16="http://schemas.microsoft.com/office/drawing/2014/main" id="{F6A2C514-7845-B0C8-71FE-1CC9842AC7A7}"/>
+              </a:ext>
+            </a:extLst>
+          </p:cNvPr>
+          <p:cNvCxnSpPr/>
+          <p:nvPr/>
+        </p:nvCxnSpPr>
+        <p:spPr>
+          <a:xfrm>
+            <a:off x="4184650" y="1193800"/>
+            <a:ext cx="0" cy="88900"/>
+          </a:xfrm>
+          <a:prstGeom prst="straightConnector1">
+            <a:avLst/>
+          </a:prstGeom>
+          <a:ln>
+            <a:tailEnd type="triangle"/>
+          </a:ln>
+        </p:spPr>
+        <p:style>
+          <a:lnRef idx="1">
+            <a:schemeClr val="accent1"/>
+          </a:lnRef>
+          <a:fillRef idx="0">
+            <a:schemeClr val="accent1"/>
+          </a:fillRef>
+          <a:effectRef idx="0">
+            <a:schemeClr val="accent1"/>
+          </a:effectRef>
+          <a:fontRef idx="minor">
+            <a:schemeClr val="tx1"/>
+          </a:fontRef>
+        </p:style>
+      </p:cxnSp>
+      <p:cxnSp>
+        <p:nvCxnSpPr>
+          <p:cNvPr id="10" name="Straight Arrow Connector 9">
+            <a:extLst>
+              <a:ext uri="{FF2B5EF4-FFF2-40B4-BE49-F238E27FC236}">
+                <a16:creationId xmlns:a16="http://schemas.microsoft.com/office/drawing/2014/main" id="{E9DCD14F-15FF-A56B-B7D6-9873CB6D8238}"/>
+              </a:ext>
+            </a:extLst>
+          </p:cNvPr>
+          <p:cNvCxnSpPr/>
+          <p:nvPr/>
+        </p:nvCxnSpPr>
+        <p:spPr>
+          <a:xfrm>
+            <a:off x="4191000" y="1631212"/>
+            <a:ext cx="0" cy="146788"/>
+          </a:xfrm>
+          <a:prstGeom prst="straightConnector1">
+            <a:avLst/>
+          </a:prstGeom>
+          <a:ln>
+            <a:tailEnd type="triangle"/>
+          </a:ln>
+        </p:spPr>
+        <p:style>
+          <a:lnRef idx="1">
+            <a:schemeClr val="accent1"/>
+          </a:lnRef>
+          <a:fillRef idx="0">
+            <a:schemeClr val="accent1"/>
+          </a:fillRef>
+          <a:effectRef idx="0">
+            <a:schemeClr val="accent1"/>
+          </a:effectRef>
+          <a:fontRef idx="minor">
+            <a:schemeClr val="tx1"/>
+          </a:fontRef>
+        </p:style>
+      </p:cxnSp>
     </p:spTree>
     <p:extLst>
       <p:ext uri="{BB962C8B-B14F-4D97-AF65-F5344CB8AC3E}">

--- a/Workflow_scheme.pptx
+++ b/Workflow_scheme.pptx
@@ -3359,7 +3359,7 @@
         </a:p>
       </dgm:t>
     </dgm:pt>
-    <dgm:pt modelId="{904A5E4D-E340-444D-A17E-D26A08D4D0CA}">
+    <dgm:pt modelId="{91FC2AB7-B1E8-4D87-AF6A-71E755A3CAA2}">
       <dgm:prSet phldrT="[Text]" custT="1"/>
       <dgm:spPr/>
       <dgm:t>
@@ -3372,11 +3372,43 @@
           </a:r>
           <a:r>
             <a:rPr lang="de-DE" sz="1600" dirty="0" err="1"/>
-            <a:t>defined</a:t>
+            <a:t>passed</a:t>
           </a:r>
           <a:r>
             <a:rPr lang="de-DE" sz="1600" dirty="0"/>
-            <a:t> in </a:t>
+            <a:t> </a:t>
+          </a:r>
+          <a:r>
+            <a:rPr lang="de-DE" sz="1600" dirty="0" err="1"/>
+            <a:t>to</a:t>
+          </a:r>
+          <a:r>
+            <a:rPr lang="de-DE" sz="1600" dirty="0"/>
+            <a:t> „</a:t>
+          </a:r>
+          <a:r>
+            <a:rPr lang="de-DE" sz="1600" dirty="0" err="1"/>
+            <a:t>runScenarios</a:t>
+          </a:r>
+          <a:r>
+            <a:rPr lang="de-DE" sz="1600" dirty="0"/>
+            <a:t>()“ </a:t>
+          </a:r>
+          <a:r>
+            <a:rPr lang="de-DE" sz="1600" dirty="0" err="1"/>
+            <a:t>function</a:t>
+          </a:r>
+          <a:r>
+            <a:rPr lang="de-DE" sz="1600" dirty="0"/>
+            <a:t> </a:t>
+          </a:r>
+          <a:r>
+            <a:rPr lang="de-DE" sz="1600" dirty="0" err="1"/>
+            <a:t>with</a:t>
+          </a:r>
+          <a:r>
+            <a:rPr lang="de-DE" sz="1600" dirty="0"/>
+            <a:t> </a:t>
           </a:r>
           <a:r>
             <a:rPr lang="de-DE" sz="1600" dirty="0" err="1"/>
@@ -3384,28 +3416,25 @@
           </a:r>
           <a:r>
             <a:rPr lang="de-DE" sz="1600" dirty="0"/>
-            <a:t> „Code/</a:t>
+            <a:t> „</a:t>
           </a:r>
           <a:r>
             <a:rPr lang="de-DE" sz="1600" dirty="0" err="1"/>
-            <a:t>InputCode</a:t>
+            <a:t>customParams</a:t>
           </a:r>
           <a:r>
             <a:rPr lang="de-DE" sz="1600" dirty="0"/>
-            <a:t>/</a:t>
+            <a:t>“ </a:t>
           </a:r>
           <a:r>
             <a:rPr lang="de-DE" sz="1600" dirty="0" err="1"/>
-            <a:t>TestParameters.R</a:t>
-          </a:r>
-          <a:r>
-            <a:rPr lang="de-DE" sz="1600" dirty="0"/>
-            <a:t>“</a:t>
-          </a:r>
+            <a:t>argument</a:t>
+          </a:r>
+          <a:endParaRPr lang="de-DE" sz="1600" dirty="0"/>
         </a:p>
       </dgm:t>
     </dgm:pt>
-    <dgm:pt modelId="{8E3136ED-0CB7-4600-BF24-1FD1CD7E43EA}" type="parTrans" cxnId="{C6B3718C-B4DA-4F52-8997-16313F1728AA}">
+    <dgm:pt modelId="{D6B86AE7-3792-458A-98FF-74E6B591785F}" type="parTrans" cxnId="{D66BDF65-AD23-4328-B996-97D85E65D8D4}">
       <dgm:prSet/>
       <dgm:spPr/>
       <dgm:t>
@@ -3416,93 +3445,7 @@
         </a:p>
       </dgm:t>
     </dgm:pt>
-    <dgm:pt modelId="{84DFCA05-8CD1-4341-901B-BC2EC2304DDB}" type="sibTrans" cxnId="{C6B3718C-B4DA-4F52-8997-16313F1728AA}">
-      <dgm:prSet custT="1"/>
-      <dgm:spPr/>
-      <dgm:t>
-        <a:bodyPr/>
-        <a:lstStyle/>
-        <a:p>
-          <a:endParaRPr lang="en-US" sz="2400"/>
-        </a:p>
-      </dgm:t>
-    </dgm:pt>
-    <dgm:pt modelId="{91FC2AB7-B1E8-4D87-AF6A-71E755A3CAA2}">
-      <dgm:prSet phldrT="[Text]" custT="1"/>
-      <dgm:spPr/>
-      <dgm:t>
-        <a:bodyPr/>
-        <a:lstStyle/>
-        <a:p>
-          <a:r>
-            <a:rPr lang="de-DE" sz="1600" dirty="0"/>
-            <a:t>Parameters </a:t>
-          </a:r>
-          <a:r>
-            <a:rPr lang="de-DE" sz="1600" dirty="0" err="1"/>
-            <a:t>passed</a:t>
-          </a:r>
-          <a:r>
-            <a:rPr lang="de-DE" sz="1600" dirty="0"/>
-            <a:t> </a:t>
-          </a:r>
-          <a:r>
-            <a:rPr lang="de-DE" sz="1600" dirty="0" err="1"/>
-            <a:t>to</a:t>
-          </a:r>
-          <a:r>
-            <a:rPr lang="de-DE" sz="1600" dirty="0"/>
-            <a:t> „</a:t>
-          </a:r>
-          <a:r>
-            <a:rPr lang="de-DE" sz="1600" dirty="0" err="1"/>
-            <a:t>runScenarios</a:t>
-          </a:r>
-          <a:r>
-            <a:rPr lang="de-DE" sz="1600" dirty="0"/>
-            <a:t>()“ </a:t>
-          </a:r>
-          <a:r>
-            <a:rPr lang="de-DE" sz="1600" dirty="0" err="1"/>
-            <a:t>function</a:t>
-          </a:r>
-          <a:r>
-            <a:rPr lang="de-DE" sz="1600" dirty="0"/>
-            <a:t> </a:t>
-          </a:r>
-          <a:r>
-            <a:rPr lang="de-DE" sz="1600" dirty="0" err="1"/>
-            <a:t>with</a:t>
-          </a:r>
-          <a:r>
-            <a:rPr lang="de-DE" sz="1600" dirty="0"/>
-            <a:t> </a:t>
-          </a:r>
-          <a:r>
-            <a:rPr lang="de-DE" sz="1600" dirty="0" err="1"/>
-            <a:t>the</a:t>
-          </a:r>
-          <a:r>
-            <a:rPr lang="de-DE" sz="1600" dirty="0"/>
-            <a:t> „</a:t>
-          </a:r>
-          <a:r>
-            <a:rPr lang="de-DE" sz="1600" dirty="0" err="1"/>
-            <a:t>customParams</a:t>
-          </a:r>
-          <a:r>
-            <a:rPr lang="de-DE" sz="1600" dirty="0"/>
-            <a:t>“ </a:t>
-          </a:r>
-          <a:r>
-            <a:rPr lang="de-DE" sz="1600" dirty="0" err="1"/>
-            <a:t>argument</a:t>
-          </a:r>
-          <a:endParaRPr lang="de-DE" sz="1600" dirty="0"/>
-        </a:p>
-      </dgm:t>
-    </dgm:pt>
-    <dgm:pt modelId="{D6B86AE7-3792-458A-98FF-74E6B591785F}" type="parTrans" cxnId="{D66BDF65-AD23-4328-B996-97D85E65D8D4}">
+    <dgm:pt modelId="{69FE11D4-A6F2-44FB-9706-14C29F2E3AC8}" type="sibTrans" cxnId="{D66BDF65-AD23-4328-B996-97D85E65D8D4}">
       <dgm:prSet/>
       <dgm:spPr/>
       <dgm:t>
@@ -3513,7 +3456,50 @@
         </a:p>
       </dgm:t>
     </dgm:pt>
-    <dgm:pt modelId="{69FE11D4-A6F2-44FB-9706-14C29F2E3AC8}" type="sibTrans" cxnId="{D66BDF65-AD23-4328-B996-97D85E65D8D4}">
+    <dgm:pt modelId="{904D13CF-20B5-45F7-B411-C4B04322AD45}">
+      <dgm:prSet phldrT="[Text]"/>
+      <dgm:spPr/>
+      <dgm:t>
+        <a:bodyPr/>
+        <a:lstStyle/>
+        <a:p>
+          <a:r>
+            <a:rPr lang="de-DE" sz="1400" dirty="0"/>
+            <a:t>Parameters </a:t>
+          </a:r>
+          <a:r>
+            <a:rPr lang="de-DE" sz="1400" dirty="0" err="1"/>
+            <a:t>defined</a:t>
+          </a:r>
+          <a:r>
+            <a:rPr lang="de-DE" sz="1400" dirty="0"/>
+            <a:t> in </a:t>
+          </a:r>
+          <a:r>
+            <a:rPr lang="de-DE" sz="1400" dirty="0" err="1"/>
+            <a:t>the</a:t>
+          </a:r>
+          <a:r>
+            <a:rPr lang="de-DE" sz="1400" dirty="0"/>
+            <a:t> </a:t>
+          </a:r>
+          <a:r>
+            <a:rPr lang="de-DE" sz="1400" dirty="0" err="1"/>
+            <a:t>Application</a:t>
+          </a:r>
+          <a:r>
+            <a:rPr lang="de-DE" sz="1400" dirty="0"/>
+            <a:t> </a:t>
+          </a:r>
+          <a:r>
+            <a:rPr lang="de-DE" sz="1400" dirty="0" err="1"/>
+            <a:t>protocol</a:t>
+          </a:r>
+          <a:endParaRPr lang="de-DE" sz="1400" dirty="0"/>
+        </a:p>
+      </dgm:t>
+    </dgm:pt>
+    <dgm:pt modelId="{99E8C748-AFDC-4A43-B7B7-8C9ABB77872B}" type="parTrans" cxnId="{6ED578E0-0714-4963-AC6F-BA4BCDA4DEDD}">
       <dgm:prSet/>
       <dgm:spPr/>
       <dgm:t>
@@ -3524,50 +3510,7 @@
         </a:p>
       </dgm:t>
     </dgm:pt>
-    <dgm:pt modelId="{904D13CF-20B5-45F7-B411-C4B04322AD45}">
-      <dgm:prSet phldrT="[Text]"/>
-      <dgm:spPr/>
-      <dgm:t>
-        <a:bodyPr/>
-        <a:lstStyle/>
-        <a:p>
-          <a:r>
-            <a:rPr lang="de-DE" sz="1400" dirty="0"/>
-            <a:t>Parameters </a:t>
-          </a:r>
-          <a:r>
-            <a:rPr lang="de-DE" sz="1400" dirty="0" err="1"/>
-            <a:t>defined</a:t>
-          </a:r>
-          <a:r>
-            <a:rPr lang="de-DE" sz="1400" dirty="0"/>
-            <a:t> in </a:t>
-          </a:r>
-          <a:r>
-            <a:rPr lang="de-DE" sz="1400" dirty="0" err="1"/>
-            <a:t>the</a:t>
-          </a:r>
-          <a:r>
-            <a:rPr lang="de-DE" sz="1400" dirty="0"/>
-            <a:t> </a:t>
-          </a:r>
-          <a:r>
-            <a:rPr lang="de-DE" sz="1400" dirty="0" err="1"/>
-            <a:t>Application</a:t>
-          </a:r>
-          <a:r>
-            <a:rPr lang="de-DE" sz="1400" dirty="0"/>
-            <a:t> </a:t>
-          </a:r>
-          <a:r>
-            <a:rPr lang="de-DE" sz="1400" dirty="0" err="1"/>
-            <a:t>protocol</a:t>
-          </a:r>
-          <a:endParaRPr lang="de-DE" sz="1400" dirty="0"/>
-        </a:p>
-      </dgm:t>
-    </dgm:pt>
-    <dgm:pt modelId="{99E8C748-AFDC-4A43-B7B7-8C9ABB77872B}" type="parTrans" cxnId="{6ED578E0-0714-4963-AC6F-BA4BCDA4DEDD}">
+    <dgm:pt modelId="{E8F05EC8-AF1F-4FDC-91AE-4FAE4C0B9391}" type="sibTrans" cxnId="{6ED578E0-0714-4963-AC6F-BA4BCDA4DEDD}">
       <dgm:prSet/>
       <dgm:spPr/>
       <dgm:t>
@@ -3578,17 +3521,6 @@
         </a:p>
       </dgm:t>
     </dgm:pt>
-    <dgm:pt modelId="{E8F05EC8-AF1F-4FDC-91AE-4FAE4C0B9391}" type="sibTrans" cxnId="{6ED578E0-0714-4963-AC6F-BA4BCDA4DEDD}">
-      <dgm:prSet/>
-      <dgm:spPr/>
-      <dgm:t>
-        <a:bodyPr/>
-        <a:lstStyle/>
-        <a:p>
-          <a:endParaRPr lang="en-US"/>
-        </a:p>
-      </dgm:t>
-    </dgm:pt>
     <dgm:pt modelId="{0F8C4796-60B9-44F0-95F7-C8F53E0D6F5B}" type="pres">
       <dgm:prSet presAssocID="{4C6B6F34-EBF2-438E-B3B7-957DBAF6DA06}" presName="linearFlow" presStyleCnt="0">
         <dgm:presLayoutVars>
@@ -3598,7 +3530,7 @@
       <dgm:spPr/>
     </dgm:pt>
     <dgm:pt modelId="{32F3F580-B4AE-4A75-B4D5-199177EDC857}" type="pres">
-      <dgm:prSet presAssocID="{6E63DDAB-E0C7-493D-AA1D-876DA0421EBF}" presName="node" presStyleLbl="node1" presStyleIdx="0" presStyleCnt="6">
+      <dgm:prSet presAssocID="{6E63DDAB-E0C7-493D-AA1D-876DA0421EBF}" presName="node" presStyleLbl="node1" presStyleIdx="0" presStyleCnt="5">
         <dgm:presLayoutVars>
           <dgm:bulletEnabled val="1"/>
         </dgm:presLayoutVars>
@@ -3606,15 +3538,15 @@
       <dgm:spPr/>
     </dgm:pt>
     <dgm:pt modelId="{DE734AF0-F15D-43AA-9AA5-E7449D3D3242}" type="pres">
-      <dgm:prSet presAssocID="{0C0BF99E-58D0-4FAA-A800-B1F81FBC0008}" presName="sibTrans" presStyleLbl="sibTrans2D1" presStyleIdx="0" presStyleCnt="5"/>
+      <dgm:prSet presAssocID="{0C0BF99E-58D0-4FAA-A800-B1F81FBC0008}" presName="sibTrans" presStyleLbl="sibTrans2D1" presStyleIdx="0" presStyleCnt="4"/>
       <dgm:spPr/>
     </dgm:pt>
     <dgm:pt modelId="{5E1CEAA5-0423-4DCA-8EB1-AEC797E763EE}" type="pres">
-      <dgm:prSet presAssocID="{0C0BF99E-58D0-4FAA-A800-B1F81FBC0008}" presName="connectorText" presStyleLbl="sibTrans2D1" presStyleIdx="0" presStyleCnt="5"/>
+      <dgm:prSet presAssocID="{0C0BF99E-58D0-4FAA-A800-B1F81FBC0008}" presName="connectorText" presStyleLbl="sibTrans2D1" presStyleIdx="0" presStyleCnt="4"/>
       <dgm:spPr/>
     </dgm:pt>
     <dgm:pt modelId="{8DB52F31-1B42-4B55-A5C5-93099FA660CA}" type="pres">
-      <dgm:prSet presAssocID="{D9A164A5-C4EE-4E2C-BCB9-FC9B1367C8C9}" presName="node" presStyleLbl="node1" presStyleIdx="1" presStyleCnt="6">
+      <dgm:prSet presAssocID="{D9A164A5-C4EE-4E2C-BCB9-FC9B1367C8C9}" presName="node" presStyleLbl="node1" presStyleIdx="1" presStyleCnt="5">
         <dgm:presLayoutVars>
           <dgm:bulletEnabled val="1"/>
         </dgm:presLayoutVars>
@@ -3622,15 +3554,15 @@
       <dgm:spPr/>
     </dgm:pt>
     <dgm:pt modelId="{D4AF0274-1388-4F6B-8D53-52A6FED89246}" type="pres">
-      <dgm:prSet presAssocID="{3A3A765D-45CB-4909-B3B4-7B9C8089DBBE}" presName="sibTrans" presStyleLbl="sibTrans2D1" presStyleIdx="1" presStyleCnt="5"/>
+      <dgm:prSet presAssocID="{3A3A765D-45CB-4909-B3B4-7B9C8089DBBE}" presName="sibTrans" presStyleLbl="sibTrans2D1" presStyleIdx="1" presStyleCnt="4"/>
       <dgm:spPr/>
     </dgm:pt>
     <dgm:pt modelId="{FA84D1E7-8CF9-4F3E-B109-DBB564D82884}" type="pres">
-      <dgm:prSet presAssocID="{3A3A765D-45CB-4909-B3B4-7B9C8089DBBE}" presName="connectorText" presStyleLbl="sibTrans2D1" presStyleIdx="1" presStyleCnt="5"/>
+      <dgm:prSet presAssocID="{3A3A765D-45CB-4909-B3B4-7B9C8089DBBE}" presName="connectorText" presStyleLbl="sibTrans2D1" presStyleIdx="1" presStyleCnt="4"/>
       <dgm:spPr/>
     </dgm:pt>
     <dgm:pt modelId="{393E3C96-C34C-451A-92F8-886DD2CD2B93}" type="pres">
-      <dgm:prSet presAssocID="{0EA7596A-34F1-4CE4-AD46-2937F6D05F61}" presName="node" presStyleLbl="node1" presStyleIdx="2" presStyleCnt="6">
+      <dgm:prSet presAssocID="{0EA7596A-34F1-4CE4-AD46-2937F6D05F61}" presName="node" presStyleLbl="node1" presStyleIdx="2" presStyleCnt="5">
         <dgm:presLayoutVars>
           <dgm:bulletEnabled val="1"/>
         </dgm:presLayoutVars>
@@ -3638,75 +3570,55 @@
       <dgm:spPr/>
     </dgm:pt>
     <dgm:pt modelId="{018C7C0E-1BF5-4952-ACA5-977E53384722}" type="pres">
-      <dgm:prSet presAssocID="{E3006435-1BF9-4FD6-9C31-7ED4490DE600}" presName="sibTrans" presStyleLbl="sibTrans2D1" presStyleIdx="2" presStyleCnt="5"/>
+      <dgm:prSet presAssocID="{E3006435-1BF9-4FD6-9C31-7ED4490DE600}" presName="sibTrans" presStyleLbl="sibTrans2D1" presStyleIdx="2" presStyleCnt="4"/>
       <dgm:spPr/>
     </dgm:pt>
     <dgm:pt modelId="{9A6F0891-C47C-4E2B-BFC4-7050A71F9598}" type="pres">
-      <dgm:prSet presAssocID="{E3006435-1BF9-4FD6-9C31-7ED4490DE600}" presName="connectorText" presStyleLbl="sibTrans2D1" presStyleIdx="2" presStyleCnt="5"/>
-      <dgm:spPr/>
-    </dgm:pt>
-    <dgm:pt modelId="{3C8485D3-5E38-4106-AB35-87DD069A821F}" type="pres">
-      <dgm:prSet presAssocID="{904A5E4D-E340-444D-A17E-D26A08D4D0CA}" presName="node" presStyleLbl="node1" presStyleIdx="3" presStyleCnt="6">
+      <dgm:prSet presAssocID="{E3006435-1BF9-4FD6-9C31-7ED4490DE600}" presName="connectorText" presStyleLbl="sibTrans2D1" presStyleIdx="2" presStyleCnt="4"/>
+      <dgm:spPr/>
+    </dgm:pt>
+    <dgm:pt modelId="{164DDEB3-DF6D-4D8A-AB77-57CE925C2E9F}" type="pres">
+      <dgm:prSet presAssocID="{91FC2AB7-B1E8-4D87-AF6A-71E755A3CAA2}" presName="node" presStyleLbl="node1" presStyleIdx="3" presStyleCnt="5">
         <dgm:presLayoutVars>
           <dgm:bulletEnabled val="1"/>
         </dgm:presLayoutVars>
       </dgm:prSet>
       <dgm:spPr/>
     </dgm:pt>
-    <dgm:pt modelId="{648E255A-B01E-4EFD-BD53-6C00B2E025D5}" type="pres">
-      <dgm:prSet presAssocID="{84DFCA05-8CD1-4341-901B-BC2EC2304DDB}" presName="sibTrans" presStyleLbl="sibTrans2D1" presStyleIdx="3" presStyleCnt="5"/>
-      <dgm:spPr/>
-    </dgm:pt>
-    <dgm:pt modelId="{A925C887-9070-437F-84BF-13625E2D8C00}" type="pres">
-      <dgm:prSet presAssocID="{84DFCA05-8CD1-4341-901B-BC2EC2304DDB}" presName="connectorText" presStyleLbl="sibTrans2D1" presStyleIdx="3" presStyleCnt="5"/>
-      <dgm:spPr/>
-    </dgm:pt>
-    <dgm:pt modelId="{164DDEB3-DF6D-4D8A-AB77-57CE925C2E9F}" type="pres">
-      <dgm:prSet presAssocID="{91FC2AB7-B1E8-4D87-AF6A-71E755A3CAA2}" presName="node" presStyleLbl="node1" presStyleIdx="4" presStyleCnt="6">
+    <dgm:pt modelId="{9BA57664-CD12-4F05-BF31-8399FF3938EE}" type="pres">
+      <dgm:prSet presAssocID="{69FE11D4-A6F2-44FB-9706-14C29F2E3AC8}" presName="sibTrans" presStyleLbl="sibTrans2D1" presStyleIdx="3" presStyleCnt="4"/>
+      <dgm:spPr/>
+    </dgm:pt>
+    <dgm:pt modelId="{C5DEC020-9475-4AE8-B5C4-B31F7E4BC4BF}" type="pres">
+      <dgm:prSet presAssocID="{69FE11D4-A6F2-44FB-9706-14C29F2E3AC8}" presName="connectorText" presStyleLbl="sibTrans2D1" presStyleIdx="3" presStyleCnt="4"/>
+      <dgm:spPr/>
+    </dgm:pt>
+    <dgm:pt modelId="{6F905638-7C0C-4414-A139-2B2E5BFB3BD8}" type="pres">
+      <dgm:prSet presAssocID="{904D13CF-20B5-45F7-B411-C4B04322AD45}" presName="node" presStyleLbl="node1" presStyleIdx="4" presStyleCnt="5">
         <dgm:presLayoutVars>
           <dgm:bulletEnabled val="1"/>
         </dgm:presLayoutVars>
       </dgm:prSet>
       <dgm:spPr/>
     </dgm:pt>
-    <dgm:pt modelId="{9BA57664-CD12-4F05-BF31-8399FF3938EE}" type="pres">
-      <dgm:prSet presAssocID="{69FE11D4-A6F2-44FB-9706-14C29F2E3AC8}" presName="sibTrans" presStyleLbl="sibTrans2D1" presStyleIdx="4" presStyleCnt="5"/>
-      <dgm:spPr/>
-    </dgm:pt>
-    <dgm:pt modelId="{C5DEC020-9475-4AE8-B5C4-B31F7E4BC4BF}" type="pres">
-      <dgm:prSet presAssocID="{69FE11D4-A6F2-44FB-9706-14C29F2E3AC8}" presName="connectorText" presStyleLbl="sibTrans2D1" presStyleIdx="4" presStyleCnt="5"/>
-      <dgm:spPr/>
-    </dgm:pt>
-    <dgm:pt modelId="{6F905638-7C0C-4414-A139-2B2E5BFB3BD8}" type="pres">
-      <dgm:prSet presAssocID="{904D13CF-20B5-45F7-B411-C4B04322AD45}" presName="node" presStyleLbl="node1" presStyleIdx="5" presStyleCnt="6">
-        <dgm:presLayoutVars>
-          <dgm:bulletEnabled val="1"/>
-        </dgm:presLayoutVars>
-      </dgm:prSet>
-      <dgm:spPr/>
-    </dgm:pt>
   </dgm:ptLst>
   <dgm:cxnLst>
     <dgm:cxn modelId="{F97F7400-5F3F-4511-99AF-C09BD42FD039}" type="presOf" srcId="{E3006435-1BF9-4FD6-9C31-7ED4490DE600}" destId="{9A6F0891-C47C-4E2B-BFC4-7050A71F9598}" srcOrd="1" destOrd="0" presId="urn:microsoft.com/office/officeart/2005/8/layout/process2"/>
     <dgm:cxn modelId="{DD444703-08F9-4BBF-AC2A-0976E6EAA556}" srcId="{4C6B6F34-EBF2-438E-B3B7-957DBAF6DA06}" destId="{0EA7596A-34F1-4CE4-AD46-2937F6D05F61}" srcOrd="2" destOrd="0" parTransId="{F43BB90B-B156-42E6-9B7C-9F90F9B30A68}" sibTransId="{E3006435-1BF9-4FD6-9C31-7ED4490DE600}"/>
-    <dgm:cxn modelId="{0A9ED107-5EF4-4BED-ACB6-02FA1F2A5727}" type="presOf" srcId="{84DFCA05-8CD1-4341-901B-BC2EC2304DDB}" destId="{A925C887-9070-437F-84BF-13625E2D8C00}" srcOrd="1" destOrd="0" presId="urn:microsoft.com/office/officeart/2005/8/layout/process2"/>
     <dgm:cxn modelId="{085A1E0C-FAE9-4517-BEB5-3719AAFE0535}" type="presOf" srcId="{3A3A765D-45CB-4909-B3B4-7B9C8089DBBE}" destId="{D4AF0274-1388-4F6B-8D53-52A6FED89246}" srcOrd="0" destOrd="0" presId="urn:microsoft.com/office/officeart/2005/8/layout/process2"/>
     <dgm:cxn modelId="{58FFE822-79DD-45BE-A39D-0AEC2D33D243}" type="presOf" srcId="{D9A164A5-C4EE-4E2C-BCB9-FC9B1367C8C9}" destId="{8DB52F31-1B42-4B55-A5C5-93099FA660CA}" srcOrd="0" destOrd="0" presId="urn:microsoft.com/office/officeart/2005/8/layout/process2"/>
     <dgm:cxn modelId="{3B417F30-F813-4EA9-B108-43EF204F7770}" type="presOf" srcId="{0C0BF99E-58D0-4FAA-A800-B1F81FBC0008}" destId="{DE734AF0-F15D-43AA-9AA5-E7449D3D3242}" srcOrd="0" destOrd="0" presId="urn:microsoft.com/office/officeart/2005/8/layout/process2"/>
     <dgm:cxn modelId="{F0B6D332-99FB-4164-A8B7-AB0DED1125E0}" srcId="{4C6B6F34-EBF2-438E-B3B7-957DBAF6DA06}" destId="{6E63DDAB-E0C7-493D-AA1D-876DA0421EBF}" srcOrd="0" destOrd="0" parTransId="{0F29EA39-47A9-456B-B289-6276254019D4}" sibTransId="{0C0BF99E-58D0-4FAA-A800-B1F81FBC0008}"/>
     <dgm:cxn modelId="{7DF06565-05CB-4B0F-BBA8-F00B84787873}" type="presOf" srcId="{91FC2AB7-B1E8-4D87-AF6A-71E755A3CAA2}" destId="{164DDEB3-DF6D-4D8A-AB77-57CE925C2E9F}" srcOrd="0" destOrd="0" presId="urn:microsoft.com/office/officeart/2005/8/layout/process2"/>
-    <dgm:cxn modelId="{D66BDF65-AD23-4328-B996-97D85E65D8D4}" srcId="{4C6B6F34-EBF2-438E-B3B7-957DBAF6DA06}" destId="{91FC2AB7-B1E8-4D87-AF6A-71E755A3CAA2}" srcOrd="4" destOrd="0" parTransId="{D6B86AE7-3792-458A-98FF-74E6B591785F}" sibTransId="{69FE11D4-A6F2-44FB-9706-14C29F2E3AC8}"/>
+    <dgm:cxn modelId="{D66BDF65-AD23-4328-B996-97D85E65D8D4}" srcId="{4C6B6F34-EBF2-438E-B3B7-957DBAF6DA06}" destId="{91FC2AB7-B1E8-4D87-AF6A-71E755A3CAA2}" srcOrd="3" destOrd="0" parTransId="{D6B86AE7-3792-458A-98FF-74E6B591785F}" sibTransId="{69FE11D4-A6F2-44FB-9706-14C29F2E3AC8}"/>
     <dgm:cxn modelId="{041BE877-F74B-4506-8223-BAA0514CDF4F}" type="presOf" srcId="{4C6B6F34-EBF2-438E-B3B7-957DBAF6DA06}" destId="{0F8C4796-60B9-44F0-95F7-C8F53E0D6F5B}" srcOrd="0" destOrd="0" presId="urn:microsoft.com/office/officeart/2005/8/layout/process2"/>
     <dgm:cxn modelId="{9505A47A-7635-4F9C-ACDD-8AAC4600A121}" type="presOf" srcId="{69FE11D4-A6F2-44FB-9706-14C29F2E3AC8}" destId="{C5DEC020-9475-4AE8-B5C4-B31F7E4BC4BF}" srcOrd="1" destOrd="0" presId="urn:microsoft.com/office/officeart/2005/8/layout/process2"/>
     <dgm:cxn modelId="{13FCCE7E-9669-4D5E-95D5-2B01BD92A353}" type="presOf" srcId="{0C0BF99E-58D0-4FAA-A800-B1F81FBC0008}" destId="{5E1CEAA5-0423-4DCA-8EB1-AEC797E763EE}" srcOrd="1" destOrd="0" presId="urn:microsoft.com/office/officeart/2005/8/layout/process2"/>
-    <dgm:cxn modelId="{C6B3718C-B4DA-4F52-8997-16313F1728AA}" srcId="{4C6B6F34-EBF2-438E-B3B7-957DBAF6DA06}" destId="{904A5E4D-E340-444D-A17E-D26A08D4D0CA}" srcOrd="3" destOrd="0" parTransId="{8E3136ED-0CB7-4600-BF24-1FD1CD7E43EA}" sibTransId="{84DFCA05-8CD1-4341-901B-BC2EC2304DDB}"/>
     <dgm:cxn modelId="{727F38CF-C7C3-47A9-8F05-5B2A08850324}" type="presOf" srcId="{E3006435-1BF9-4FD6-9C31-7ED4490DE600}" destId="{018C7C0E-1BF5-4952-ACA5-977E53384722}" srcOrd="0" destOrd="0" presId="urn:microsoft.com/office/officeart/2005/8/layout/process2"/>
     <dgm:cxn modelId="{9DDAD1D2-B693-448D-AA4B-57AF44DAAFE5}" type="presOf" srcId="{3A3A765D-45CB-4909-B3B4-7B9C8089DBBE}" destId="{FA84D1E7-8CF9-4F3E-B109-DBB564D82884}" srcOrd="1" destOrd="0" presId="urn:microsoft.com/office/officeart/2005/8/layout/process2"/>
-    <dgm:cxn modelId="{9705BAD3-7F2D-4241-92F2-BB840FE574C1}" type="presOf" srcId="{84DFCA05-8CD1-4341-901B-BC2EC2304DDB}" destId="{648E255A-B01E-4EFD-BD53-6C00B2E025D5}" srcOrd="0" destOrd="0" presId="urn:microsoft.com/office/officeart/2005/8/layout/process2"/>
     <dgm:cxn modelId="{0642FAD5-29D0-4E72-AB17-3364D2E947FE}" type="presOf" srcId="{904D13CF-20B5-45F7-B411-C4B04322AD45}" destId="{6F905638-7C0C-4414-A139-2B2E5BFB3BD8}" srcOrd="0" destOrd="0" presId="urn:microsoft.com/office/officeart/2005/8/layout/process2"/>
-    <dgm:cxn modelId="{6ED578E0-0714-4963-AC6F-BA4BCDA4DEDD}" srcId="{4C6B6F34-EBF2-438E-B3B7-957DBAF6DA06}" destId="{904D13CF-20B5-45F7-B411-C4B04322AD45}" srcOrd="5" destOrd="0" parTransId="{99E8C748-AFDC-4A43-B7B7-8C9ABB77872B}" sibTransId="{E8F05EC8-AF1F-4FDC-91AE-4FAE4C0B9391}"/>
+    <dgm:cxn modelId="{6ED578E0-0714-4963-AC6F-BA4BCDA4DEDD}" srcId="{4C6B6F34-EBF2-438E-B3B7-957DBAF6DA06}" destId="{904D13CF-20B5-45F7-B411-C4B04322AD45}" srcOrd="4" destOrd="0" parTransId="{99E8C748-AFDC-4A43-B7B7-8C9ABB77872B}" sibTransId="{E8F05EC8-AF1F-4FDC-91AE-4FAE4C0B9391}"/>
     <dgm:cxn modelId="{84DA56E3-F24E-4F53-AD97-DB23D066A087}" type="presOf" srcId="{0EA7596A-34F1-4CE4-AD46-2937F6D05F61}" destId="{393E3C96-C34C-451A-92F8-886DD2CD2B93}" srcOrd="0" destOrd="0" presId="urn:microsoft.com/office/officeart/2005/8/layout/process2"/>
-    <dgm:cxn modelId="{6F71FCEA-ED53-4B1E-8280-7E0FE3A0F484}" type="presOf" srcId="{904A5E4D-E340-444D-A17E-D26A08D4D0CA}" destId="{3C8485D3-5E38-4106-AB35-87DD069A821F}" srcOrd="0" destOrd="0" presId="urn:microsoft.com/office/officeart/2005/8/layout/process2"/>
     <dgm:cxn modelId="{5D3071EB-87D3-4049-85C8-C8C2CA8C9DA1}" type="presOf" srcId="{69FE11D4-A6F2-44FB-9706-14C29F2E3AC8}" destId="{9BA57664-CD12-4F05-BF31-8399FF3938EE}" srcOrd="0" destOrd="0" presId="urn:microsoft.com/office/officeart/2005/8/layout/process2"/>
     <dgm:cxn modelId="{923B37EE-D128-4A8A-84A7-FA079699B387}" type="presOf" srcId="{6E63DDAB-E0C7-493D-AA1D-876DA0421EBF}" destId="{32F3F580-B4AE-4A75-B4D5-199177EDC857}" srcOrd="0" destOrd="0" presId="urn:microsoft.com/office/officeart/2005/8/layout/process2"/>
     <dgm:cxn modelId="{256209F6-6CBC-4B7E-B7FD-2B6C071D798B}" srcId="{4C6B6F34-EBF2-438E-B3B7-957DBAF6DA06}" destId="{D9A164A5-C4EE-4E2C-BCB9-FC9B1367C8C9}" srcOrd="1" destOrd="0" parTransId="{4AA0B12F-FC0A-441A-8E6D-B24937D51028}" sibTransId="{3A3A765D-45CB-4909-B3B4-7B9C8089DBBE}"/>
@@ -3719,13 +3631,10 @@
     <dgm:cxn modelId="{9DD2B436-5F21-4E06-AEA8-F4763CC1FC3A}" type="presParOf" srcId="{0F8C4796-60B9-44F0-95F7-C8F53E0D6F5B}" destId="{393E3C96-C34C-451A-92F8-886DD2CD2B93}" srcOrd="4" destOrd="0" presId="urn:microsoft.com/office/officeart/2005/8/layout/process2"/>
     <dgm:cxn modelId="{079CEB64-8379-4B4B-8CD1-1E1313245DFE}" type="presParOf" srcId="{0F8C4796-60B9-44F0-95F7-C8F53E0D6F5B}" destId="{018C7C0E-1BF5-4952-ACA5-977E53384722}" srcOrd="5" destOrd="0" presId="urn:microsoft.com/office/officeart/2005/8/layout/process2"/>
     <dgm:cxn modelId="{E2AEF74D-31B1-451D-9D8E-B03F88929D0F}" type="presParOf" srcId="{018C7C0E-1BF5-4952-ACA5-977E53384722}" destId="{9A6F0891-C47C-4E2B-BFC4-7050A71F9598}" srcOrd="0" destOrd="0" presId="urn:microsoft.com/office/officeart/2005/8/layout/process2"/>
-    <dgm:cxn modelId="{E8E62AF2-B90F-4439-9F99-35E8E7A7FA62}" type="presParOf" srcId="{0F8C4796-60B9-44F0-95F7-C8F53E0D6F5B}" destId="{3C8485D3-5E38-4106-AB35-87DD069A821F}" srcOrd="6" destOrd="0" presId="urn:microsoft.com/office/officeart/2005/8/layout/process2"/>
-    <dgm:cxn modelId="{380BEE7A-542D-4DEC-B690-87F89392795E}" type="presParOf" srcId="{0F8C4796-60B9-44F0-95F7-C8F53E0D6F5B}" destId="{648E255A-B01E-4EFD-BD53-6C00B2E025D5}" srcOrd="7" destOrd="0" presId="urn:microsoft.com/office/officeart/2005/8/layout/process2"/>
-    <dgm:cxn modelId="{D97A3EBF-4CCC-4EB1-8FE0-DC70956F2619}" type="presParOf" srcId="{648E255A-B01E-4EFD-BD53-6C00B2E025D5}" destId="{A925C887-9070-437F-84BF-13625E2D8C00}" srcOrd="0" destOrd="0" presId="urn:microsoft.com/office/officeart/2005/8/layout/process2"/>
-    <dgm:cxn modelId="{35376DAD-FC46-484D-94CE-3EC64D85CACF}" type="presParOf" srcId="{0F8C4796-60B9-44F0-95F7-C8F53E0D6F5B}" destId="{164DDEB3-DF6D-4D8A-AB77-57CE925C2E9F}" srcOrd="8" destOrd="0" presId="urn:microsoft.com/office/officeart/2005/8/layout/process2"/>
-    <dgm:cxn modelId="{B8FDD49C-5E2A-4F63-BD96-A33F796A894A}" type="presParOf" srcId="{0F8C4796-60B9-44F0-95F7-C8F53E0D6F5B}" destId="{9BA57664-CD12-4F05-BF31-8399FF3938EE}" srcOrd="9" destOrd="0" presId="urn:microsoft.com/office/officeart/2005/8/layout/process2"/>
+    <dgm:cxn modelId="{35376DAD-FC46-484D-94CE-3EC64D85CACF}" type="presParOf" srcId="{0F8C4796-60B9-44F0-95F7-C8F53E0D6F5B}" destId="{164DDEB3-DF6D-4D8A-AB77-57CE925C2E9F}" srcOrd="6" destOrd="0" presId="urn:microsoft.com/office/officeart/2005/8/layout/process2"/>
+    <dgm:cxn modelId="{B8FDD49C-5E2A-4F63-BD96-A33F796A894A}" type="presParOf" srcId="{0F8C4796-60B9-44F0-95F7-C8F53E0D6F5B}" destId="{9BA57664-CD12-4F05-BF31-8399FF3938EE}" srcOrd="7" destOrd="0" presId="urn:microsoft.com/office/officeart/2005/8/layout/process2"/>
     <dgm:cxn modelId="{FEA80009-8437-40D8-A756-FAEC93C34A2D}" type="presParOf" srcId="{9BA57664-CD12-4F05-BF31-8399FF3938EE}" destId="{C5DEC020-9475-4AE8-B5C4-B31F7E4BC4BF}" srcOrd="0" destOrd="0" presId="urn:microsoft.com/office/officeart/2005/8/layout/process2"/>
-    <dgm:cxn modelId="{2135BFA1-8F37-4129-84FB-B2C5E959083D}" type="presParOf" srcId="{0F8C4796-60B9-44F0-95F7-C8F53E0D6F5B}" destId="{6F905638-7C0C-4414-A139-2B2E5BFB3BD8}" srcOrd="10" destOrd="0" presId="urn:microsoft.com/office/officeart/2005/8/layout/process2"/>
+    <dgm:cxn modelId="{2135BFA1-8F37-4129-84FB-B2C5E959083D}" type="presParOf" srcId="{0F8C4796-60B9-44F0-95F7-C8F53E0D6F5B}" destId="{6F905638-7C0C-4414-A139-2B2E5BFB3BD8}" srcOrd="8" destOrd="0" presId="urn:microsoft.com/office/officeart/2005/8/layout/process2"/>
   </dgm:cxnLst>
   <dgm:bg/>
   <dgm:whole/>
@@ -5624,8 +5533,8 @@
       </dsp:nvSpPr>
       <dsp:spPr>
         <a:xfrm>
-          <a:off x="2565565" y="5643"/>
-          <a:ext cx="2996869" cy="749217"/>
+          <a:off x="2586222" y="778"/>
+          <a:ext cx="2955555" cy="911153"/>
         </a:xfrm>
         <a:prstGeom prst="roundRect">
           <a:avLst>
@@ -5702,8 +5611,8 @@
         </a:p>
       </dsp:txBody>
       <dsp:txXfrm>
-        <a:off x="2587509" y="27587"/>
-        <a:ext cx="2952981" cy="705329"/>
+        <a:off x="2612909" y="27465"/>
+        <a:ext cx="2902181" cy="857779"/>
       </dsp:txXfrm>
     </dsp:sp>
     <dsp:sp modelId="{DE734AF0-F15D-43AA-9AA5-E7449D3D3242}">
@@ -5713,8 +5622,8 @@
       </dsp:nvSpPr>
       <dsp:spPr>
         <a:xfrm rot="5400000">
-          <a:off x="3923521" y="773591"/>
-          <a:ext cx="280956" cy="337147"/>
+          <a:off x="3893158" y="934711"/>
+          <a:ext cx="341682" cy="410019"/>
         </a:xfrm>
         <a:prstGeom prst="rightArrow">
           <a:avLst>
@@ -5772,8 +5681,8 @@
         </a:p>
       </dsp:txBody>
       <dsp:txXfrm rot="-5400000">
-        <a:off x="3962855" y="801687"/>
-        <a:ext cx="202289" cy="196669"/>
+        <a:off x="3940994" y="968880"/>
+        <a:ext cx="246011" cy="239177"/>
       </dsp:txXfrm>
     </dsp:sp>
     <dsp:sp modelId="{8DB52F31-1B42-4B55-A5C5-93099FA660CA}">
@@ -5783,8 +5692,8 @@
       </dsp:nvSpPr>
       <dsp:spPr>
         <a:xfrm>
-          <a:off x="2565565" y="1129469"/>
-          <a:ext cx="2996869" cy="749217"/>
+          <a:off x="2586222" y="1367509"/>
+          <a:ext cx="2955555" cy="911153"/>
         </a:xfrm>
         <a:prstGeom prst="roundRect">
           <a:avLst>
@@ -5913,8 +5822,8 @@
         </a:p>
       </dsp:txBody>
       <dsp:txXfrm>
-        <a:off x="2587509" y="1151413"/>
-        <a:ext cx="2952981" cy="705329"/>
+        <a:off x="2612909" y="1394196"/>
+        <a:ext cx="2902181" cy="857779"/>
       </dsp:txXfrm>
     </dsp:sp>
     <dsp:sp modelId="{D4AF0274-1388-4F6B-8D53-52A6FED89246}">
@@ -5924,8 +5833,8 @@
       </dsp:nvSpPr>
       <dsp:spPr>
         <a:xfrm rot="5400000">
-          <a:off x="3923521" y="1897417"/>
-          <a:ext cx="280956" cy="337147"/>
+          <a:off x="3893158" y="2301442"/>
+          <a:ext cx="341682" cy="410019"/>
         </a:xfrm>
         <a:prstGeom prst="rightArrow">
           <a:avLst>
@@ -5983,8 +5892,8 @@
         </a:p>
       </dsp:txBody>
       <dsp:txXfrm rot="-5400000">
-        <a:off x="3962855" y="1925513"/>
-        <a:ext cx="202289" cy="196669"/>
+        <a:off x="3940994" y="2335611"/>
+        <a:ext cx="246011" cy="239177"/>
       </dsp:txXfrm>
     </dsp:sp>
     <dsp:sp modelId="{393E3C96-C34C-451A-92F8-886DD2CD2B93}">
@@ -5994,8 +5903,8 @@
       </dsp:nvSpPr>
       <dsp:spPr>
         <a:xfrm>
-          <a:off x="2565565" y="2253295"/>
-          <a:ext cx="2996869" cy="749217"/>
+          <a:off x="2586222" y="2734240"/>
+          <a:ext cx="2955555" cy="911153"/>
         </a:xfrm>
         <a:prstGeom prst="roundRect">
           <a:avLst>
@@ -6087,8 +5996,8 @@
         </a:p>
       </dsp:txBody>
       <dsp:txXfrm>
-        <a:off x="2587509" y="2275239"/>
-        <a:ext cx="2952981" cy="705329"/>
+        <a:off x="2612909" y="2760927"/>
+        <a:ext cx="2902181" cy="857779"/>
       </dsp:txXfrm>
     </dsp:sp>
     <dsp:sp modelId="{018C7C0E-1BF5-4952-ACA5-977E53384722}">
@@ -6098,8 +6007,8 @@
       </dsp:nvSpPr>
       <dsp:spPr>
         <a:xfrm rot="5400000">
-          <a:off x="3923521" y="3021243"/>
-          <a:ext cx="280956" cy="337147"/>
+          <a:off x="3893158" y="3668172"/>
+          <a:ext cx="341682" cy="410019"/>
         </a:xfrm>
         <a:prstGeom prst="rightArrow">
           <a:avLst>
@@ -6157,19 +6066,19 @@
         </a:p>
       </dsp:txBody>
       <dsp:txXfrm rot="-5400000">
-        <a:off x="3962855" y="3049339"/>
-        <a:ext cx="202289" cy="196669"/>
+        <a:off x="3940994" y="3702341"/>
+        <a:ext cx="246011" cy="239177"/>
       </dsp:txXfrm>
     </dsp:sp>
-    <dsp:sp modelId="{3C8485D3-5E38-4106-AB35-87DD069A821F}">
+    <dsp:sp modelId="{164DDEB3-DF6D-4D8A-AB77-57CE925C2E9F}">
       <dsp:nvSpPr>
         <dsp:cNvPr id="0" name=""/>
         <dsp:cNvSpPr/>
       </dsp:nvSpPr>
       <dsp:spPr>
         <a:xfrm>
-          <a:off x="2565565" y="3377121"/>
-          <a:ext cx="2996869" cy="749217"/>
+          <a:off x="2586222" y="4100970"/>
+          <a:ext cx="2955555" cy="911153"/>
         </a:xfrm>
         <a:prstGeom prst="roundRect">
           <a:avLst>
@@ -6236,11 +6145,43 @@
           </a:r>
           <a:r>
             <a:rPr lang="de-DE" sz="1600" kern="1200" dirty="0" err="1"/>
-            <a:t>defined</a:t>
+            <a:t>passed</a:t>
           </a:r>
           <a:r>
             <a:rPr lang="de-DE" sz="1600" kern="1200" dirty="0"/>
-            <a:t> in </a:t>
+            <a:t> </a:t>
+          </a:r>
+          <a:r>
+            <a:rPr lang="de-DE" sz="1600" kern="1200" dirty="0" err="1"/>
+            <a:t>to</a:t>
+          </a:r>
+          <a:r>
+            <a:rPr lang="de-DE" sz="1600" kern="1200" dirty="0"/>
+            <a:t> „</a:t>
+          </a:r>
+          <a:r>
+            <a:rPr lang="de-DE" sz="1600" kern="1200" dirty="0" err="1"/>
+            <a:t>runScenarios</a:t>
+          </a:r>
+          <a:r>
+            <a:rPr lang="de-DE" sz="1600" kern="1200" dirty="0"/>
+            <a:t>()“ </a:t>
+          </a:r>
+          <a:r>
+            <a:rPr lang="de-DE" sz="1600" kern="1200" dirty="0" err="1"/>
+            <a:t>function</a:t>
+          </a:r>
+          <a:r>
+            <a:rPr lang="de-DE" sz="1600" kern="1200" dirty="0"/>
+            <a:t> </a:t>
+          </a:r>
+          <a:r>
+            <a:rPr lang="de-DE" sz="1600" kern="1200" dirty="0" err="1"/>
+            <a:t>with</a:t>
+          </a:r>
+          <a:r>
+            <a:rPr lang="de-DE" sz="1600" kern="1200" dirty="0"/>
+            <a:t> </a:t>
           </a:r>
           <a:r>
             <a:rPr lang="de-DE" sz="1600" kern="1200" dirty="0" err="1"/>
@@ -6248,40 +6189,37 @@
           </a:r>
           <a:r>
             <a:rPr lang="de-DE" sz="1600" kern="1200" dirty="0"/>
-            <a:t> „Code/</a:t>
+            <a:t> „</a:t>
           </a:r>
           <a:r>
             <a:rPr lang="de-DE" sz="1600" kern="1200" dirty="0" err="1"/>
-            <a:t>InputCode</a:t>
+            <a:t>customParams</a:t>
           </a:r>
           <a:r>
             <a:rPr lang="de-DE" sz="1600" kern="1200" dirty="0"/>
-            <a:t>/</a:t>
+            <a:t>“ </a:t>
           </a:r>
           <a:r>
             <a:rPr lang="de-DE" sz="1600" kern="1200" dirty="0" err="1"/>
-            <a:t>TestParameters.R</a:t>
-          </a:r>
-          <a:r>
-            <a:rPr lang="de-DE" sz="1600" kern="1200" dirty="0"/>
-            <a:t>“</a:t>
-          </a:r>
+            <a:t>argument</a:t>
+          </a:r>
+          <a:endParaRPr lang="de-DE" sz="1600" kern="1200" dirty="0"/>
         </a:p>
       </dsp:txBody>
       <dsp:txXfrm>
-        <a:off x="2587509" y="3399065"/>
-        <a:ext cx="2952981" cy="705329"/>
+        <a:off x="2612909" y="4127657"/>
+        <a:ext cx="2902181" cy="857779"/>
       </dsp:txXfrm>
     </dsp:sp>
-    <dsp:sp modelId="{648E255A-B01E-4EFD-BD53-6C00B2E025D5}">
+    <dsp:sp modelId="{9BA57664-CD12-4F05-BF31-8399FF3938EE}">
       <dsp:nvSpPr>
         <dsp:cNvPr id="0" name=""/>
         <dsp:cNvSpPr/>
       </dsp:nvSpPr>
       <dsp:spPr>
         <a:xfrm rot="5400000">
-          <a:off x="3923521" y="4145069"/>
-          <a:ext cx="280956" cy="337147"/>
+          <a:off x="3893158" y="5034903"/>
+          <a:ext cx="341682" cy="410019"/>
         </a:xfrm>
         <a:prstGeom prst="rightArrow">
           <a:avLst>
@@ -6323,7 +6261,7 @@
         </a:bodyPr>
         <a:lstStyle/>
         <a:p>
-          <a:pPr marL="0" lvl="0" indent="0" algn="ctr" defTabSz="1066800">
+          <a:pPr marL="0" lvl="0" indent="0" algn="ctr" defTabSz="755650">
             <a:lnSpc>
               <a:spcPct val="90000"/>
             </a:lnSpc>
@@ -6335,23 +6273,23 @@
             </a:spcAft>
             <a:buNone/>
           </a:pPr>
-          <a:endParaRPr lang="en-US" sz="2400" kern="1200"/>
+          <a:endParaRPr lang="en-US" sz="1700" kern="1200"/>
         </a:p>
       </dsp:txBody>
       <dsp:txXfrm rot="-5400000">
-        <a:off x="3962855" y="4173165"/>
-        <a:ext cx="202289" cy="196669"/>
+        <a:off x="3940994" y="5069072"/>
+        <a:ext cx="246011" cy="239177"/>
       </dsp:txXfrm>
     </dsp:sp>
-    <dsp:sp modelId="{164DDEB3-DF6D-4D8A-AB77-57CE925C2E9F}">
+    <dsp:sp modelId="{6F905638-7C0C-4414-A139-2B2E5BFB3BD8}">
       <dsp:nvSpPr>
         <dsp:cNvPr id="0" name=""/>
         <dsp:cNvSpPr/>
       </dsp:nvSpPr>
       <dsp:spPr>
         <a:xfrm>
-          <a:off x="2565565" y="4500947"/>
-          <a:ext cx="2996869" cy="749217"/>
+          <a:off x="2586222" y="5467701"/>
+          <a:ext cx="2955555" cy="911153"/>
         </a:xfrm>
         <a:prstGeom prst="roundRect">
           <a:avLst>
@@ -6395,12 +6333,12 @@
         </a:fontRef>
       </dsp:style>
       <dsp:txBody>
-        <a:bodyPr spcFirstLastPara="0" vert="horz" wrap="square" lIns="60960" tIns="60960" rIns="60960" bIns="60960" numCol="1" spcCol="1270" anchor="ctr" anchorCtr="0">
+        <a:bodyPr spcFirstLastPara="0" vert="horz" wrap="square" lIns="80010" tIns="80010" rIns="80010" bIns="80010" numCol="1" spcCol="1270" anchor="ctr" anchorCtr="0">
           <a:noAutofit/>
         </a:bodyPr>
         <a:lstStyle/>
         <a:p>
-          <a:pPr marL="0" lvl="0" indent="0" algn="ctr" defTabSz="711200">
+          <a:pPr marL="0" lvl="0" indent="0" algn="ctr" defTabSz="933450">
             <a:lnSpc>
               <a:spcPct val="90000"/>
             </a:lnSpc>
@@ -6413,254 +6351,43 @@
             <a:buNone/>
           </a:pPr>
           <a:r>
-            <a:rPr lang="de-DE" sz="1600" kern="1200" dirty="0"/>
+            <a:rPr lang="de-DE" sz="2100" kern="1200" dirty="0"/>
             <a:t>Parameters </a:t>
           </a:r>
           <a:r>
-            <a:rPr lang="de-DE" sz="1600" kern="1200" dirty="0" err="1"/>
-            <a:t>passed</a:t>
-          </a:r>
-          <a:r>
-            <a:rPr lang="de-DE" sz="1600" kern="1200" dirty="0"/>
+            <a:rPr lang="de-DE" sz="2100" kern="1200" dirty="0" err="1"/>
+            <a:t>defined</a:t>
+          </a:r>
+          <a:r>
+            <a:rPr lang="de-DE" sz="2100" kern="1200" dirty="0"/>
+            <a:t> in </a:t>
+          </a:r>
+          <a:r>
+            <a:rPr lang="de-DE" sz="2100" kern="1200" dirty="0" err="1"/>
+            <a:t>the</a:t>
+          </a:r>
+          <a:r>
+            <a:rPr lang="de-DE" sz="2100" kern="1200" dirty="0"/>
             <a:t> </a:t>
           </a:r>
           <a:r>
-            <a:rPr lang="de-DE" sz="1600" kern="1200" dirty="0" err="1"/>
-            <a:t>to</a:t>
-          </a:r>
-          <a:r>
-            <a:rPr lang="de-DE" sz="1600" kern="1200" dirty="0"/>
-            <a:t> „</a:t>
-          </a:r>
-          <a:r>
-            <a:rPr lang="de-DE" sz="1600" kern="1200" dirty="0" err="1"/>
-            <a:t>runScenarios</a:t>
-          </a:r>
-          <a:r>
-            <a:rPr lang="de-DE" sz="1600" kern="1200" dirty="0"/>
-            <a:t>()“ </a:t>
-          </a:r>
-          <a:r>
-            <a:rPr lang="de-DE" sz="1600" kern="1200" dirty="0" err="1"/>
-            <a:t>function</a:t>
-          </a:r>
-          <a:r>
-            <a:rPr lang="de-DE" sz="1600" kern="1200" dirty="0"/>
+            <a:rPr lang="de-DE" sz="2100" kern="1200" dirty="0" err="1"/>
+            <a:t>Application</a:t>
+          </a:r>
+          <a:r>
+            <a:rPr lang="de-DE" sz="2100" kern="1200" dirty="0"/>
             <a:t> </a:t>
           </a:r>
           <a:r>
-            <a:rPr lang="de-DE" sz="1600" kern="1200" dirty="0" err="1"/>
-            <a:t>with</a:t>
-          </a:r>
-          <a:r>
-            <a:rPr lang="de-DE" sz="1600" kern="1200" dirty="0"/>
-            <a:t> </a:t>
-          </a:r>
-          <a:r>
-            <a:rPr lang="de-DE" sz="1600" kern="1200" dirty="0" err="1"/>
-            <a:t>the</a:t>
-          </a:r>
-          <a:r>
-            <a:rPr lang="de-DE" sz="1600" kern="1200" dirty="0"/>
-            <a:t> „</a:t>
-          </a:r>
-          <a:r>
-            <a:rPr lang="de-DE" sz="1600" kern="1200" dirty="0" err="1"/>
-            <a:t>customParams</a:t>
-          </a:r>
-          <a:r>
-            <a:rPr lang="de-DE" sz="1600" kern="1200" dirty="0"/>
-            <a:t>“ </a:t>
-          </a:r>
-          <a:r>
-            <a:rPr lang="de-DE" sz="1600" kern="1200" dirty="0" err="1"/>
-            <a:t>argument</a:t>
-          </a:r>
-          <a:endParaRPr lang="de-DE" sz="1600" kern="1200" dirty="0"/>
+            <a:rPr lang="de-DE" sz="2100" kern="1200" dirty="0" err="1"/>
+            <a:t>protocol</a:t>
+          </a:r>
+          <a:endParaRPr lang="de-DE" sz="2100" kern="1200" dirty="0"/>
         </a:p>
       </dsp:txBody>
       <dsp:txXfrm>
-        <a:off x="2587509" y="4522891"/>
-        <a:ext cx="2952981" cy="705329"/>
-      </dsp:txXfrm>
-    </dsp:sp>
-    <dsp:sp modelId="{9BA57664-CD12-4F05-BF31-8399FF3938EE}">
-      <dsp:nvSpPr>
-        <dsp:cNvPr id="0" name=""/>
-        <dsp:cNvSpPr/>
-      </dsp:nvSpPr>
-      <dsp:spPr>
-        <a:xfrm rot="5400000">
-          <a:off x="3923521" y="5268894"/>
-          <a:ext cx="280956" cy="337147"/>
-        </a:xfrm>
-        <a:prstGeom prst="rightArrow">
-          <a:avLst>
-            <a:gd name="adj1" fmla="val 60000"/>
-            <a:gd name="adj2" fmla="val 50000"/>
-          </a:avLst>
-        </a:prstGeom>
-        <a:solidFill>
-          <a:schemeClr val="accent1">
-            <a:tint val="60000"/>
-            <a:hueOff val="0"/>
-            <a:satOff val="0"/>
-            <a:lumOff val="0"/>
-            <a:alphaOff val="0"/>
-          </a:schemeClr>
-        </a:solidFill>
-        <a:ln>
-          <a:noFill/>
-        </a:ln>
-        <a:effectLst/>
-      </dsp:spPr>
-      <dsp:style>
-        <a:lnRef idx="0">
-          <a:scrgbClr r="0" g="0" b="0"/>
-        </a:lnRef>
-        <a:fillRef idx="1">
-          <a:scrgbClr r="0" g="0" b="0"/>
-        </a:fillRef>
-        <a:effectRef idx="0">
-          <a:scrgbClr r="0" g="0" b="0"/>
-        </a:effectRef>
-        <a:fontRef idx="minor">
-          <a:schemeClr val="lt1"/>
-        </a:fontRef>
-      </dsp:style>
-      <dsp:txBody>
-        <a:bodyPr spcFirstLastPara="0" vert="horz" wrap="square" lIns="0" tIns="0" rIns="0" bIns="0" numCol="1" spcCol="1270" anchor="ctr" anchorCtr="0">
-          <a:noAutofit/>
-        </a:bodyPr>
-        <a:lstStyle/>
-        <a:p>
-          <a:pPr marL="0" lvl="0" indent="0" algn="ctr" defTabSz="622300">
-            <a:lnSpc>
-              <a:spcPct val="90000"/>
-            </a:lnSpc>
-            <a:spcBef>
-              <a:spcPct val="0"/>
-            </a:spcBef>
-            <a:spcAft>
-              <a:spcPct val="35000"/>
-            </a:spcAft>
-            <a:buNone/>
-          </a:pPr>
-          <a:endParaRPr lang="en-US" sz="1400" kern="1200"/>
-        </a:p>
-      </dsp:txBody>
-      <dsp:txXfrm rot="-5400000">
-        <a:off x="3962855" y="5296990"/>
-        <a:ext cx="202289" cy="196669"/>
-      </dsp:txXfrm>
-    </dsp:sp>
-    <dsp:sp modelId="{6F905638-7C0C-4414-A139-2B2E5BFB3BD8}">
-      <dsp:nvSpPr>
-        <dsp:cNvPr id="0" name=""/>
-        <dsp:cNvSpPr/>
-      </dsp:nvSpPr>
-      <dsp:spPr>
-        <a:xfrm>
-          <a:off x="2565565" y="5624773"/>
-          <a:ext cx="2996869" cy="749217"/>
-        </a:xfrm>
-        <a:prstGeom prst="roundRect">
-          <a:avLst>
-            <a:gd name="adj" fmla="val 10000"/>
-          </a:avLst>
-        </a:prstGeom>
-        <a:solidFill>
-          <a:schemeClr val="accent1">
-            <a:hueOff val="0"/>
-            <a:satOff val="0"/>
-            <a:lumOff val="0"/>
-            <a:alphaOff val="0"/>
-          </a:schemeClr>
-        </a:solidFill>
-        <a:ln w="12700" cap="flat" cmpd="sng" algn="ctr">
-          <a:solidFill>
-            <a:schemeClr val="lt1">
-              <a:hueOff val="0"/>
-              <a:satOff val="0"/>
-              <a:lumOff val="0"/>
-              <a:alphaOff val="0"/>
-            </a:schemeClr>
-          </a:solidFill>
-          <a:prstDash val="solid"/>
-          <a:miter lim="800000"/>
-        </a:ln>
-        <a:effectLst/>
-      </dsp:spPr>
-      <dsp:style>
-        <a:lnRef idx="2">
-          <a:scrgbClr r="0" g="0" b="0"/>
-        </a:lnRef>
-        <a:fillRef idx="1">
-          <a:scrgbClr r="0" g="0" b="0"/>
-        </a:fillRef>
-        <a:effectRef idx="0">
-          <a:scrgbClr r="0" g="0" b="0"/>
-        </a:effectRef>
-        <a:fontRef idx="minor">
-          <a:schemeClr val="lt1"/>
-        </a:fontRef>
-      </dsp:style>
-      <dsp:txBody>
-        <a:bodyPr spcFirstLastPara="0" vert="horz" wrap="square" lIns="72390" tIns="72390" rIns="72390" bIns="72390" numCol="1" spcCol="1270" anchor="ctr" anchorCtr="0">
-          <a:noAutofit/>
-        </a:bodyPr>
-        <a:lstStyle/>
-        <a:p>
-          <a:pPr marL="0" lvl="0" indent="0" algn="ctr" defTabSz="844550">
-            <a:lnSpc>
-              <a:spcPct val="90000"/>
-            </a:lnSpc>
-            <a:spcBef>
-              <a:spcPct val="0"/>
-            </a:spcBef>
-            <a:spcAft>
-              <a:spcPct val="35000"/>
-            </a:spcAft>
-            <a:buNone/>
-          </a:pPr>
-          <a:r>
-            <a:rPr lang="de-DE" sz="1900" kern="1200" dirty="0"/>
-            <a:t>Parameters </a:t>
-          </a:r>
-          <a:r>
-            <a:rPr lang="de-DE" sz="1900" kern="1200" dirty="0" err="1"/>
-            <a:t>defined</a:t>
-          </a:r>
-          <a:r>
-            <a:rPr lang="de-DE" sz="1900" kern="1200" dirty="0"/>
-            <a:t> in </a:t>
-          </a:r>
-          <a:r>
-            <a:rPr lang="de-DE" sz="1900" kern="1200" dirty="0" err="1"/>
-            <a:t>the</a:t>
-          </a:r>
-          <a:r>
-            <a:rPr lang="de-DE" sz="1900" kern="1200" dirty="0"/>
-            <a:t> </a:t>
-          </a:r>
-          <a:r>
-            <a:rPr lang="de-DE" sz="1900" kern="1200" dirty="0" err="1"/>
-            <a:t>Application</a:t>
-          </a:r>
-          <a:r>
-            <a:rPr lang="de-DE" sz="1900" kern="1200" dirty="0"/>
-            <a:t> </a:t>
-          </a:r>
-          <a:r>
-            <a:rPr lang="de-DE" sz="1900" kern="1200" dirty="0" err="1"/>
-            <a:t>protocol</a:t>
-          </a:r>
-          <a:endParaRPr lang="de-DE" sz="1900" kern="1200" dirty="0"/>
-        </a:p>
-      </dsp:txBody>
-      <dsp:txXfrm>
-        <a:off x="2587509" y="5646717"/>
-        <a:ext cx="2952981" cy="705329"/>
+        <a:off x="2612909" y="5494388"/>
+        <a:ext cx="2902181" cy="857779"/>
       </dsp:txXfrm>
     </dsp:sp>
   </dsp:spTree>
@@ -9264,7 +8991,7 @@
           <a:p>
             <a:fld id="{B199164D-C87C-46DA-8BA8-D57C4A9AE1EA}" type="datetimeFigureOut">
               <a:rPr lang="en-US" smtClean="0"/>
-              <a:t>4/25/2023</a:t>
+              <a:t>4/26/2023</a:t>
             </a:fld>
             <a:endParaRPr lang="en-US"/>
           </a:p>
@@ -9462,7 +9189,7 @@
           <a:p>
             <a:fld id="{B199164D-C87C-46DA-8BA8-D57C4A9AE1EA}" type="datetimeFigureOut">
               <a:rPr lang="en-US" smtClean="0"/>
-              <a:t>4/25/2023</a:t>
+              <a:t>4/26/2023</a:t>
             </a:fld>
             <a:endParaRPr lang="en-US"/>
           </a:p>
@@ -9670,7 +9397,7 @@
           <a:p>
             <a:fld id="{B199164D-C87C-46DA-8BA8-D57C4A9AE1EA}" type="datetimeFigureOut">
               <a:rPr lang="en-US" smtClean="0"/>
-              <a:t>4/25/2023</a:t>
+              <a:t>4/26/2023</a:t>
             </a:fld>
             <a:endParaRPr lang="en-US"/>
           </a:p>
@@ -9868,7 +9595,7 @@
           <a:p>
             <a:fld id="{B199164D-C87C-46DA-8BA8-D57C4A9AE1EA}" type="datetimeFigureOut">
               <a:rPr lang="en-US" smtClean="0"/>
-              <a:t>4/25/2023</a:t>
+              <a:t>4/26/2023</a:t>
             </a:fld>
             <a:endParaRPr lang="en-US"/>
           </a:p>
@@ -10143,7 +9870,7 @@
           <a:p>
             <a:fld id="{B199164D-C87C-46DA-8BA8-D57C4A9AE1EA}" type="datetimeFigureOut">
               <a:rPr lang="en-US" smtClean="0"/>
-              <a:t>4/25/2023</a:t>
+              <a:t>4/26/2023</a:t>
             </a:fld>
             <a:endParaRPr lang="en-US"/>
           </a:p>
@@ -10408,7 +10135,7 @@
           <a:p>
             <a:fld id="{B199164D-C87C-46DA-8BA8-D57C4A9AE1EA}" type="datetimeFigureOut">
               <a:rPr lang="en-US" smtClean="0"/>
-              <a:t>4/25/2023</a:t>
+              <a:t>4/26/2023</a:t>
             </a:fld>
             <a:endParaRPr lang="en-US"/>
           </a:p>
@@ -10820,7 +10547,7 @@
           <a:p>
             <a:fld id="{B199164D-C87C-46DA-8BA8-D57C4A9AE1EA}" type="datetimeFigureOut">
               <a:rPr lang="en-US" smtClean="0"/>
-              <a:t>4/25/2023</a:t>
+              <a:t>4/26/2023</a:t>
             </a:fld>
             <a:endParaRPr lang="en-US"/>
           </a:p>
@@ -10961,7 +10688,7 @@
           <a:p>
             <a:fld id="{B199164D-C87C-46DA-8BA8-D57C4A9AE1EA}" type="datetimeFigureOut">
               <a:rPr lang="en-US" smtClean="0"/>
-              <a:t>4/25/2023</a:t>
+              <a:t>4/26/2023</a:t>
             </a:fld>
             <a:endParaRPr lang="en-US"/>
           </a:p>
@@ -11074,7 +10801,7 @@
           <a:p>
             <a:fld id="{B199164D-C87C-46DA-8BA8-D57C4A9AE1EA}" type="datetimeFigureOut">
               <a:rPr lang="en-US" smtClean="0"/>
-              <a:t>4/25/2023</a:t>
+              <a:t>4/26/2023</a:t>
             </a:fld>
             <a:endParaRPr lang="en-US"/>
           </a:p>
@@ -11385,7 +11112,7 @@
           <a:p>
             <a:fld id="{B199164D-C87C-46DA-8BA8-D57C4A9AE1EA}" type="datetimeFigureOut">
               <a:rPr lang="en-US" smtClean="0"/>
-              <a:t>4/25/2023</a:t>
+              <a:t>4/26/2023</a:t>
             </a:fld>
             <a:endParaRPr lang="en-US"/>
           </a:p>
@@ -11673,7 +11400,7 @@
           <a:p>
             <a:fld id="{B199164D-C87C-46DA-8BA8-D57C4A9AE1EA}" type="datetimeFigureOut">
               <a:rPr lang="en-US" smtClean="0"/>
-              <a:t>4/25/2023</a:t>
+              <a:t>4/26/2023</a:t>
             </a:fld>
             <a:endParaRPr lang="en-US"/>
           </a:p>
@@ -11914,7 +11641,7 @@
           <a:p>
             <a:fld id="{B199164D-C87C-46DA-8BA8-D57C4A9AE1EA}" type="datetimeFigureOut">
               <a:rPr lang="en-US" smtClean="0"/>
-              <a:t>4/25/2023</a:t>
+              <a:t>4/26/2023</a:t>
             </a:fld>
             <a:endParaRPr lang="en-US"/>
           </a:p>
@@ -12876,7 +12603,7 @@
           <p:nvPr>
             <p:extLst>
               <p:ext uri="{D42A27DB-BD31-4B8C-83A1-F6EECF244321}">
-                <p14:modId xmlns:p14="http://schemas.microsoft.com/office/powerpoint/2010/main" val="1460372829"/>
+                <p14:modId xmlns:p14="http://schemas.microsoft.com/office/powerpoint/2010/main" val="4042890966"/>
               </p:ext>
             </p:extLst>
           </p:nvPr>
